--- a/Methodology/01 Modeling.pptx
+++ b/Methodology/01 Modeling.pptx
@@ -8,7 +8,8 @@
     <p:sldId id="256" r:id="rId2"/>
     <p:sldId id="257" r:id="rId3"/>
     <p:sldId id="259" r:id="rId4"/>
-    <p:sldId id="258" r:id="rId5"/>
+    <p:sldId id="260" r:id="rId5"/>
+    <p:sldId id="261" r:id="rId6"/>
   </p:sldIdLst>
   <p:sldSz cx="12192000" cy="6858000"/>
   <p:notesSz cx="6858000" cy="9144000"/>
@@ -107,6 +108,11 @@
       </a:defRPr>
     </a:lvl9pPr>
   </p:defaultTextStyle>
+  <p:extLst>
+    <p:ext uri="{EFAFB233-063F-42B5-8137-9DF3F51BA10A}">
+      <p15:sldGuideLst xmlns:p15="http://schemas.microsoft.com/office/powerpoint/2012/main"/>
+    </p:ext>
+  </p:extLst>
 </p:presentation>
 </file>
 
@@ -259,7 +265,7 @@
           <a:p>
             <a:fld id="{C4577178-897E-1848-B585-6200E63CA2A8}" type="datetimeFigureOut">
               <a:rPr lang="en-CN" smtClean="0"/>
-              <a:t>2020/5/24</a:t>
+              <a:t>6/23/20</a:t>
             </a:fld>
             <a:endParaRPr lang="en-CN"/>
           </a:p>
@@ -459,7 +465,7 @@
           <a:p>
             <a:fld id="{C4577178-897E-1848-B585-6200E63CA2A8}" type="datetimeFigureOut">
               <a:rPr lang="en-CN" smtClean="0"/>
-              <a:t>2020/5/24</a:t>
+              <a:t>6/23/20</a:t>
             </a:fld>
             <a:endParaRPr lang="en-CN"/>
           </a:p>
@@ -669,7 +675,7 @@
           <a:p>
             <a:fld id="{C4577178-897E-1848-B585-6200E63CA2A8}" type="datetimeFigureOut">
               <a:rPr lang="en-CN" smtClean="0"/>
-              <a:t>2020/5/24</a:t>
+              <a:t>6/23/20</a:t>
             </a:fld>
             <a:endParaRPr lang="en-CN"/>
           </a:p>
@@ -869,7 +875,7 @@
           <a:p>
             <a:fld id="{C4577178-897E-1848-B585-6200E63CA2A8}" type="datetimeFigureOut">
               <a:rPr lang="en-CN" smtClean="0"/>
-              <a:t>2020/5/24</a:t>
+              <a:t>6/23/20</a:t>
             </a:fld>
             <a:endParaRPr lang="en-CN"/>
           </a:p>
@@ -1145,7 +1151,7 @@
           <a:p>
             <a:fld id="{C4577178-897E-1848-B585-6200E63CA2A8}" type="datetimeFigureOut">
               <a:rPr lang="en-CN" smtClean="0"/>
-              <a:t>2020/5/24</a:t>
+              <a:t>6/23/20</a:t>
             </a:fld>
             <a:endParaRPr lang="en-CN"/>
           </a:p>
@@ -1413,7 +1419,7 @@
           <a:p>
             <a:fld id="{C4577178-897E-1848-B585-6200E63CA2A8}" type="datetimeFigureOut">
               <a:rPr lang="en-CN" smtClean="0"/>
-              <a:t>2020/5/24</a:t>
+              <a:t>6/23/20</a:t>
             </a:fld>
             <a:endParaRPr lang="en-CN"/>
           </a:p>
@@ -1828,7 +1834,7 @@
           <a:p>
             <a:fld id="{C4577178-897E-1848-B585-6200E63CA2A8}" type="datetimeFigureOut">
               <a:rPr lang="en-CN" smtClean="0"/>
-              <a:t>2020/5/24</a:t>
+              <a:t>6/23/20</a:t>
             </a:fld>
             <a:endParaRPr lang="en-CN"/>
           </a:p>
@@ -1970,7 +1976,7 @@
           <a:p>
             <a:fld id="{C4577178-897E-1848-B585-6200E63CA2A8}" type="datetimeFigureOut">
               <a:rPr lang="en-CN" smtClean="0"/>
-              <a:t>2020/5/24</a:t>
+              <a:t>6/23/20</a:t>
             </a:fld>
             <a:endParaRPr lang="en-CN"/>
           </a:p>
@@ -2083,7 +2089,7 @@
           <a:p>
             <a:fld id="{C4577178-897E-1848-B585-6200E63CA2A8}" type="datetimeFigureOut">
               <a:rPr lang="en-CN" smtClean="0"/>
-              <a:t>2020/5/24</a:t>
+              <a:t>6/23/20</a:t>
             </a:fld>
             <a:endParaRPr lang="en-CN"/>
           </a:p>
@@ -2396,7 +2402,7 @@
           <a:p>
             <a:fld id="{C4577178-897E-1848-B585-6200E63CA2A8}" type="datetimeFigureOut">
               <a:rPr lang="en-CN" smtClean="0"/>
-              <a:t>2020/5/24</a:t>
+              <a:t>6/23/20</a:t>
             </a:fld>
             <a:endParaRPr lang="en-CN"/>
           </a:p>
@@ -2685,7 +2691,7 @@
           <a:p>
             <a:fld id="{C4577178-897E-1848-B585-6200E63CA2A8}" type="datetimeFigureOut">
               <a:rPr lang="en-CN" smtClean="0"/>
-              <a:t>2020/5/24</a:t>
+              <a:t>6/23/20</a:t>
             </a:fld>
             <a:endParaRPr lang="en-CN"/>
           </a:p>
@@ -2928,7 +2934,7 @@
           <a:p>
             <a:fld id="{C4577178-897E-1848-B585-6200E63CA2A8}" type="datetimeFigureOut">
               <a:rPr lang="en-CN" smtClean="0"/>
-              <a:t>2020/5/24</a:t>
+              <a:t>6/23/20</a:t>
             </a:fld>
             <a:endParaRPr lang="en-CN"/>
           </a:p>
@@ -3414,8 +3420,8 @@
           <a:chExt cx="0" cy="0"/>
         </a:xfrm>
       </p:grpSpPr>
-      <mc:AlternateContent xmlns:mc="http://schemas.openxmlformats.org/markup-compatibility/2006">
-        <mc:Choice xmlns:a14="http://schemas.microsoft.com/office/drawing/2010/main" Requires="a14">
+      <mc:AlternateContent xmlns:mc="http://schemas.openxmlformats.org/markup-compatibility/2006" xmlns:a14="http://schemas.microsoft.com/office/drawing/2010/main">
+        <mc:Choice Requires="a14">
           <p:sp>
             <p:nvSpPr>
               <p:cNvPr id="7" name="TextBox 6">
@@ -3450,6 +3456,7 @@
                 </a:r>
               </a:p>
               <a:p>
+                <a:pPr/>
                 <a14:m>
                   <m:oMathPara xmlns:m="http://schemas.openxmlformats.org/officeDocument/2006/math">
                     <m:oMathParaPr>
@@ -3523,6 +3530,7 @@
                 </a:r>
               </a:p>
               <a:p>
+                <a:pPr/>
                 <a14:m>
                   <m:oMathPara xmlns:m="http://schemas.openxmlformats.org/officeDocument/2006/math">
                     <m:oMathParaPr>
@@ -3614,6 +3622,7 @@
                 <a:endParaRPr lang="en-CN" dirty="0"/>
               </a:p>
               <a:p>
+                <a:pPr/>
                 <a14:m>
                   <m:oMathPara xmlns:m="http://schemas.openxmlformats.org/officeDocument/2006/math">
                     <m:oMathParaPr>
@@ -3837,6 +3846,7 @@
                 </a:r>
               </a:p>
               <a:p>
+                <a:pPr/>
                 <a14:m>
                   <m:oMathPara xmlns:m="http://schemas.openxmlformats.org/officeDocument/2006/math">
                     <m:oMathParaPr>
@@ -3896,7 +3906,7 @@
             </p:txBody>
           </p:sp>
         </mc:Choice>
-        <mc:Fallback>
+        <mc:Fallback xmlns="">
           <p:sp>
             <p:nvSpPr>
               <p:cNvPr id="7" name="TextBox 6">
@@ -4021,8 +4031,8 @@
             </a:prstGeom>
           </p:spPr>
         </p:pic>
-        <mc:AlternateContent xmlns:mc="http://schemas.openxmlformats.org/markup-compatibility/2006">
-          <mc:Choice xmlns:a14="http://schemas.microsoft.com/office/drawing/2010/main" Requires="a14">
+        <mc:AlternateContent xmlns:mc="http://schemas.openxmlformats.org/markup-compatibility/2006" xmlns:a14="http://schemas.microsoft.com/office/drawing/2010/main">
+          <mc:Choice Requires="a14">
             <p:sp>
               <p:nvSpPr>
                 <p:cNvPr id="9" name="Rectangle 8">
@@ -4050,6 +4060,7 @@
                 </a:bodyPr>
                 <a:lstStyle/>
                 <a:p>
+                  <a:pPr/>
                   <a14:m>
                     <m:oMathPara xmlns:m="http://schemas.openxmlformats.org/officeDocument/2006/math">
                       <m:oMathParaPr>
@@ -4089,7 +4100,7 @@
               </p:txBody>
             </p:sp>
           </mc:Choice>
-          <mc:Fallback>
+          <mc:Fallback xmlns="">
             <p:sp>
               <p:nvSpPr>
                 <p:cNvPr id="9" name="Rectangle 8">
@@ -4134,8 +4145,8 @@
             </p:sp>
           </mc:Fallback>
         </mc:AlternateContent>
-        <mc:AlternateContent xmlns:mc="http://schemas.openxmlformats.org/markup-compatibility/2006">
-          <mc:Choice xmlns:a14="http://schemas.microsoft.com/office/drawing/2010/main" Requires="a14">
+        <mc:AlternateContent xmlns:mc="http://schemas.openxmlformats.org/markup-compatibility/2006" xmlns:a14="http://schemas.microsoft.com/office/drawing/2010/main">
+          <mc:Choice Requires="a14">
             <p:sp>
               <p:nvSpPr>
                 <p:cNvPr id="10" name="Rectangle 9">
@@ -4163,6 +4174,7 @@
                 </a:bodyPr>
                 <a:lstStyle/>
                 <a:p>
+                  <a:pPr/>
                   <a14:m>
                     <m:oMathPara xmlns:m="http://schemas.openxmlformats.org/officeDocument/2006/math">
                       <m:oMathParaPr>
@@ -4202,7 +4214,7 @@
               </p:txBody>
             </p:sp>
           </mc:Choice>
-          <mc:Fallback>
+          <mc:Fallback xmlns="">
             <p:sp>
               <p:nvSpPr>
                 <p:cNvPr id="10" name="Rectangle 9">
@@ -4247,8 +4259,8 @@
             </p:sp>
           </mc:Fallback>
         </mc:AlternateContent>
-        <mc:AlternateContent xmlns:mc="http://schemas.openxmlformats.org/markup-compatibility/2006">
-          <mc:Choice xmlns:a14="http://schemas.microsoft.com/office/drawing/2010/main" Requires="a14">
+        <mc:AlternateContent xmlns:mc="http://schemas.openxmlformats.org/markup-compatibility/2006" xmlns:a14="http://schemas.microsoft.com/office/drawing/2010/main">
+          <mc:Choice Requires="a14">
             <p:sp>
               <p:nvSpPr>
                 <p:cNvPr id="11" name="Rectangle 10">
@@ -4276,6 +4288,7 @@
                 </a:bodyPr>
                 <a:lstStyle/>
                 <a:p>
+                  <a:pPr/>
                   <a14:m>
                     <m:oMathPara xmlns:m="http://schemas.openxmlformats.org/officeDocument/2006/math">
                       <m:oMathParaPr>
@@ -4315,7 +4328,7 @@
               </p:txBody>
             </p:sp>
           </mc:Choice>
-          <mc:Fallback>
+          <mc:Fallback xmlns="">
             <p:sp>
               <p:nvSpPr>
                 <p:cNvPr id="11" name="Rectangle 10">
@@ -4360,8 +4373,8 @@
             </p:sp>
           </mc:Fallback>
         </mc:AlternateContent>
-        <mc:AlternateContent xmlns:mc="http://schemas.openxmlformats.org/markup-compatibility/2006">
-          <mc:Choice xmlns:a14="http://schemas.microsoft.com/office/drawing/2010/main" Requires="a14">
+        <mc:AlternateContent xmlns:mc="http://schemas.openxmlformats.org/markup-compatibility/2006" xmlns:a14="http://schemas.microsoft.com/office/drawing/2010/main">
+          <mc:Choice Requires="a14">
             <p:sp>
               <p:nvSpPr>
                 <p:cNvPr id="12" name="Rectangle 11">
@@ -4389,6 +4402,7 @@
                 </a:bodyPr>
                 <a:lstStyle/>
                 <a:p>
+                  <a:pPr/>
                   <a14:m>
                     <m:oMathPara xmlns:m="http://schemas.openxmlformats.org/officeDocument/2006/math">
                       <m:oMathParaPr>
@@ -4428,7 +4442,7 @@
               </p:txBody>
             </p:sp>
           </mc:Choice>
-          <mc:Fallback>
+          <mc:Fallback xmlns="">
             <p:sp>
               <p:nvSpPr>
                 <p:cNvPr id="12" name="Rectangle 11">
@@ -4473,8 +4487,8 @@
             </p:sp>
           </mc:Fallback>
         </mc:AlternateContent>
-        <mc:AlternateContent xmlns:mc="http://schemas.openxmlformats.org/markup-compatibility/2006">
-          <mc:Choice xmlns:a14="http://schemas.microsoft.com/office/drawing/2010/main" Requires="a14">
+        <mc:AlternateContent xmlns:mc="http://schemas.openxmlformats.org/markup-compatibility/2006" xmlns:a14="http://schemas.microsoft.com/office/drawing/2010/main">
+          <mc:Choice Requires="a14">
             <p:sp>
               <p:nvSpPr>
                 <p:cNvPr id="13" name="Rectangle 12">
@@ -4502,6 +4516,7 @@
                 </a:bodyPr>
                 <a:lstStyle/>
                 <a:p>
+                  <a:pPr/>
                   <a14:m>
                     <m:oMathPara xmlns:m="http://schemas.openxmlformats.org/officeDocument/2006/math">
                       <m:oMathParaPr>
@@ -4541,7 +4556,7 @@
               </p:txBody>
             </p:sp>
           </mc:Choice>
-          <mc:Fallback>
+          <mc:Fallback xmlns="">
             <p:sp>
               <p:nvSpPr>
                 <p:cNvPr id="13" name="Rectangle 12">
@@ -4617,8 +4632,8 @@
           <a:chExt cx="0" cy="0"/>
         </a:xfrm>
       </p:grpSpPr>
-      <mc:AlternateContent xmlns:mc="http://schemas.openxmlformats.org/markup-compatibility/2006">
-        <mc:Choice xmlns:a14="http://schemas.microsoft.com/office/drawing/2010/main" Requires="a14">
+      <mc:AlternateContent xmlns:mc="http://schemas.openxmlformats.org/markup-compatibility/2006" xmlns:a14="http://schemas.microsoft.com/office/drawing/2010/main">
+        <mc:Choice Requires="a14">
           <p:sp>
             <p:nvSpPr>
               <p:cNvPr id="4" name="Rectangle 3">
@@ -5290,7 +5305,7 @@
             </p:txBody>
           </p:sp>
         </mc:Choice>
-        <mc:Fallback>
+        <mc:Fallback xmlns="">
           <p:sp>
             <p:nvSpPr>
               <p:cNvPr id="4" name="Rectangle 3">
@@ -5379,7 +5394,7 @@
         </p:nvSpPr>
         <p:spPr>
           <a:xfrm rot="16200000">
-            <a:off x="405926" y="3588153"/>
+            <a:off x="431635" y="2956782"/>
             <a:ext cx="439838" cy="370389"/>
           </a:xfrm>
           <a:prstGeom prst="hexagon">
@@ -5427,7 +5442,7 @@
             </p:nvSpPr>
             <p:spPr>
               <a:xfrm>
-                <a:off x="0" y="4263171"/>
+                <a:off x="25709" y="3631800"/>
                 <a:ext cx="1251689" cy="276999"/>
               </a:xfrm>
               <a:prstGeom prst="rect">
@@ -5441,6 +5456,7 @@
               </a:bodyPr>
               <a:lstStyle/>
               <a:p>
+                <a:pPr/>
                 <a14:m>
                   <m:oMathPara xmlns:m="http://schemas.openxmlformats.org/officeDocument/2006/math">
                     <m:oMathParaPr>
@@ -5572,7 +5588,7 @@
             </p:nvSpPr>
             <p:spPr>
               <a:xfrm>
-                <a:off x="0" y="4263171"/>
+                <a:off x="25709" y="3631800"/>
                 <a:ext cx="1251689" cy="276999"/>
               </a:xfrm>
               <a:prstGeom prst="rect">
@@ -5581,7 +5597,7 @@
               <a:blipFill>
                 <a:blip r:embed="rId2"/>
                 <a:stretch>
-                  <a:fillRect l="-2020" b="-28571"/>
+                  <a:fillRect l="-1000" b="-21739"/>
                 </a:stretch>
               </a:blipFill>
             </p:spPr>
@@ -5590,7 +5606,7 @@
               <a:lstStyle/>
               <a:p>
                 <a:r>
-                  <a:rPr lang="en-CN">
+                  <a:rPr lang="zh-CN" altLang="en-US">
                     <a:noFill/>
                   </a:rPr>
                   <a:t> </a:t>
@@ -5622,7 +5638,7 @@
         </p:blipFill>
         <p:spPr>
           <a:xfrm>
-            <a:off x="271892" y="2875144"/>
+            <a:off x="319398" y="2467873"/>
             <a:ext cx="707904" cy="620410"/>
           </a:xfrm>
           <a:prstGeom prst="rect">
@@ -5646,7 +5662,7 @@
             </p:nvSpPr>
             <p:spPr>
               <a:xfrm>
-                <a:off x="979796" y="2772690"/>
+                <a:off x="1005505" y="2141319"/>
                 <a:ext cx="1787366" cy="923330"/>
               </a:xfrm>
               <a:prstGeom prst="rect">
@@ -5674,6 +5690,9 @@
                       <m:sSubPr>
                         <m:ctrlPr>
                           <a:rPr lang="en-US" b="0" i="1" smtClean="0">
+                            <a:solidFill>
+                              <a:srgbClr val="FF0000"/>
+                            </a:solidFill>
                             <a:latin typeface="Cambria Math" panose="02040503050406030204" pitchFamily="18" charset="0"/>
                           </a:rPr>
                         </m:ctrlPr>
@@ -5681,6 +5700,27 @@
                       <m:e>
                         <m:r>
                           <a:rPr lang="en-US" b="0" i="1" smtClean="0">
+                            <a:solidFill>
+                              <a:srgbClr val="FF0000"/>
+                            </a:solidFill>
+                            <a:latin typeface="Cambria Math" panose="02040503050406030204" pitchFamily="18" charset="0"/>
+                          </a:rPr>
+                          <m:t>𝑎</m:t>
+                        </m:r>
+                        <m:r>
+                          <a:rPr lang="en-US" b="0" i="1" smtClean="0">
+                            <a:solidFill>
+                              <a:srgbClr val="FF0000"/>
+                            </a:solidFill>
+                            <a:latin typeface="Cambria Math" panose="02040503050406030204" pitchFamily="18" charset="0"/>
+                          </a:rPr>
+                          <m:t>=</m:t>
+                        </m:r>
+                        <m:r>
+                          <a:rPr lang="en-US" b="0" i="1" smtClean="0">
+                            <a:solidFill>
+                              <a:srgbClr val="FF0000"/>
+                            </a:solidFill>
                             <a:latin typeface="Cambria Math" panose="02040503050406030204" pitchFamily="18" charset="0"/>
                           </a:rPr>
                           <m:t>𝑔</m:t>
@@ -5689,6 +5729,9 @@
                       <m:sub>
                         <m:r>
                           <a:rPr lang="en-US" b="0" i="1" smtClean="0">
+                            <a:solidFill>
+                              <a:srgbClr val="FF0000"/>
+                            </a:solidFill>
                             <a:latin typeface="Cambria Math" panose="02040503050406030204" pitchFamily="18" charset="0"/>
                           </a:rPr>
                           <m:t>1</m:t>
@@ -5722,7 +5765,7 @@
             </p:nvSpPr>
             <p:spPr>
               <a:xfrm>
-                <a:off x="979796" y="2772690"/>
+                <a:off x="1005505" y="2141319"/>
                 <a:ext cx="1787366" cy="923330"/>
               </a:xfrm>
               <a:prstGeom prst="rect">
@@ -5731,7 +5774,7 @@
               <a:blipFill>
                 <a:blip r:embed="rId4"/>
                 <a:stretch>
-                  <a:fillRect t="-1351" b="-9459"/>
+                  <a:fillRect t="-2740" b="-9589"/>
                 </a:stretch>
               </a:blipFill>
             </p:spPr>
@@ -5740,7 +5783,7 @@
               <a:lstStyle/>
               <a:p>
                 <a:r>
-                  <a:rPr lang="en-CN">
+                  <a:rPr lang="zh-CN" altLang="en-US">
                     <a:noFill/>
                   </a:rPr>
                   <a:t> </a:t>
@@ -5764,7 +5807,7 @@
         </p:nvSpPr>
         <p:spPr>
           <a:xfrm rot="16200000">
-            <a:off x="4733857" y="1769761"/>
+            <a:off x="4759566" y="1138390"/>
             <a:ext cx="439838" cy="370389"/>
           </a:xfrm>
           <a:prstGeom prst="hexagon">
@@ -5812,8 +5855,8 @@
             </p:nvSpPr>
             <p:spPr>
               <a:xfrm>
-                <a:off x="3414689" y="2313002"/>
-                <a:ext cx="2459006" cy="276999"/>
+                <a:off x="4361623" y="1700090"/>
+                <a:ext cx="1235723" cy="276999"/>
               </a:xfrm>
               <a:prstGeom prst="rect">
                 <a:avLst/>
@@ -5826,6 +5869,7 @@
               </a:bodyPr>
               <a:lstStyle/>
               <a:p>
+                <a:pPr/>
                 <a14:m>
                   <m:oMathPara xmlns:m="http://schemas.openxmlformats.org/officeDocument/2006/math">
                     <m:oMathParaPr>
@@ -5923,92 +5967,13 @@
                             </m:e>
                             <m:sub>
                               <m:r>
-                                <a:rPr lang="en-US" b="0" i="1" smtClean="0">
+                                <a:rPr lang="en-US" altLang="zh-CN" b="0" i="1" smtClean="0">
                                   <a:latin typeface="Cambria Math" panose="02040503050406030204" pitchFamily="18" charset="0"/>
                                 </a:rPr>
-                                <m:t>0</m:t>
+                                <m:t>1</m:t>
                               </m:r>
                             </m:sub>
                           </m:sSub>
-                          <m:r>
-                            <a:rPr lang="en-US" b="0" i="1" smtClean="0">
-                              <a:latin typeface="Cambria Math" panose="02040503050406030204" pitchFamily="18" charset="0"/>
-                            </a:rPr>
-                            <m:t>+</m:t>
-                          </m:r>
-                          <m:r>
-                            <a:rPr lang="en-US" b="0" i="1" smtClean="0">
-                              <a:latin typeface="Cambria Math" panose="02040503050406030204" pitchFamily="18" charset="0"/>
-                            </a:rPr>
-                            <m:t>𝑡𝑡</m:t>
-                          </m:r>
-                          <m:d>
-                            <m:dPr>
-                              <m:ctrlPr>
-                                <a:rPr lang="en-US" b="0" i="1" smtClean="0">
-                                  <a:latin typeface="Cambria Math" panose="02040503050406030204" pitchFamily="18" charset="0"/>
-                                </a:rPr>
-                              </m:ctrlPr>
-                            </m:dPr>
-                            <m:e>
-                              <m:sSub>
-                                <m:sSubPr>
-                                  <m:ctrlPr>
-                                    <a:rPr lang="en-US" b="0" i="1" smtClean="0">
-                                      <a:latin typeface="Cambria Math" panose="02040503050406030204" pitchFamily="18" charset="0"/>
-                                    </a:rPr>
-                                  </m:ctrlPr>
-                                </m:sSubPr>
-                                <m:e>
-                                  <m:r>
-                                    <a:rPr lang="en-US" b="0" i="1" smtClean="0">
-                                      <a:latin typeface="Cambria Math" panose="02040503050406030204" pitchFamily="18" charset="0"/>
-                                    </a:rPr>
-                                    <m:t>𝑔</m:t>
-                                  </m:r>
-                                </m:e>
-                                <m:sub>
-                                  <m:r>
-                                    <a:rPr lang="en-US" b="0" i="1" smtClean="0">
-                                      <a:latin typeface="Cambria Math" panose="02040503050406030204" pitchFamily="18" charset="0"/>
-                                    </a:rPr>
-                                    <m:t>0</m:t>
-                                  </m:r>
-                                </m:sub>
-                              </m:sSub>
-                              <m:r>
-                                <a:rPr lang="en-US" b="0" i="1" smtClean="0">
-                                  <a:latin typeface="Cambria Math" panose="02040503050406030204" pitchFamily="18" charset="0"/>
-                                </a:rPr>
-                                <m:t>,</m:t>
-                              </m:r>
-                              <m:sSub>
-                                <m:sSubPr>
-                                  <m:ctrlPr>
-                                    <a:rPr lang="en-US" b="0" i="1" smtClean="0">
-                                      <a:latin typeface="Cambria Math" panose="02040503050406030204" pitchFamily="18" charset="0"/>
-                                    </a:rPr>
-                                  </m:ctrlPr>
-                                </m:sSubPr>
-                                <m:e>
-                                  <m:r>
-                                    <a:rPr lang="en-US" b="0" i="1" smtClean="0">
-                                      <a:latin typeface="Cambria Math" panose="02040503050406030204" pitchFamily="18" charset="0"/>
-                                    </a:rPr>
-                                    <m:t>𝑔</m:t>
-                                  </m:r>
-                                </m:e>
-                                <m:sub>
-                                  <m:r>
-                                    <a:rPr lang="en-US" b="0" i="1" smtClean="0">
-                                      <a:latin typeface="Cambria Math" panose="02040503050406030204" pitchFamily="18" charset="0"/>
-                                    </a:rPr>
-                                    <m:t>1</m:t>
-                                  </m:r>
-                                </m:sub>
-                              </m:sSub>
-                            </m:e>
-                          </m:d>
                         </m:e>
                       </m:d>
                     </m:oMath>
@@ -6036,8 +6001,8 @@
             </p:nvSpPr>
             <p:spPr>
               <a:xfrm>
-                <a:off x="3414689" y="2313002"/>
-                <a:ext cx="2459006" cy="276999"/>
+                <a:off x="4361623" y="1700090"/>
+                <a:ext cx="1235723" cy="276999"/>
               </a:xfrm>
               <a:prstGeom prst="rect">
                 <a:avLst/>
@@ -6045,7 +6010,7 @@
               <a:blipFill>
                 <a:blip r:embed="rId5"/>
                 <a:stretch>
-                  <a:fillRect l="-1031" b="-21739"/>
+                  <a:fillRect l="-1010" b="-21739"/>
                 </a:stretch>
               </a:blipFill>
             </p:spPr>
@@ -6054,7 +6019,7 @@
               <a:lstStyle/>
               <a:p>
                 <a:r>
-                  <a:rPr lang="en-CN">
+                  <a:rPr lang="zh-CN" altLang="en-US">
                     <a:noFill/>
                   </a:rPr>
                   <a:t> </a:t>
@@ -6078,7 +6043,7 @@
         </p:nvCxnSpPr>
         <p:spPr>
           <a:xfrm flipV="1">
-            <a:off x="1120624" y="1954956"/>
+            <a:off x="1146333" y="1323585"/>
             <a:ext cx="3523568" cy="1840375"/>
           </a:xfrm>
           <a:prstGeom prst="bentConnector3">
@@ -6109,163 +6074,12 @@
           </a:fontRef>
         </p:style>
       </p:cxnSp>
-      <mc:AlternateContent xmlns:mc="http://schemas.openxmlformats.org/markup-compatibility/2006">
-        <mc:Choice xmlns:a14="http://schemas.microsoft.com/office/drawing/2010/main" Requires="a14">
-          <p:sp>
-            <p:nvSpPr>
-              <p:cNvPr id="21" name="TextBox 20">
-                <a:extLst>
-                  <a:ext uri="{FF2B5EF4-FFF2-40B4-BE49-F238E27FC236}">
-                    <a16:creationId xmlns:a16="http://schemas.microsoft.com/office/drawing/2014/main" id="{A369F61C-F28B-9145-B642-E8D104D5131D}"/>
-                  </a:ext>
-                </a:extLst>
-              </p:cNvPr>
-              <p:cNvSpPr txBox="1"/>
-              <p:nvPr/>
-            </p:nvSpPr>
-            <p:spPr>
-              <a:xfrm>
-                <a:off x="3230149" y="1573387"/>
-                <a:ext cx="1106521" cy="276999"/>
-              </a:xfrm>
-              <a:prstGeom prst="rect">
-                <a:avLst/>
-              </a:prstGeom>
-              <a:noFill/>
-            </p:spPr>
-            <p:txBody>
-              <a:bodyPr wrap="none" lIns="0" tIns="0" rIns="0" bIns="0" rtlCol="0">
-                <a:spAutoFit/>
-              </a:bodyPr>
-              <a:lstStyle/>
-              <a:p>
-                <a14:m>
-                  <m:oMathPara xmlns:m="http://schemas.openxmlformats.org/officeDocument/2006/math">
-                    <m:oMathParaPr>
-                      <m:jc m:val="centerGroup"/>
-                    </m:oMathParaPr>
-                    <m:oMath xmlns:m="http://schemas.openxmlformats.org/officeDocument/2006/math">
-                      <m:sSub>
-                        <m:sSubPr>
-                          <m:ctrlPr>
-                            <a:rPr lang="en-US" b="0" i="1" smtClean="0">
-                              <a:latin typeface="Cambria Math" panose="02040503050406030204" pitchFamily="18" charset="0"/>
-                            </a:rPr>
-                          </m:ctrlPr>
-                        </m:sSubPr>
-                        <m:e>
-                          <m:r>
-                            <a:rPr lang="en-US" b="0" i="1" smtClean="0">
-                              <a:latin typeface="Cambria Math" panose="02040503050406030204" pitchFamily="18" charset="0"/>
-                            </a:rPr>
-                            <m:t>𝑃</m:t>
-                          </m:r>
-                        </m:e>
-                        <m:sub>
-                          <m:r>
-                            <a:rPr lang="en-US" b="0" i="1" smtClean="0">
-                              <a:latin typeface="Cambria Math" panose="02040503050406030204" pitchFamily="18" charset="0"/>
-                            </a:rPr>
-                            <m:t>𝑚𝑎𝑡𝑐h</m:t>
-                          </m:r>
-                        </m:sub>
-                      </m:sSub>
-                      <m:r>
-                        <a:rPr lang="en-US" b="0" i="1" smtClean="0">
-                          <a:latin typeface="Cambria Math" panose="02040503050406030204" pitchFamily="18" charset="0"/>
-                        </a:rPr>
-                        <m:t>(</m:t>
-                      </m:r>
-                      <m:sSub>
-                        <m:sSubPr>
-                          <m:ctrlPr>
-                            <a:rPr lang="en-US" b="0" i="1" smtClean="0">
-                              <a:latin typeface="Cambria Math" panose="02040503050406030204" pitchFamily="18" charset="0"/>
-                            </a:rPr>
-                          </m:ctrlPr>
-                        </m:sSubPr>
-                        <m:e>
-                          <m:r>
-                            <a:rPr lang="en-US" b="0" i="1" smtClean="0">
-                              <a:latin typeface="Cambria Math" panose="02040503050406030204" pitchFamily="18" charset="0"/>
-                            </a:rPr>
-                            <m:t>𝑠</m:t>
-                          </m:r>
-                        </m:e>
-                        <m:sub>
-                          <m:r>
-                            <a:rPr lang="en-US" b="0" i="1" smtClean="0">
-                              <a:latin typeface="Cambria Math" panose="02040503050406030204" pitchFamily="18" charset="0"/>
-                            </a:rPr>
-                            <m:t>1</m:t>
-                          </m:r>
-                        </m:sub>
-                      </m:sSub>
-                      <m:r>
-                        <a:rPr lang="en-US" b="0" i="1" smtClean="0">
-                          <a:latin typeface="Cambria Math" panose="02040503050406030204" pitchFamily="18" charset="0"/>
-                        </a:rPr>
-                        <m:t>)</m:t>
-                      </m:r>
-                    </m:oMath>
-                  </m:oMathPara>
-                </a14:m>
-                <a:endParaRPr lang="en-CN" dirty="0"/>
-              </a:p>
-            </p:txBody>
-          </p:sp>
-        </mc:Choice>
-        <mc:Fallback>
-          <p:sp>
-            <p:nvSpPr>
-              <p:cNvPr id="21" name="TextBox 20">
-                <a:extLst>
-                  <a:ext uri="{FF2B5EF4-FFF2-40B4-BE49-F238E27FC236}">
-                    <a16:creationId xmlns:a16="http://schemas.microsoft.com/office/drawing/2014/main" id="{A369F61C-F28B-9145-B642-E8D104D5131D}"/>
-                  </a:ext>
-                </a:extLst>
-              </p:cNvPr>
-              <p:cNvSpPr txBox="1">
-                <a:spLocks noRot="1" noChangeAspect="1" noMove="1" noResize="1" noEditPoints="1" noAdjustHandles="1" noChangeArrowheads="1" noChangeShapeType="1" noTextEdit="1"/>
-              </p:cNvSpPr>
-              <p:nvPr/>
-            </p:nvSpPr>
-            <p:spPr>
-              <a:xfrm>
-                <a:off x="3230149" y="1573387"/>
-                <a:ext cx="1106521" cy="276999"/>
-              </a:xfrm>
-              <a:prstGeom prst="rect">
-                <a:avLst/>
-              </a:prstGeom>
-              <a:blipFill>
-                <a:blip r:embed="rId6"/>
-                <a:stretch>
-                  <a:fillRect l="-3409" r="-6818" b="-30435"/>
-                </a:stretch>
-              </a:blipFill>
-            </p:spPr>
-            <p:txBody>
-              <a:bodyPr/>
-              <a:lstStyle/>
-              <a:p>
-                <a:r>
-                  <a:rPr lang="en-CN">
-                    <a:noFill/>
-                  </a:rPr>
-                  <a:t> </a:t>
-                </a:r>
-              </a:p>
-            </p:txBody>
-          </p:sp>
-        </mc:Fallback>
-      </mc:AlternateContent>
       <p:cxnSp>
         <p:nvCxnSpPr>
-          <p:cNvPr id="22" name="Elbow Connector 21">
+          <p:cNvPr id="40" name="Elbow Connector 39">
             <a:extLst>
               <a:ext uri="{FF2B5EF4-FFF2-40B4-BE49-F238E27FC236}">
-                <a16:creationId xmlns:a16="http://schemas.microsoft.com/office/drawing/2014/main" id="{90228038-5722-C940-8F64-13DD65F5A482}"/>
+                <a16:creationId xmlns:a16="http://schemas.microsoft.com/office/drawing/2014/main" id="{41541FED-977D-5A4E-98C1-B9CE8C35DD8F}"/>
               </a:ext>
             </a:extLst>
           </p:cNvPr>
@@ -6275,13 +6089,13 @@
           <p:nvPr/>
         </p:nvCxnSpPr>
         <p:spPr>
-          <a:xfrm flipV="1">
-            <a:off x="5215346" y="1245799"/>
-            <a:ext cx="1722911" cy="696420"/>
+          <a:xfrm>
+            <a:off x="1172319" y="3163960"/>
+            <a:ext cx="3379091" cy="1489282"/>
           </a:xfrm>
           <a:prstGeom prst="bentConnector3">
             <a:avLst>
-              <a:gd name="adj1" fmla="val 50000"/>
+              <a:gd name="adj1" fmla="val 51370"/>
             </a:avLst>
           </a:prstGeom>
           <a:ln w="38100">
@@ -6309,477 +6123,83 @@
           </a:fontRef>
         </p:style>
       </p:cxnSp>
+      <p:sp>
+        <p:nvSpPr>
+          <p:cNvPr id="19" name="Hexagon 16">
+            <a:extLst>
+              <a:ext uri="{FF2B5EF4-FFF2-40B4-BE49-F238E27FC236}">
+                <a16:creationId xmlns:a16="http://schemas.microsoft.com/office/drawing/2014/main" id="{B2A13ACE-E478-A14F-A226-4A470AAC8F9B}"/>
+              </a:ext>
+            </a:extLst>
+          </p:cNvPr>
+          <p:cNvSpPr/>
+          <p:nvPr/>
+        </p:nvSpPr>
+        <p:spPr>
+          <a:xfrm rot="16200000">
+            <a:off x="5053745" y="4557034"/>
+            <a:ext cx="439838" cy="370389"/>
+          </a:xfrm>
+          <a:prstGeom prst="hexagon">
+            <a:avLst/>
+          </a:prstGeom>
+        </p:spPr>
+        <p:style>
+          <a:lnRef idx="2">
+            <a:schemeClr val="accent2">
+              <a:shade val="50000"/>
+            </a:schemeClr>
+          </a:lnRef>
+          <a:fillRef idx="1">
+            <a:schemeClr val="accent2"/>
+          </a:fillRef>
+          <a:effectRef idx="0">
+            <a:schemeClr val="accent2"/>
+          </a:effectRef>
+          <a:fontRef idx="minor">
+            <a:schemeClr val="lt1"/>
+          </a:fontRef>
+        </p:style>
+        <p:txBody>
+          <a:bodyPr rtlCol="0" anchor="ctr"/>
+          <a:lstStyle/>
+          <a:p>
+            <a:pPr algn="ctr"/>
+            <a:endParaRPr lang="en-CN"/>
+          </a:p>
+        </p:txBody>
+      </p:sp>
       <mc:AlternateContent xmlns:mc="http://schemas.openxmlformats.org/markup-compatibility/2006">
         <mc:Choice xmlns:a14="http://schemas.microsoft.com/office/drawing/2010/main" Requires="a14">
           <p:sp>
             <p:nvSpPr>
-              <p:cNvPr id="27" name="Rectangle 26">
+              <p:cNvPr id="23" name="TextBox 17">
                 <a:extLst>
                   <a:ext uri="{FF2B5EF4-FFF2-40B4-BE49-F238E27FC236}">
-                    <a16:creationId xmlns:a16="http://schemas.microsoft.com/office/drawing/2014/main" id="{344F3232-91F3-9C40-B958-C0FCC21E0A80}"/>
+                    <a16:creationId xmlns:a16="http://schemas.microsoft.com/office/drawing/2014/main" id="{646F0E07-FC1B-AA45-8861-383DB6BA4477}"/>
                   </a:ext>
                 </a:extLst>
               </p:cNvPr>
-              <p:cNvSpPr/>
+              <p:cNvSpPr txBox="1"/>
               <p:nvPr/>
             </p:nvSpPr>
             <p:spPr>
               <a:xfrm>
-                <a:off x="4000618" y="496489"/>
-                <a:ext cx="5759205" cy="410497"/>
+                <a:off x="7843282" y="4039685"/>
+                <a:ext cx="1251688" cy="276999"/>
               </a:xfrm>
               <a:prstGeom prst="rect">
                 <a:avLst/>
               </a:prstGeom>
+              <a:noFill/>
             </p:spPr>
             <p:txBody>
-              <a:bodyPr wrap="none">
+              <a:bodyPr wrap="none" lIns="0" tIns="0" rIns="0" bIns="0" rtlCol="0">
                 <a:spAutoFit/>
               </a:bodyPr>
               <a:lstStyle/>
               <a:p>
-                <a14:m>
-                  <m:oMathPara xmlns:m="http://schemas.openxmlformats.org/officeDocument/2006/math">
-                    <m:oMathParaPr>
-                      <m:jc m:val="centerGroup"/>
-                    </m:oMathParaPr>
-                    <m:oMath xmlns:m="http://schemas.openxmlformats.org/officeDocument/2006/math">
-                      <m:sSub>
-                        <m:sSubPr>
-                          <m:ctrlPr>
-                            <a:rPr lang="en-US" b="0" i="1" smtClean="0">
-                              <a:latin typeface="Cambria Math" panose="02040503050406030204" pitchFamily="18" charset="0"/>
-                            </a:rPr>
-                          </m:ctrlPr>
-                        </m:sSubPr>
-                        <m:e>
-                          <m:r>
-                            <a:rPr lang="en-US" b="0" i="1" smtClean="0">
-                              <a:latin typeface="Cambria Math" panose="02040503050406030204" pitchFamily="18" charset="0"/>
-                            </a:rPr>
-                            <m:t>𝑃</m:t>
-                          </m:r>
-                        </m:e>
-                        <m:sub>
-                          <m:r>
-                            <a:rPr lang="en-US" b="0" i="1" smtClean="0">
-                              <a:latin typeface="Cambria Math" panose="02040503050406030204" pitchFamily="18" charset="0"/>
-                            </a:rPr>
-                            <m:t>𝑝𝑖𝑐𝑘𝑢𝑝</m:t>
-                          </m:r>
-                        </m:sub>
-                      </m:sSub>
-                      <m:d>
-                        <m:dPr>
-                          <m:ctrlPr>
-                            <a:rPr lang="en-US" b="0" i="1" smtClean="0">
-                              <a:latin typeface="Cambria Math" panose="02040503050406030204" pitchFamily="18" charset="0"/>
-                            </a:rPr>
-                          </m:ctrlPr>
-                        </m:dPr>
-                        <m:e>
-                          <m:sSub>
-                            <m:sSubPr>
-                              <m:ctrlPr>
-                                <a:rPr lang="en-US" b="0" i="1" smtClean="0">
-                                  <a:latin typeface="Cambria Math" panose="02040503050406030204" pitchFamily="18" charset="0"/>
-                                </a:rPr>
-                              </m:ctrlPr>
-                            </m:sSubPr>
-                            <m:e>
-                              <m:r>
-                                <a:rPr lang="en-US" b="0" i="1" smtClean="0">
-                                  <a:latin typeface="Cambria Math" panose="02040503050406030204" pitchFamily="18" charset="0"/>
-                                </a:rPr>
-                                <m:t>𝑠</m:t>
-                              </m:r>
-                            </m:e>
-                            <m:sub>
-                              <m:r>
-                                <a:rPr lang="en-US" b="0" i="1" smtClean="0">
-                                  <a:latin typeface="Cambria Math" panose="02040503050406030204" pitchFamily="18" charset="0"/>
-                                </a:rPr>
-                                <m:t>1</m:t>
-                              </m:r>
-                            </m:sub>
-                          </m:sSub>
-                          <m:r>
-                            <a:rPr lang="en-US" b="0" i="1" smtClean="0">
-                              <a:latin typeface="Cambria Math" panose="02040503050406030204" pitchFamily="18" charset="0"/>
-                            </a:rPr>
-                            <m:t>,</m:t>
-                          </m:r>
-                          <m:sSub>
-                            <m:sSubPr>
-                              <m:ctrlPr>
-                                <a:rPr lang="en-US" b="0" i="1" smtClean="0">
-                                  <a:latin typeface="Cambria Math" panose="02040503050406030204" pitchFamily="18" charset="0"/>
-                                </a:rPr>
-                              </m:ctrlPr>
-                            </m:sSubPr>
-                            <m:e>
-                              <m:r>
-                                <a:rPr lang="en-US" b="0" i="1" smtClean="0">
-                                  <a:latin typeface="Cambria Math" panose="02040503050406030204" pitchFamily="18" charset="0"/>
-                                </a:rPr>
-                                <m:t>𝑔</m:t>
-                              </m:r>
-                            </m:e>
-                            <m:sub>
-                              <m:r>
-                                <a:rPr lang="en-US" b="0" i="1" smtClean="0">
-                                  <a:latin typeface="Cambria Math" panose="02040503050406030204" pitchFamily="18" charset="0"/>
-                                </a:rPr>
-                                <m:t>2</m:t>
-                              </m:r>
-                            </m:sub>
-                          </m:sSub>
-                        </m:e>
-                      </m:d>
-                      <m:r>
-                        <a:rPr lang="en-US" b="0" i="0" smtClean="0">
-                          <a:latin typeface="Cambria Math" panose="02040503050406030204" pitchFamily="18" charset="0"/>
-                        </a:rPr>
-                        <m:t>∗</m:t>
-                      </m:r>
-                      <m:d>
-                        <m:dPr>
-                          <m:ctrlPr>
-                            <a:rPr lang="en-US" b="0" i="1" smtClean="0">
-                              <a:latin typeface="Cambria Math" panose="02040503050406030204" pitchFamily="18" charset="0"/>
-                            </a:rPr>
-                          </m:ctrlPr>
-                        </m:dPr>
-                        <m:e>
-                          <m:r>
-                            <a:rPr lang="en-US" b="0" i="1" smtClean="0">
-                              <a:latin typeface="Cambria Math" panose="02040503050406030204" pitchFamily="18" charset="0"/>
-                            </a:rPr>
-                            <m:t>1−</m:t>
-                          </m:r>
-                          <m:sSub>
-                            <m:sSubPr>
-                              <m:ctrlPr>
-                                <a:rPr lang="en-US" b="0" i="1" smtClean="0">
-                                  <a:latin typeface="Cambria Math" panose="02040503050406030204" pitchFamily="18" charset="0"/>
-                                </a:rPr>
-                              </m:ctrlPr>
-                            </m:sSubPr>
-                            <m:e>
-                              <m:r>
-                                <a:rPr lang="en-US" b="0" i="1" smtClean="0">
-                                  <a:latin typeface="Cambria Math" panose="02040503050406030204" pitchFamily="18" charset="0"/>
-                                </a:rPr>
-                                <m:t>𝑃</m:t>
-                              </m:r>
-                            </m:e>
-                            <m:sub>
-                              <m:r>
-                                <a:rPr lang="en-US" b="0" i="1" smtClean="0">
-                                  <a:latin typeface="Cambria Math" panose="02040503050406030204" pitchFamily="18" charset="0"/>
-                                </a:rPr>
-                                <m:t>𝑐𝑎𝑛𝑐𝑒𝑙</m:t>
-                              </m:r>
-                            </m:sub>
-                          </m:sSub>
-                          <m:d>
-                            <m:dPr>
-                              <m:ctrlPr>
-                                <a:rPr lang="en-US" b="0" i="1" smtClean="0">
-                                  <a:latin typeface="Cambria Math" panose="02040503050406030204" pitchFamily="18" charset="0"/>
-                                </a:rPr>
-                              </m:ctrlPr>
-                            </m:dPr>
-                            <m:e>
-                              <m:sSub>
-                                <m:sSubPr>
-                                  <m:ctrlPr>
-                                    <a:rPr lang="en-US" b="0" i="1" smtClean="0">
-                                      <a:latin typeface="Cambria Math" panose="02040503050406030204" pitchFamily="18" charset="0"/>
-                                    </a:rPr>
-                                  </m:ctrlPr>
-                                </m:sSubPr>
-                                <m:e>
-                                  <m:r>
-                                    <a:rPr lang="en-US" b="0" i="1" smtClean="0">
-                                      <a:latin typeface="Cambria Math" panose="02040503050406030204" pitchFamily="18" charset="0"/>
-                                    </a:rPr>
-                                    <m:t>𝑔</m:t>
-                                  </m:r>
-                                </m:e>
-                                <m:sub>
-                                  <m:r>
-                                    <a:rPr lang="en-US" b="0" i="1" smtClean="0">
-                                      <a:latin typeface="Cambria Math" panose="02040503050406030204" pitchFamily="18" charset="0"/>
-                                    </a:rPr>
-                                    <m:t>1</m:t>
-                                  </m:r>
-                                </m:sub>
-                              </m:sSub>
-                              <m:r>
-                                <a:rPr lang="en-US" b="0" i="1" smtClean="0">
-                                  <a:latin typeface="Cambria Math" panose="02040503050406030204" pitchFamily="18" charset="0"/>
-                                </a:rPr>
-                                <m:t>,</m:t>
-                              </m:r>
-                              <m:sSub>
-                                <m:sSubPr>
-                                  <m:ctrlPr>
-                                    <a:rPr lang="en-US" b="0" i="1" smtClean="0">
-                                      <a:latin typeface="Cambria Math" panose="02040503050406030204" pitchFamily="18" charset="0"/>
-                                    </a:rPr>
-                                  </m:ctrlPr>
-                                </m:sSubPr>
-                                <m:e>
-                                  <m:r>
-                                    <a:rPr lang="en-US" b="0" i="1" smtClean="0">
-                                      <a:latin typeface="Cambria Math" panose="02040503050406030204" pitchFamily="18" charset="0"/>
-                                    </a:rPr>
-                                    <m:t>𝑔</m:t>
-                                  </m:r>
-                                </m:e>
-                                <m:sub>
-                                  <m:r>
-                                    <a:rPr lang="en-US" b="0" i="1" smtClean="0">
-                                      <a:latin typeface="Cambria Math" panose="02040503050406030204" pitchFamily="18" charset="0"/>
-                                    </a:rPr>
-                                    <m:t>2</m:t>
-                                  </m:r>
-                                </m:sub>
-                              </m:sSub>
-                            </m:e>
-                          </m:d>
-                        </m:e>
-                      </m:d>
-                      <m:r>
-                        <a:rPr lang="en-US" b="0" i="1" smtClean="0">
-                          <a:latin typeface="Cambria Math" panose="02040503050406030204" pitchFamily="18" charset="0"/>
-                        </a:rPr>
-                        <m:t>∗</m:t>
-                      </m:r>
-                      <m:sSub>
-                        <m:sSubPr>
-                          <m:ctrlPr>
-                            <a:rPr lang="en-US" b="0" i="1" smtClean="0">
-                              <a:latin typeface="Cambria Math" panose="02040503050406030204" pitchFamily="18" charset="0"/>
-                            </a:rPr>
-                          </m:ctrlPr>
-                        </m:sSubPr>
-                        <m:e>
-                          <m:r>
-                            <a:rPr lang="en-US" b="0" i="1" smtClean="0">
-                              <a:latin typeface="Cambria Math" panose="02040503050406030204" pitchFamily="18" charset="0"/>
-                            </a:rPr>
-                            <m:t>𝑃</m:t>
-                          </m:r>
-                        </m:e>
-                        <m:sub>
-                          <m:r>
-                            <a:rPr lang="en-US" b="0" i="1" smtClean="0">
-                              <a:latin typeface="Cambria Math" panose="02040503050406030204" pitchFamily="18" charset="0"/>
-                            </a:rPr>
-                            <m:t>𝑟𝑒𝑞𝑢𝑒𝑠𝑡</m:t>
-                          </m:r>
-                        </m:sub>
-                      </m:sSub>
-                      <m:d>
-                        <m:dPr>
-                          <m:ctrlPr>
-                            <a:rPr lang="en-US" b="0" i="1" smtClean="0">
-                              <a:latin typeface="Cambria Math" panose="02040503050406030204" pitchFamily="18" charset="0"/>
-                            </a:rPr>
-                          </m:ctrlPr>
-                        </m:dPr>
-                        <m:e>
-                          <m:sSub>
-                            <m:sSubPr>
-                              <m:ctrlPr>
-                                <a:rPr lang="en-US" b="0" i="1" smtClean="0">
-                                  <a:latin typeface="Cambria Math" panose="02040503050406030204" pitchFamily="18" charset="0"/>
-                                </a:rPr>
-                              </m:ctrlPr>
-                            </m:sSubPr>
-                            <m:e>
-                              <m:r>
-                                <a:rPr lang="en-US" b="0" i="1" smtClean="0">
-                                  <a:latin typeface="Cambria Math" panose="02040503050406030204" pitchFamily="18" charset="0"/>
-                                </a:rPr>
-                                <m:t>𝑔</m:t>
-                              </m:r>
-                            </m:e>
-                            <m:sub>
-                              <m:r>
-                                <a:rPr lang="en-US" b="0" i="1" smtClean="0">
-                                  <a:latin typeface="Cambria Math" panose="02040503050406030204" pitchFamily="18" charset="0"/>
-                                </a:rPr>
-                                <m:t>2</m:t>
-                              </m:r>
-                            </m:sub>
-                          </m:sSub>
-                          <m:r>
-                            <a:rPr lang="en-US" b="0" i="1" smtClean="0">
-                              <a:latin typeface="Cambria Math" panose="02040503050406030204" pitchFamily="18" charset="0"/>
-                            </a:rPr>
-                            <m:t>,</m:t>
-                          </m:r>
-                          <m:sSub>
-                            <m:sSubPr>
-                              <m:ctrlPr>
-                                <a:rPr lang="en-US" b="0" i="1" smtClean="0">
-                                  <a:latin typeface="Cambria Math" panose="02040503050406030204" pitchFamily="18" charset="0"/>
-                                </a:rPr>
-                              </m:ctrlPr>
-                            </m:sSubPr>
-                            <m:e>
-                              <m:r>
-                                <a:rPr lang="en-US" b="0" i="1" smtClean="0">
-                                  <a:latin typeface="Cambria Math" panose="02040503050406030204" pitchFamily="18" charset="0"/>
-                                </a:rPr>
-                                <m:t>𝑔</m:t>
-                              </m:r>
-                            </m:e>
-                            <m:sub>
-                              <m:r>
-                                <a:rPr lang="en-US" b="0" i="1" smtClean="0">
-                                  <a:latin typeface="Cambria Math" panose="02040503050406030204" pitchFamily="18" charset="0"/>
-                                </a:rPr>
-                                <m:t>3</m:t>
-                              </m:r>
-                            </m:sub>
-                          </m:sSub>
-                        </m:e>
-                      </m:d>
-                    </m:oMath>
-                  </m:oMathPara>
-                </a14:m>
-                <a:endParaRPr lang="en-CN" dirty="0"/>
-              </a:p>
-            </p:txBody>
-          </p:sp>
-        </mc:Choice>
-        <mc:Fallback>
-          <p:sp>
-            <p:nvSpPr>
-              <p:cNvPr id="27" name="Rectangle 26">
-                <a:extLst>
-                  <a:ext uri="{FF2B5EF4-FFF2-40B4-BE49-F238E27FC236}">
-                    <a16:creationId xmlns:a16="http://schemas.microsoft.com/office/drawing/2014/main" id="{344F3232-91F3-9C40-B958-C0FCC21E0A80}"/>
-                  </a:ext>
-                </a:extLst>
-              </p:cNvPr>
-              <p:cNvSpPr>
-                <a:spLocks noRot="1" noChangeAspect="1" noMove="1" noResize="1" noEditPoints="1" noAdjustHandles="1" noChangeArrowheads="1" noChangeShapeType="1" noTextEdit="1"/>
-              </p:cNvSpPr>
-              <p:nvPr/>
-            </p:nvSpPr>
-            <p:spPr>
-              <a:xfrm>
-                <a:off x="4000618" y="496489"/>
-                <a:ext cx="5759205" cy="410497"/>
-              </a:xfrm>
-              <a:prstGeom prst="rect">
-                <a:avLst/>
-              </a:prstGeom>
-              <a:blipFill>
-                <a:blip r:embed="rId7"/>
-                <a:stretch>
-                  <a:fillRect b="-9091"/>
-                </a:stretch>
-              </a:blipFill>
-            </p:spPr>
-            <p:txBody>
-              <a:bodyPr/>
-              <a:lstStyle/>
-              <a:p>
-                <a:r>
-                  <a:rPr lang="en-CN">
-                    <a:noFill/>
-                  </a:rPr>
-                  <a:t> </a:t>
-                </a:r>
-              </a:p>
-            </p:txBody>
-          </p:sp>
-        </mc:Fallback>
-      </mc:AlternateContent>
-      <p:cxnSp>
-        <p:nvCxnSpPr>
-          <p:cNvPr id="31" name="Elbow Connector 30">
-            <a:extLst>
-              <a:ext uri="{FF2B5EF4-FFF2-40B4-BE49-F238E27FC236}">
-                <a16:creationId xmlns:a16="http://schemas.microsoft.com/office/drawing/2014/main" id="{6E9F4C71-C847-8849-BB60-0B742F698805}"/>
-              </a:ext>
-            </a:extLst>
-          </p:cNvPr>
-          <p:cNvCxnSpPr>
-            <a:cxnSpLocks/>
-          </p:cNvCxnSpPr>
-          <p:nvPr/>
-        </p:nvCxnSpPr>
-        <p:spPr>
-          <a:xfrm>
-            <a:off x="5215346" y="1954955"/>
-            <a:ext cx="1722911" cy="920188"/>
-          </a:xfrm>
-          <a:prstGeom prst="bentConnector3">
-            <a:avLst>
-              <a:gd name="adj1" fmla="val 50000"/>
-            </a:avLst>
-          </a:prstGeom>
-          <a:ln w="38100">
-            <a:solidFill>
-              <a:schemeClr val="tx1">
-                <a:lumMod val="95000"/>
-                <a:lumOff val="5000"/>
-              </a:schemeClr>
-            </a:solidFill>
-            <a:tailEnd type="triangle"/>
-          </a:ln>
-        </p:spPr>
-        <p:style>
-          <a:lnRef idx="1">
-            <a:schemeClr val="dk1"/>
-          </a:lnRef>
-          <a:fillRef idx="0">
-            <a:schemeClr val="dk1"/>
-          </a:fillRef>
-          <a:effectRef idx="0">
-            <a:schemeClr val="dk1"/>
-          </a:effectRef>
-          <a:fontRef idx="minor">
-            <a:schemeClr val="tx1"/>
-          </a:fontRef>
-        </p:style>
-      </p:cxnSp>
-      <mc:AlternateContent xmlns:mc="http://schemas.openxmlformats.org/markup-compatibility/2006">
-        <mc:Choice xmlns:a14="http://schemas.microsoft.com/office/drawing/2010/main" Requires="a14">
-          <p:sp>
-            <p:nvSpPr>
-              <p:cNvPr id="36" name="Rectangle 35">
-                <a:extLst>
-                  <a:ext uri="{FF2B5EF4-FFF2-40B4-BE49-F238E27FC236}">
-                    <a16:creationId xmlns:a16="http://schemas.microsoft.com/office/drawing/2014/main" id="{5863ECAA-CC27-9849-A377-C648FF8F8CD3}"/>
-                  </a:ext>
-                </a:extLst>
-              </p:cNvPr>
-              <p:cNvSpPr/>
-              <p:nvPr/>
-            </p:nvSpPr>
-            <p:spPr>
-              <a:xfrm>
-                <a:off x="6841011" y="1074902"/>
-                <a:ext cx="5156604" cy="369332"/>
-              </a:xfrm>
-              <a:prstGeom prst="rect">
-                <a:avLst/>
-              </a:prstGeom>
-            </p:spPr>
-            <p:txBody>
-              <a:bodyPr wrap="none">
-                <a:spAutoFit/>
-              </a:bodyPr>
-              <a:lstStyle/>
-              <a:p>
+                <a:pPr/>
                 <a14:m>
                   <m:oMathPara xmlns:m="http://schemas.openxmlformats.org/officeDocument/2006/math">
                     <m:oMathParaPr>
@@ -6804,7 +6224,7 @@
                         </m:e>
                         <m:sub>
                           <m:r>
-                            <a:rPr lang="en-US" b="0" i="1" smtClean="0">
+                            <a:rPr lang="en-US" altLang="zh-CN" b="0" i="1" smtClean="0">
                               <a:latin typeface="Cambria Math" panose="02040503050406030204" pitchFamily="18" charset="0"/>
                             </a:rPr>
                             <m:t>3</m:t>
@@ -6846,7 +6266,7 @@
                             </m:e>
                             <m:sub>
                               <m:r>
-                                <a:rPr lang="en-US" b="0" i="1" smtClean="0">
+                                <a:rPr lang="en-US" altLang="zh-CN" b="0" i="1" smtClean="0">
                                   <a:latin typeface="Cambria Math" panose="02040503050406030204" pitchFamily="18" charset="0"/>
                                 </a:rPr>
                                 <m:t>3</m:t>
@@ -6877,251 +6297,13 @@
                             </m:e>
                             <m:sub>
                               <m:r>
-                                <a:rPr lang="en-US" b="0" i="1" smtClean="0">
-                                  <a:latin typeface="Cambria Math" panose="02040503050406030204" pitchFamily="18" charset="0"/>
-                                </a:rPr>
-                                <m:t>0</m:t>
-                              </m:r>
-                            </m:sub>
-                          </m:sSub>
-                          <m:r>
-                            <a:rPr lang="en-US" b="0" i="1" smtClean="0">
-                              <a:latin typeface="Cambria Math" panose="02040503050406030204" pitchFamily="18" charset="0"/>
-                            </a:rPr>
-                            <m:t>+</m:t>
-                          </m:r>
-                          <m:r>
-                            <a:rPr lang="en-US" b="0" i="1" smtClean="0">
-                              <a:latin typeface="Cambria Math" panose="02040503050406030204" pitchFamily="18" charset="0"/>
-                            </a:rPr>
-                            <m:t>𝑡𝑡</m:t>
-                          </m:r>
-                          <m:d>
-                            <m:dPr>
-                              <m:ctrlPr>
-                                <a:rPr lang="en-US" b="0" i="1" smtClean="0">
-                                  <a:latin typeface="Cambria Math" panose="02040503050406030204" pitchFamily="18" charset="0"/>
-                                </a:rPr>
-                              </m:ctrlPr>
-                            </m:dPr>
-                            <m:e>
-                              <m:sSub>
-                                <m:sSubPr>
-                                  <m:ctrlPr>
-                                    <a:rPr lang="en-US" b="0" i="1" smtClean="0">
-                                      <a:latin typeface="Cambria Math" panose="02040503050406030204" pitchFamily="18" charset="0"/>
-                                    </a:rPr>
-                                  </m:ctrlPr>
-                                </m:sSubPr>
-                                <m:e>
-                                  <m:r>
-                                    <a:rPr lang="en-US" b="0" i="1" smtClean="0">
-                                      <a:latin typeface="Cambria Math" panose="02040503050406030204" pitchFamily="18" charset="0"/>
-                                    </a:rPr>
-                                    <m:t>𝑔</m:t>
-                                  </m:r>
-                                </m:e>
-                                <m:sub>
-                                  <m:r>
-                                    <a:rPr lang="en-US" b="0" i="1" smtClean="0">
-                                      <a:latin typeface="Cambria Math" panose="02040503050406030204" pitchFamily="18" charset="0"/>
-                                    </a:rPr>
-                                    <m:t>0</m:t>
-                                  </m:r>
-                                </m:sub>
-                              </m:sSub>
-                              <m:r>
-                                <a:rPr lang="en-US" b="0" i="1" smtClean="0">
-                                  <a:latin typeface="Cambria Math" panose="02040503050406030204" pitchFamily="18" charset="0"/>
-                                </a:rPr>
-                                <m:t>,</m:t>
-                              </m:r>
-                              <m:sSub>
-                                <m:sSubPr>
-                                  <m:ctrlPr>
-                                    <a:rPr lang="en-US" b="0" i="1" smtClean="0">
-                                      <a:latin typeface="Cambria Math" panose="02040503050406030204" pitchFamily="18" charset="0"/>
-                                    </a:rPr>
-                                  </m:ctrlPr>
-                                </m:sSubPr>
-                                <m:e>
-                                  <m:r>
-                                    <a:rPr lang="en-US" b="0" i="1" smtClean="0">
-                                      <a:latin typeface="Cambria Math" panose="02040503050406030204" pitchFamily="18" charset="0"/>
-                                    </a:rPr>
-                                    <m:t>𝑔</m:t>
-                                  </m:r>
-                                </m:e>
-                                <m:sub>
-                                  <m:r>
-                                    <a:rPr lang="en-US" b="0" i="1" smtClean="0">
-                                      <a:latin typeface="Cambria Math" panose="02040503050406030204" pitchFamily="18" charset="0"/>
-                                    </a:rPr>
-                                    <m:t>1</m:t>
-                                  </m:r>
-                                </m:sub>
-                              </m:sSub>
-                            </m:e>
-                          </m:d>
-                          <m:r>
-                            <a:rPr lang="en-US" b="0" i="1" smtClean="0">
-                              <a:latin typeface="Cambria Math" panose="02040503050406030204" pitchFamily="18" charset="0"/>
-                            </a:rPr>
-                            <m:t>+</m:t>
-                          </m:r>
-                          <m:r>
-                            <a:rPr lang="en-US" b="0" i="1" smtClean="0">
-                              <a:latin typeface="Cambria Math" panose="02040503050406030204" pitchFamily="18" charset="0"/>
-                            </a:rPr>
-                            <m:t>𝑡𝑡</m:t>
-                          </m:r>
-                          <m:d>
-                            <m:dPr>
-                              <m:ctrlPr>
-                                <a:rPr lang="en-US" b="0" i="1" smtClean="0">
-                                  <a:latin typeface="Cambria Math" panose="02040503050406030204" pitchFamily="18" charset="0"/>
-                                </a:rPr>
-                              </m:ctrlPr>
-                            </m:dPr>
-                            <m:e>
-                              <m:sSub>
-                                <m:sSubPr>
-                                  <m:ctrlPr>
-                                    <a:rPr lang="en-US" b="0" i="1" smtClean="0">
-                                      <a:latin typeface="Cambria Math" panose="02040503050406030204" pitchFamily="18" charset="0"/>
-                                    </a:rPr>
-                                  </m:ctrlPr>
-                                </m:sSubPr>
-                                <m:e>
-                                  <m:r>
-                                    <a:rPr lang="en-US" b="0" i="1" smtClean="0">
-                                      <a:latin typeface="Cambria Math" panose="02040503050406030204" pitchFamily="18" charset="0"/>
-                                    </a:rPr>
-                                    <m:t>𝑔</m:t>
-                                  </m:r>
-                                </m:e>
-                                <m:sub>
-                                  <m:r>
-                                    <a:rPr lang="en-US" b="0" i="1" smtClean="0">
-                                      <a:latin typeface="Cambria Math" panose="02040503050406030204" pitchFamily="18" charset="0"/>
-                                    </a:rPr>
-                                    <m:t>1</m:t>
-                                  </m:r>
-                                </m:sub>
-                              </m:sSub>
-                              <m:r>
-                                <a:rPr lang="en-US" b="0" i="1" smtClean="0">
-                                  <a:latin typeface="Cambria Math" panose="02040503050406030204" pitchFamily="18" charset="0"/>
-                                </a:rPr>
-                                <m:t>,</m:t>
-                              </m:r>
-                              <m:sSub>
-                                <m:sSubPr>
-                                  <m:ctrlPr>
-                                    <a:rPr lang="en-US" b="0" i="1" smtClean="0">
-                                      <a:latin typeface="Cambria Math" panose="02040503050406030204" pitchFamily="18" charset="0"/>
-                                    </a:rPr>
-                                  </m:ctrlPr>
-                                </m:sSubPr>
-                                <m:e>
-                                  <m:r>
-                                    <a:rPr lang="en-US" b="0" i="1" smtClean="0">
-                                      <a:latin typeface="Cambria Math" panose="02040503050406030204" pitchFamily="18" charset="0"/>
-                                    </a:rPr>
-                                    <m:t>𝑔</m:t>
-                                  </m:r>
-                                </m:e>
-                                <m:sub>
-                                  <m:r>
-                                    <a:rPr lang="en-US" b="0" i="1" smtClean="0">
-                                      <a:latin typeface="Cambria Math" panose="02040503050406030204" pitchFamily="18" charset="0"/>
-                                    </a:rPr>
-                                    <m:t>2</m:t>
-                                  </m:r>
-                                </m:sub>
-                              </m:sSub>
-                            </m:e>
-                          </m:d>
-                          <m:r>
-                            <a:rPr lang="en-US" b="0" i="1" smtClean="0">
-                              <a:latin typeface="Cambria Math" panose="02040503050406030204" pitchFamily="18" charset="0"/>
-                            </a:rPr>
-                            <m:t>+</m:t>
-                          </m:r>
-                          <m:r>
-                            <a:rPr lang="en-US" b="0" i="1" smtClean="0">
-                              <a:latin typeface="Cambria Math" panose="02040503050406030204" pitchFamily="18" charset="0"/>
-                            </a:rPr>
-                            <m:t>𝑡𝑡</m:t>
-                          </m:r>
-                          <m:r>
-                            <a:rPr lang="en-US" b="0" i="1" smtClean="0">
-                              <a:latin typeface="Cambria Math" panose="02040503050406030204" pitchFamily="18" charset="0"/>
-                            </a:rPr>
-                            <m:t>(</m:t>
-                          </m:r>
-                          <m:sSub>
-                            <m:sSubPr>
-                              <m:ctrlPr>
-                                <a:rPr lang="en-US" b="0" i="1" smtClean="0">
-                                  <a:latin typeface="Cambria Math" panose="02040503050406030204" pitchFamily="18" charset="0"/>
-                                </a:rPr>
-                              </m:ctrlPr>
-                            </m:sSubPr>
-                            <m:e>
-                              <m:r>
-                                <a:rPr lang="en-US" b="0" i="1" smtClean="0">
-                                  <a:latin typeface="Cambria Math" panose="02040503050406030204" pitchFamily="18" charset="0"/>
-                                </a:rPr>
-                                <m:t>𝑔</m:t>
-                              </m:r>
-                            </m:e>
-                            <m:sub>
-                              <m:r>
-                                <a:rPr lang="en-US" b="0" i="1" smtClean="0">
-                                  <a:latin typeface="Cambria Math" panose="02040503050406030204" pitchFamily="18" charset="0"/>
-                                </a:rPr>
-                                <m:t>2</m:t>
-                              </m:r>
-                            </m:sub>
-                          </m:sSub>
-                          <m:r>
-                            <a:rPr lang="en-US" b="0" i="1" smtClean="0">
-                              <a:latin typeface="Cambria Math" panose="02040503050406030204" pitchFamily="18" charset="0"/>
-                            </a:rPr>
-                            <m:t>,</m:t>
-                          </m:r>
-                          <m:sSub>
-                            <m:sSubPr>
-                              <m:ctrlPr>
-                                <a:rPr lang="en-US" b="0" i="1" smtClean="0">
-                                  <a:latin typeface="Cambria Math" panose="02040503050406030204" pitchFamily="18" charset="0"/>
-                                </a:rPr>
-                              </m:ctrlPr>
-                            </m:sSubPr>
-                            <m:e>
-                              <m:r>
-                                <a:rPr lang="en-US" b="0" i="1" smtClean="0">
-                                  <a:latin typeface="Cambria Math" panose="02040503050406030204" pitchFamily="18" charset="0"/>
-                                </a:rPr>
-                                <m:t>𝑔</m:t>
-                              </m:r>
-                            </m:e>
-                            <m:sub>
-                              <m:r>
-                                <a:rPr lang="en-US" b="0" i="1" smtClean="0">
+                                <a:rPr lang="en-US" altLang="zh-CN" b="0" i="1" smtClean="0">
                                   <a:latin typeface="Cambria Math" panose="02040503050406030204" pitchFamily="18" charset="0"/>
                                 </a:rPr>
                                 <m:t>3</m:t>
                               </m:r>
                             </m:sub>
                           </m:sSub>
-                          <m:r>
-                            <a:rPr lang="en-US" b="0" i="1" smtClean="0">
-                              <a:latin typeface="Cambria Math" panose="02040503050406030204" pitchFamily="18" charset="0"/>
-                            </a:rPr>
-                            <m:t>)</m:t>
-                          </m:r>
                         </m:e>
                       </m:d>
                     </m:oMath>
@@ -7135,30 +6317,30 @@
         <mc:Fallback>
           <p:sp>
             <p:nvSpPr>
-              <p:cNvPr id="36" name="Rectangle 35">
+              <p:cNvPr id="23" name="TextBox 17">
                 <a:extLst>
                   <a:ext uri="{FF2B5EF4-FFF2-40B4-BE49-F238E27FC236}">
-                    <a16:creationId xmlns:a16="http://schemas.microsoft.com/office/drawing/2014/main" id="{5863ECAA-CC27-9849-A377-C648FF8F8CD3}"/>
+                    <a16:creationId xmlns:a16="http://schemas.microsoft.com/office/drawing/2014/main" id="{646F0E07-FC1B-AA45-8861-383DB6BA4477}"/>
                   </a:ext>
                 </a:extLst>
               </p:cNvPr>
-              <p:cNvSpPr>
+              <p:cNvSpPr txBox="1">
                 <a:spLocks noRot="1" noChangeAspect="1" noMove="1" noResize="1" noEditPoints="1" noAdjustHandles="1" noChangeArrowheads="1" noChangeShapeType="1" noTextEdit="1"/>
               </p:cNvSpPr>
               <p:nvPr/>
             </p:nvSpPr>
             <p:spPr>
               <a:xfrm>
-                <a:off x="6841011" y="1074902"/>
-                <a:ext cx="5156604" cy="369332"/>
+                <a:off x="7843282" y="4039685"/>
+                <a:ext cx="1251688" cy="276999"/>
               </a:xfrm>
               <a:prstGeom prst="rect">
                 <a:avLst/>
               </a:prstGeom>
               <a:blipFill>
-                <a:blip r:embed="rId8"/>
+                <a:blip r:embed="rId6"/>
                 <a:stretch>
-                  <a:fillRect b="-13333"/>
+                  <a:fillRect l="-2020" b="-21739"/>
                 </a:stretch>
               </a:blipFill>
             </p:spPr>
@@ -7167,7 +6349,7 @@
               <a:lstStyle/>
               <a:p>
                 <a:r>
-                  <a:rPr lang="en-CN">
+                  <a:rPr lang="zh-CN" altLang="en-US">
                     <a:noFill/>
                   </a:rPr>
                   <a:t> </a:t>
@@ -7177,14 +6359,68 @@
           </p:sp>
         </mc:Fallback>
       </mc:AlternateContent>
+      <p:sp>
+        <p:nvSpPr>
+          <p:cNvPr id="24" name="Hexagon 16">
+            <a:extLst>
+              <a:ext uri="{FF2B5EF4-FFF2-40B4-BE49-F238E27FC236}">
+                <a16:creationId xmlns:a16="http://schemas.microsoft.com/office/drawing/2014/main" id="{B2D65438-4493-8548-9A33-A9E548D90ADC}"/>
+              </a:ext>
+            </a:extLst>
+          </p:cNvPr>
+          <p:cNvSpPr/>
+          <p:nvPr/>
+        </p:nvSpPr>
+        <p:spPr>
+          <a:xfrm rot="16200000">
+            <a:off x="5238940" y="4180528"/>
+            <a:ext cx="439838" cy="370389"/>
+          </a:xfrm>
+          <a:prstGeom prst="hexagon">
+            <a:avLst/>
+          </a:prstGeom>
+          <a:solidFill>
+            <a:srgbClr val="00B050"/>
+          </a:solidFill>
+          <a:ln>
+            <a:solidFill>
+              <a:srgbClr val="00B050"/>
+            </a:solidFill>
+          </a:ln>
+        </p:spPr>
+        <p:style>
+          <a:lnRef idx="2">
+            <a:schemeClr val="accent2">
+              <a:shade val="50000"/>
+            </a:schemeClr>
+          </a:lnRef>
+          <a:fillRef idx="1">
+            <a:schemeClr val="accent2"/>
+          </a:fillRef>
+          <a:effectRef idx="0">
+            <a:schemeClr val="accent2"/>
+          </a:effectRef>
+          <a:fontRef idx="minor">
+            <a:schemeClr val="lt1"/>
+          </a:fontRef>
+        </p:style>
+        <p:txBody>
+          <a:bodyPr rtlCol="0" anchor="ctr"/>
+          <a:lstStyle/>
+          <a:p>
+            <a:pPr algn="ctr"/>
+            <a:endParaRPr lang="en-CN"/>
+          </a:p>
+        </p:txBody>
+      </p:sp>
       <mc:AlternateContent xmlns:mc="http://schemas.openxmlformats.org/markup-compatibility/2006">
         <mc:Choice xmlns:a14="http://schemas.microsoft.com/office/drawing/2010/main" Requires="a14">
           <p:sp>
             <p:nvSpPr>
-              <p:cNvPr id="38" name="Rectangle 37">
+              <p:cNvPr id="5" name="矩形 4">
                 <a:extLst>
                   <a:ext uri="{FF2B5EF4-FFF2-40B4-BE49-F238E27FC236}">
-                    <a16:creationId xmlns:a16="http://schemas.microsoft.com/office/drawing/2014/main" id="{43CC9181-EFC9-8244-91FF-40F627D99871}"/>
+                    <a16:creationId xmlns:a16="http://schemas.microsoft.com/office/drawing/2014/main" id="{08980E9C-87EB-E146-9F59-DCAE98CABE5F}"/>
                   </a:ext>
                 </a:extLst>
               </p:cNvPr>
@@ -7193,8 +6429,8 @@
             </p:nvSpPr>
             <p:spPr>
               <a:xfrm>
-                <a:off x="5275462" y="3257108"/>
-                <a:ext cx="3404009" cy="390748"/>
+                <a:off x="5644054" y="1009616"/>
+                <a:ext cx="6547946" cy="797334"/>
               </a:xfrm>
               <a:prstGeom prst="rect">
                 <a:avLst/>
@@ -7215,32 +6451,62 @@
                       <m:sSub>
                         <m:sSubPr>
                           <m:ctrlPr>
-                            <a:rPr lang="en-US" b="0" i="1" smtClean="0">
+                            <a:rPr lang="en-US" altLang="zh-CN" b="1" i="1" smtClean="0">
+                              <a:solidFill>
+                                <a:srgbClr val="00B050"/>
+                              </a:solidFill>
                               <a:latin typeface="Cambria Math" panose="02040503050406030204" pitchFamily="18" charset="0"/>
                             </a:rPr>
                           </m:ctrlPr>
                         </m:sSubPr>
                         <m:e>
                           <m:r>
-                            <a:rPr lang="en-US" b="0" i="1" smtClean="0">
+                            <a:rPr lang="en-US" altLang="zh-CN" b="1" i="1">
+                              <a:solidFill>
+                                <a:srgbClr val="00B050"/>
+                              </a:solidFill>
                               <a:latin typeface="Cambria Math" panose="02040503050406030204" pitchFamily="18" charset="0"/>
                             </a:rPr>
-                            <m:t>𝑃</m:t>
+                            <m:t>𝟏</m:t>
+                          </m:r>
+                          <m:r>
+                            <a:rPr lang="en-US" altLang="zh-CN" b="1" i="1">
+                              <a:solidFill>
+                                <a:srgbClr val="00B050"/>
+                              </a:solidFill>
+                              <a:latin typeface="Cambria Math" panose="02040503050406030204" pitchFamily="18" charset="0"/>
+                            </a:rPr>
+                            <m:t>−</m:t>
+                          </m:r>
+                          <m:r>
+                            <a:rPr lang="en-US" altLang="zh-CN" b="1" i="1">
+                              <a:solidFill>
+                                <a:srgbClr val="00B050"/>
+                              </a:solidFill>
+                              <a:latin typeface="Cambria Math" panose="02040503050406030204" pitchFamily="18" charset="0"/>
+                            </a:rPr>
+                            <m:t>𝑷</m:t>
                           </m:r>
                         </m:e>
                         <m:sub>
                           <m:r>
-                            <a:rPr lang="en-US" b="0" i="1" smtClean="0">
+                            <a:rPr lang="en-US" altLang="zh-CN" b="1" i="1">
+                              <a:solidFill>
+                                <a:srgbClr val="00B050"/>
+                              </a:solidFill>
                               <a:latin typeface="Cambria Math" panose="02040503050406030204" pitchFamily="18" charset="0"/>
                             </a:rPr>
-                            <m:t>𝑝𝑖𝑐𝑘𝑢𝑝</m:t>
+                            <m:t>𝒎𝒂𝒕𝒄𝒉</m:t>
                           </m:r>
                         </m:sub>
                       </m:sSub>
                       <m:d>
                         <m:dPr>
                           <m:ctrlPr>
-                            <a:rPr lang="en-US" b="0" i="1" smtClean="0">
+                            <a:rPr lang="en-US" altLang="zh-CN" b="1" i="1">
+                              <a:solidFill>
+                                <a:srgbClr val="00B050"/>
+                              </a:solidFill>
                               <a:latin typeface="Cambria Math" panose="02040503050406030204" pitchFamily="18" charset="0"/>
                             </a:rPr>
                           </m:ctrlPr>
@@ -7249,14 +6515,175 @@
                           <m:sSub>
                             <m:sSubPr>
                               <m:ctrlPr>
-                                <a:rPr lang="en-US" b="0" i="1" smtClean="0">
+                                <a:rPr lang="en-US" altLang="zh-CN" b="1" i="1">
+                                  <a:solidFill>
+                                    <a:srgbClr val="00B050"/>
+                                  </a:solidFill>
                                   <a:latin typeface="Cambria Math" panose="02040503050406030204" pitchFamily="18" charset="0"/>
                                 </a:rPr>
                               </m:ctrlPr>
                             </m:sSubPr>
                             <m:e>
                               <m:r>
-                                <a:rPr lang="en-US" b="0" i="1" smtClean="0">
+                                <a:rPr lang="en-US" altLang="zh-CN" b="1" i="1">
+                                  <a:solidFill>
+                                    <a:srgbClr val="00B050"/>
+                                  </a:solidFill>
+                                  <a:latin typeface="Cambria Math" panose="02040503050406030204" pitchFamily="18" charset="0"/>
+                                </a:rPr>
+                                <m:t>𝒔</m:t>
+                              </m:r>
+                            </m:e>
+                            <m:sub>
+                              <m:r>
+                                <a:rPr lang="en-US" altLang="zh-CN" b="1" i="1">
+                                  <a:solidFill>
+                                    <a:srgbClr val="00B050"/>
+                                  </a:solidFill>
+                                  <a:latin typeface="Cambria Math" panose="02040503050406030204" pitchFamily="18" charset="0"/>
+                                </a:rPr>
+                                <m:t>𝟏</m:t>
+                              </m:r>
+                            </m:sub>
+                          </m:sSub>
+                        </m:e>
+                      </m:d>
+                      <m:r>
+                        <a:rPr lang="en-US" altLang="zh-CN" b="1" i="1" smtClean="0">
+                          <a:solidFill>
+                            <a:srgbClr val="00B050"/>
+                          </a:solidFill>
+                          <a:latin typeface="Cambria Math" panose="02040503050406030204" pitchFamily="18" charset="0"/>
+                        </a:rPr>
+                        <m:t>+</m:t>
+                      </m:r>
+                      <m:sSub>
+                        <m:sSubPr>
+                          <m:ctrlPr>
+                            <a:rPr lang="en-US" altLang="zh-CN" i="1" smtClean="0">
+                              <a:solidFill>
+                                <a:srgbClr val="00B050"/>
+                              </a:solidFill>
+                              <a:latin typeface="Cambria Math" panose="02040503050406030204" pitchFamily="18" charset="0"/>
+                            </a:rPr>
+                          </m:ctrlPr>
+                        </m:sSubPr>
+                        <m:e>
+                          <m:r>
+                            <a:rPr lang="en-US" altLang="zh-CN" i="1">
+                              <a:solidFill>
+                                <a:srgbClr val="00B050"/>
+                              </a:solidFill>
+                              <a:latin typeface="Cambria Math" panose="02040503050406030204" pitchFamily="18" charset="0"/>
+                            </a:rPr>
+                            <m:t>𝑃</m:t>
+                          </m:r>
+                        </m:e>
+                        <m:sub>
+                          <m:r>
+                            <a:rPr lang="en-US" altLang="zh-CN" i="1">
+                              <a:solidFill>
+                                <a:srgbClr val="00B050"/>
+                              </a:solidFill>
+                              <a:latin typeface="Cambria Math" panose="02040503050406030204" pitchFamily="18" charset="0"/>
+                            </a:rPr>
+                            <m:t>𝑚𝑎𝑡𝑐h</m:t>
+                          </m:r>
+                        </m:sub>
+                      </m:sSub>
+                      <m:r>
+                        <a:rPr lang="en-US" altLang="zh-CN" i="1">
+                          <a:solidFill>
+                            <a:srgbClr val="00B050"/>
+                          </a:solidFill>
+                          <a:latin typeface="Cambria Math" panose="02040503050406030204" pitchFamily="18" charset="0"/>
+                        </a:rPr>
+                        <m:t>(</m:t>
+                      </m:r>
+                      <m:sSub>
+                        <m:sSubPr>
+                          <m:ctrlPr>
+                            <a:rPr lang="en-US" altLang="zh-CN" i="1">
+                              <a:solidFill>
+                                <a:srgbClr val="00B050"/>
+                              </a:solidFill>
+                              <a:latin typeface="Cambria Math" panose="02040503050406030204" pitchFamily="18" charset="0"/>
+                            </a:rPr>
+                          </m:ctrlPr>
+                        </m:sSubPr>
+                        <m:e>
+                          <m:r>
+                            <a:rPr lang="en-US" altLang="zh-CN" i="1">
+                              <a:solidFill>
+                                <a:srgbClr val="00B050"/>
+                              </a:solidFill>
+                              <a:latin typeface="Cambria Math" panose="02040503050406030204" pitchFamily="18" charset="0"/>
+                            </a:rPr>
+                            <m:t>𝑠</m:t>
+                          </m:r>
+                        </m:e>
+                        <m:sub>
+                          <m:r>
+                            <a:rPr lang="en-US" altLang="zh-CN" i="1">
+                              <a:solidFill>
+                                <a:srgbClr val="00B050"/>
+                              </a:solidFill>
+                              <a:latin typeface="Cambria Math" panose="02040503050406030204" pitchFamily="18" charset="0"/>
+                            </a:rPr>
+                            <m:t>1</m:t>
+                          </m:r>
+                        </m:sub>
+                      </m:sSub>
+                      <m:r>
+                        <a:rPr lang="en-US" altLang="zh-CN" i="1">
+                          <a:solidFill>
+                            <a:srgbClr val="00B050"/>
+                          </a:solidFill>
+                          <a:latin typeface="Cambria Math" panose="02040503050406030204" pitchFamily="18" charset="0"/>
+                        </a:rPr>
+                        <m:t>)</m:t>
+                      </m:r>
+                      <m:r>
+                        <a:rPr lang="en-US" altLang="zh-CN" i="1" smtClean="0">
+                          <a:solidFill>
+                            <a:srgbClr val="00B050"/>
+                          </a:solidFill>
+                          <a:latin typeface="Cambria Math" panose="02040503050406030204" pitchFamily="18" charset="0"/>
+                          <a:ea typeface="Cambria Math" panose="02040503050406030204" pitchFamily="18" charset="0"/>
+                        </a:rPr>
+                        <m:t>×</m:t>
+                      </m:r>
+                      <m:nary>
+                        <m:naryPr>
+                          <m:chr m:val="∑"/>
+                          <m:supHide m:val="on"/>
+                          <m:ctrlPr>
+                            <a:rPr lang="en-US" altLang="zh-CN" b="1" i="1" smtClean="0">
+                              <a:solidFill>
+                                <a:srgbClr val="00B050"/>
+                              </a:solidFill>
+                              <a:latin typeface="Cambria Math" panose="02040503050406030204" pitchFamily="18" charset="0"/>
+                            </a:rPr>
+                          </m:ctrlPr>
+                        </m:naryPr>
+                        <m:sub>
+                          <m:sSub>
+                            <m:sSubPr>
+                              <m:ctrlPr>
+                                <a:rPr lang="en-US" altLang="zh-CN" i="1">
+                                  <a:solidFill>
+                                    <a:srgbClr val="00B050"/>
+                                  </a:solidFill>
+                                  <a:latin typeface="Cambria Math" panose="02040503050406030204" pitchFamily="18" charset="0"/>
+                                </a:rPr>
+                              </m:ctrlPr>
+                            </m:sSubPr>
+                            <m:e>
+                              <m:r>
+                                <a:rPr lang="en-US" altLang="zh-CN" i="1">
+                                  <a:solidFill>
+                                    <a:srgbClr val="00B050"/>
+                                  </a:solidFill>
                                   <a:latin typeface="Cambria Math" panose="02040503050406030204" pitchFamily="18" charset="0"/>
                                 </a:rPr>
                                 <m:t>𝑠</m:t>
@@ -7264,148 +6691,285 @@
                             </m:e>
                             <m:sub>
                               <m:r>
-                                <a:rPr lang="en-US" b="0" i="1" smtClean="0">
+                                <a:rPr lang="en-US" altLang="zh-CN" i="1">
+                                  <a:solidFill>
+                                    <a:srgbClr val="00B050"/>
+                                  </a:solidFill>
                                   <a:latin typeface="Cambria Math" panose="02040503050406030204" pitchFamily="18" charset="0"/>
                                 </a:rPr>
-                                <m:t>1</m:t>
+                                <m:t>2</m:t>
                               </m:r>
                             </m:sub>
                           </m:sSub>
-                          <m:r>
-                            <a:rPr lang="en-US" b="0" i="1" smtClean="0">
-                              <a:latin typeface="Cambria Math" panose="02040503050406030204" pitchFamily="18" charset="0"/>
-                            </a:rPr>
-                            <m:t>,</m:t>
-                          </m:r>
+                        </m:sub>
+                        <m:sup/>
+                        <m:e>
                           <m:sSub>
                             <m:sSubPr>
                               <m:ctrlPr>
-                                <a:rPr lang="en-US" b="0" i="1" smtClean="0">
+                                <a:rPr lang="en-US" altLang="zh-CN" i="1">
+                                  <a:solidFill>
+                                    <a:srgbClr val="00B050"/>
+                                  </a:solidFill>
                                   <a:latin typeface="Cambria Math" panose="02040503050406030204" pitchFamily="18" charset="0"/>
                                 </a:rPr>
                               </m:ctrlPr>
                             </m:sSubPr>
                             <m:e>
                               <m:r>
-                                <a:rPr lang="en-US" b="0" i="1" smtClean="0">
+                                <a:rPr lang="en-US" altLang="zh-CN" i="1">
+                                  <a:solidFill>
+                                    <a:srgbClr val="00B050"/>
+                                  </a:solidFill>
                                   <a:latin typeface="Cambria Math" panose="02040503050406030204" pitchFamily="18" charset="0"/>
                                 </a:rPr>
-                                <m:t>𝑔</m:t>
+                                <m:t>𝑃</m:t>
                               </m:r>
                             </m:e>
                             <m:sub>
                               <m:r>
-                                <a:rPr lang="en-US" b="0" i="1" smtClean="0">
+                                <a:rPr lang="en-US" altLang="zh-CN" i="1">
+                                  <a:solidFill>
+                                    <a:srgbClr val="00B050"/>
+                                  </a:solidFill>
                                   <a:latin typeface="Cambria Math" panose="02040503050406030204" pitchFamily="18" charset="0"/>
                                 </a:rPr>
-                                <m:t>2</m:t>
+                                <m:t>𝑝𝑖𝑐𝑘𝑢𝑝</m:t>
                               </m:r>
                             </m:sub>
                           </m:sSub>
-                        </m:e>
-                      </m:d>
-                      <m:r>
-                        <a:rPr lang="en-US" b="0" i="0" smtClean="0">
-                          <a:latin typeface="Cambria Math" panose="02040503050406030204" pitchFamily="18" charset="0"/>
-                        </a:rPr>
-                        <m:t>∗</m:t>
-                      </m:r>
-                      <m:sSub>
-                        <m:sSubPr>
-                          <m:ctrlPr>
-                            <a:rPr lang="en-US" b="0" i="1" smtClean="0">
+                          <m:d>
+                            <m:dPr>
+                              <m:ctrlPr>
+                                <a:rPr lang="en-US" altLang="zh-CN" i="1">
+                                  <a:solidFill>
+                                    <a:srgbClr val="00B050"/>
+                                  </a:solidFill>
+                                  <a:latin typeface="Cambria Math" panose="02040503050406030204" pitchFamily="18" charset="0"/>
+                                </a:rPr>
+                              </m:ctrlPr>
+                            </m:dPr>
+                            <m:e>
+                              <m:sSub>
+                                <m:sSubPr>
+                                  <m:ctrlPr>
+                                    <a:rPr lang="en-US" altLang="zh-CN" i="1">
+                                      <a:solidFill>
+                                        <a:srgbClr val="00B050"/>
+                                      </a:solidFill>
+                                      <a:latin typeface="Cambria Math" panose="02040503050406030204" pitchFamily="18" charset="0"/>
+                                    </a:rPr>
+                                  </m:ctrlPr>
+                                </m:sSubPr>
+                                <m:e>
+                                  <m:r>
+                                    <a:rPr lang="en-US" altLang="zh-CN" i="1">
+                                      <a:solidFill>
+                                        <a:srgbClr val="00B050"/>
+                                      </a:solidFill>
+                                      <a:latin typeface="Cambria Math" panose="02040503050406030204" pitchFamily="18" charset="0"/>
+                                    </a:rPr>
+                                    <m:t>𝑠</m:t>
+                                  </m:r>
+                                </m:e>
+                                <m:sub>
+                                  <m:r>
+                                    <a:rPr lang="en-US" altLang="zh-CN" i="1">
+                                      <a:solidFill>
+                                        <a:srgbClr val="00B050"/>
+                                      </a:solidFill>
+                                      <a:latin typeface="Cambria Math" panose="02040503050406030204" pitchFamily="18" charset="0"/>
+                                    </a:rPr>
+                                    <m:t>1</m:t>
+                                  </m:r>
+                                </m:sub>
+                              </m:sSub>
+                              <m:r>
+                                <a:rPr lang="en-US" altLang="zh-CN" i="1">
+                                  <a:solidFill>
+                                    <a:srgbClr val="00B050"/>
+                                  </a:solidFill>
+                                  <a:latin typeface="Cambria Math" panose="02040503050406030204" pitchFamily="18" charset="0"/>
+                                </a:rPr>
+                                <m:t>,</m:t>
+                              </m:r>
+                              <m:sSub>
+                                <m:sSubPr>
+                                  <m:ctrlPr>
+                                    <a:rPr lang="en-US" altLang="zh-CN" i="1">
+                                      <a:solidFill>
+                                        <a:srgbClr val="00B050"/>
+                                      </a:solidFill>
+                                      <a:latin typeface="Cambria Math" panose="02040503050406030204" pitchFamily="18" charset="0"/>
+                                    </a:rPr>
+                                  </m:ctrlPr>
+                                </m:sSubPr>
+                                <m:e>
+                                  <m:r>
+                                    <a:rPr lang="en-US" altLang="zh-CN" i="1">
+                                      <a:solidFill>
+                                        <a:srgbClr val="00B050"/>
+                                      </a:solidFill>
+                                      <a:latin typeface="Cambria Math" panose="02040503050406030204" pitchFamily="18" charset="0"/>
+                                    </a:rPr>
+                                    <m:t>𝑠</m:t>
+                                  </m:r>
+                                </m:e>
+                                <m:sub>
+                                  <m:r>
+                                    <a:rPr lang="en-US" altLang="zh-CN" i="1">
+                                      <a:solidFill>
+                                        <a:srgbClr val="00B050"/>
+                                      </a:solidFill>
+                                      <a:latin typeface="Cambria Math" panose="02040503050406030204" pitchFamily="18" charset="0"/>
+                                    </a:rPr>
+                                    <m:t>2</m:t>
+                                  </m:r>
+                                </m:sub>
+                              </m:sSub>
+                            </m:e>
+                          </m:d>
+                          <m:r>
+                            <a:rPr lang="en-US" altLang="zh-CN">
+                              <a:solidFill>
+                                <a:srgbClr val="00B050"/>
+                              </a:solidFill>
                               <a:latin typeface="Cambria Math" panose="02040503050406030204" pitchFamily="18" charset="0"/>
+                              <a:ea typeface="Cambria Math" panose="02040503050406030204" pitchFamily="18" charset="0"/>
                             </a:rPr>
-                          </m:ctrlPr>
-                        </m:sSubPr>
-                        <m:e>
-                          <m:r>
-                            <a:rPr lang="en-US" b="0" i="1" smtClean="0">
-                              <a:latin typeface="Cambria Math" panose="02040503050406030204" pitchFamily="18" charset="0"/>
-                            </a:rPr>
-                            <m:t>𝑃</m:t>
+                            <m:t>×</m:t>
                           </m:r>
-                        </m:e>
-                        <m:sub>
-                          <m:r>
-                            <a:rPr lang="en-US" b="0" i="1" smtClean="0">
-                              <a:latin typeface="Cambria Math" panose="02040503050406030204" pitchFamily="18" charset="0"/>
-                            </a:rPr>
-                            <m:t>𝑐𝑎𝑛𝑐𝑒𝑙</m:t>
-                          </m:r>
-                        </m:sub>
-                      </m:sSub>
-                      <m:d>
-                        <m:dPr>
-                          <m:ctrlPr>
-                            <a:rPr lang="en-US" b="0" i="1" smtClean="0">
-                              <a:latin typeface="Cambria Math" panose="02040503050406030204" pitchFamily="18" charset="0"/>
-                            </a:rPr>
-                          </m:ctrlPr>
-                        </m:dPr>
-                        <m:e>
                           <m:sSub>
                             <m:sSubPr>
                               <m:ctrlPr>
-                                <a:rPr lang="en-US" b="0" i="1" smtClean="0">
+                                <a:rPr lang="en-US" altLang="zh-CN" i="1">
+                                  <a:solidFill>
+                                    <a:srgbClr val="00B050"/>
+                                  </a:solidFill>
                                   <a:latin typeface="Cambria Math" panose="02040503050406030204" pitchFamily="18" charset="0"/>
                                 </a:rPr>
                               </m:ctrlPr>
                             </m:sSubPr>
                             <m:e>
                               <m:r>
-                                <a:rPr lang="en-US" b="0" i="1" smtClean="0">
+                                <a:rPr lang="en-US" altLang="zh-CN" i="1">
+                                  <a:solidFill>
+                                    <a:srgbClr val="00B050"/>
+                                  </a:solidFill>
                                   <a:latin typeface="Cambria Math" panose="02040503050406030204" pitchFamily="18" charset="0"/>
                                 </a:rPr>
-                                <m:t>𝑔</m:t>
+                                <m:t>𝑃</m:t>
                               </m:r>
                             </m:e>
                             <m:sub>
                               <m:r>
-                                <a:rPr lang="en-US" b="0" i="1" smtClean="0">
+                                <a:rPr lang="en-US" altLang="zh-CN" i="1">
+                                  <a:solidFill>
+                                    <a:srgbClr val="00B050"/>
+                                  </a:solidFill>
                                   <a:latin typeface="Cambria Math" panose="02040503050406030204" pitchFamily="18" charset="0"/>
                                 </a:rPr>
-                                <m:t>1</m:t>
+                                <m:t>𝑐𝑎𝑛𝑐𝑒𝑙</m:t>
                               </m:r>
                             </m:sub>
                           </m:sSub>
-                          <m:r>
-                            <a:rPr lang="en-US" b="0" i="1" smtClean="0">
-                              <a:latin typeface="Cambria Math" panose="02040503050406030204" pitchFamily="18" charset="0"/>
-                            </a:rPr>
-                            <m:t>,</m:t>
-                          </m:r>
-                          <m:sSub>
-                            <m:sSubPr>
+                          <m:d>
+                            <m:dPr>
                               <m:ctrlPr>
-                                <a:rPr lang="en-US" b="0" i="1" smtClean="0">
+                                <a:rPr lang="en-US" altLang="zh-CN" i="1">
+                                  <a:solidFill>
+                                    <a:srgbClr val="00B050"/>
+                                  </a:solidFill>
                                   <a:latin typeface="Cambria Math" panose="02040503050406030204" pitchFamily="18" charset="0"/>
                                 </a:rPr>
                               </m:ctrlPr>
-                            </m:sSubPr>
+                            </m:dPr>
                             <m:e>
+                              <m:sSub>
+                                <m:sSubPr>
+                                  <m:ctrlPr>
+                                    <a:rPr lang="en-US" altLang="zh-CN" i="1">
+                                      <a:solidFill>
+                                        <a:srgbClr val="00B050"/>
+                                      </a:solidFill>
+                                      <a:latin typeface="Cambria Math" panose="02040503050406030204" pitchFamily="18" charset="0"/>
+                                    </a:rPr>
+                                  </m:ctrlPr>
+                                </m:sSubPr>
+                                <m:e>
+                                  <m:r>
+                                    <a:rPr lang="en-US" altLang="zh-CN" i="1">
+                                      <a:solidFill>
+                                        <a:srgbClr val="00B050"/>
+                                      </a:solidFill>
+                                      <a:latin typeface="Cambria Math" panose="02040503050406030204" pitchFamily="18" charset="0"/>
+                                    </a:rPr>
+                                    <m:t>𝑠</m:t>
+                                  </m:r>
+                                </m:e>
+                                <m:sub>
+                                  <m:r>
+                                    <a:rPr lang="en-US" altLang="zh-CN" i="1">
+                                      <a:solidFill>
+                                        <a:srgbClr val="00B050"/>
+                                      </a:solidFill>
+                                      <a:latin typeface="Cambria Math" panose="02040503050406030204" pitchFamily="18" charset="0"/>
+                                    </a:rPr>
+                                    <m:t>1</m:t>
+                                  </m:r>
+                                </m:sub>
+                              </m:sSub>
                               <m:r>
-                                <a:rPr lang="en-US" b="0" i="1" smtClean="0">
+                                <a:rPr lang="en-US" altLang="zh-CN" i="1">
+                                  <a:solidFill>
+                                    <a:srgbClr val="00B050"/>
+                                  </a:solidFill>
                                   <a:latin typeface="Cambria Math" panose="02040503050406030204" pitchFamily="18" charset="0"/>
                                 </a:rPr>
-                                <m:t>𝑔</m:t>
+                                <m:t>,</m:t>
                               </m:r>
+                              <m:sSub>
+                                <m:sSubPr>
+                                  <m:ctrlPr>
+                                    <a:rPr lang="en-US" altLang="zh-CN" i="1">
+                                      <a:solidFill>
+                                        <a:srgbClr val="00B050"/>
+                                      </a:solidFill>
+                                      <a:latin typeface="Cambria Math" panose="02040503050406030204" pitchFamily="18" charset="0"/>
+                                    </a:rPr>
+                                  </m:ctrlPr>
+                                </m:sSubPr>
+                                <m:e>
+                                  <m:r>
+                                    <a:rPr lang="en-US" altLang="zh-CN" i="1">
+                                      <a:solidFill>
+                                        <a:srgbClr val="00B050"/>
+                                      </a:solidFill>
+                                      <a:latin typeface="Cambria Math" panose="02040503050406030204" pitchFamily="18" charset="0"/>
+                                    </a:rPr>
+                                    <m:t>𝑠</m:t>
+                                  </m:r>
+                                </m:e>
+                                <m:sub>
+                                  <m:r>
+                                    <a:rPr lang="en-US" altLang="zh-CN" i="1">
+                                      <a:solidFill>
+                                        <a:srgbClr val="00B050"/>
+                                      </a:solidFill>
+                                      <a:latin typeface="Cambria Math" panose="02040503050406030204" pitchFamily="18" charset="0"/>
+                                    </a:rPr>
+                                    <m:t>2</m:t>
+                                  </m:r>
+                                </m:sub>
+                              </m:sSub>
                             </m:e>
-                            <m:sub>
-                              <m:r>
-                                <a:rPr lang="en-US" b="0" i="1" smtClean="0">
-                                  <a:latin typeface="Cambria Math" panose="02040503050406030204" pitchFamily="18" charset="0"/>
-                                </a:rPr>
-                                <m:t>2</m:t>
-                              </m:r>
-                            </m:sub>
-                          </m:sSub>
+                          </m:d>
                         </m:e>
-                      </m:d>
+                      </m:nary>
                     </m:oMath>
                   </m:oMathPara>
                 </a14:m>
-                <a:endParaRPr lang="en-CN" dirty="0"/>
+                <a:endParaRPr lang="zh-CN" altLang="en-US" b="1" dirty="0"/>
               </a:p>
             </p:txBody>
           </p:sp>
@@ -7413,10 +6977,10 @@
         <mc:Fallback>
           <p:sp>
             <p:nvSpPr>
-              <p:cNvPr id="38" name="Rectangle 37">
+              <p:cNvPr id="5" name="矩形 4">
                 <a:extLst>
                   <a:ext uri="{FF2B5EF4-FFF2-40B4-BE49-F238E27FC236}">
-                    <a16:creationId xmlns:a16="http://schemas.microsoft.com/office/drawing/2014/main" id="{43CC9181-EFC9-8244-91FF-40F627D99871}"/>
+                    <a16:creationId xmlns:a16="http://schemas.microsoft.com/office/drawing/2014/main" id="{08980E9C-87EB-E146-9F59-DCAE98CABE5F}"/>
                   </a:ext>
                 </a:extLst>
               </p:cNvPr>
@@ -7427,16 +6991,16 @@
             </p:nvSpPr>
             <p:spPr>
               <a:xfrm>
-                <a:off x="5275462" y="3257108"/>
-                <a:ext cx="3404009" cy="390748"/>
+                <a:off x="5644054" y="1009616"/>
+                <a:ext cx="6547946" cy="797334"/>
               </a:xfrm>
               <a:prstGeom prst="rect">
                 <a:avLst/>
               </a:prstGeom>
               <a:blipFill>
-                <a:blip r:embed="rId9"/>
+                <a:blip r:embed="rId7"/>
                 <a:stretch>
-                  <a:fillRect b="-6250"/>
+                  <a:fillRect t="-115625" b="-157813"/>
                 </a:stretch>
               </a:blipFill>
             </p:spPr>
@@ -7445,7 +7009,7 @@
               <a:lstStyle/>
               <a:p>
                 <a:r>
-                  <a:rPr lang="en-CN">
+                  <a:rPr lang="zh-CN" altLang="en-US">
                     <a:noFill/>
                   </a:rPr>
                   <a:t> </a:t>
@@ -7455,383 +7019,575 @@
           </p:sp>
         </mc:Fallback>
       </mc:AlternateContent>
-      <mc:AlternateContent xmlns:mc="http://schemas.openxmlformats.org/markup-compatibility/2006">
-        <mc:Choice xmlns:a14="http://schemas.microsoft.com/office/drawing/2010/main" Requires="a14">
-          <p:sp>
-            <p:nvSpPr>
-              <p:cNvPr id="39" name="Rectangle 38">
-                <a:extLst>
-                  <a:ext uri="{FF2B5EF4-FFF2-40B4-BE49-F238E27FC236}">
-                    <a16:creationId xmlns:a16="http://schemas.microsoft.com/office/drawing/2014/main" id="{029C86FC-1BCB-9343-A309-0842628D8100}"/>
-                  </a:ext>
-                </a:extLst>
-              </p:cNvPr>
-              <p:cNvSpPr/>
-              <p:nvPr/>
-            </p:nvSpPr>
-            <p:spPr>
-              <a:xfrm>
-                <a:off x="6841011" y="2690477"/>
-                <a:ext cx="3968459" cy="369332"/>
-              </a:xfrm>
-              <a:prstGeom prst="rect">
-                <a:avLst/>
-              </a:prstGeom>
-            </p:spPr>
-            <p:txBody>
-              <a:bodyPr wrap="none">
-                <a:spAutoFit/>
-              </a:bodyPr>
-              <a:lstStyle/>
-              <a:p>
-                <a14:m>
-                  <m:oMathPara xmlns:m="http://schemas.openxmlformats.org/officeDocument/2006/math">
-                    <m:oMathParaPr>
-                      <m:jc m:val="centerGroup"/>
-                    </m:oMathParaPr>
-                    <m:oMath xmlns:m="http://schemas.openxmlformats.org/officeDocument/2006/math">
-                      <m:sSub>
-                        <m:sSubPr>
-                          <m:ctrlPr>
-                            <a:rPr lang="en-US" b="0" i="1" smtClean="0">
-                              <a:latin typeface="Cambria Math" panose="02040503050406030204" pitchFamily="18" charset="0"/>
-                            </a:rPr>
-                          </m:ctrlPr>
-                        </m:sSubPr>
-                        <m:e>
-                          <m:r>
-                            <a:rPr lang="en-US" b="0" i="1" smtClean="0">
-                              <a:latin typeface="Cambria Math" panose="02040503050406030204" pitchFamily="18" charset="0"/>
-                            </a:rPr>
-                            <m:t>𝑠</m:t>
-                          </m:r>
-                        </m:e>
-                        <m:sub>
-                          <m:r>
-                            <a:rPr lang="en-US" b="0" i="1" smtClean="0">
-                              <a:latin typeface="Cambria Math" panose="02040503050406030204" pitchFamily="18" charset="0"/>
-                            </a:rPr>
-                            <m:t>2</m:t>
-                          </m:r>
-                        </m:sub>
-                      </m:sSub>
-                      <m:r>
-                        <a:rPr lang="en-US" b="0" i="1" smtClean="0">
-                          <a:latin typeface="Cambria Math" panose="02040503050406030204" pitchFamily="18" charset="0"/>
-                        </a:rPr>
-                        <m:t>=</m:t>
-                      </m:r>
-                      <m:d>
-                        <m:dPr>
-                          <m:begChr m:val="⟨"/>
-                          <m:endChr m:val="⟩"/>
-                          <m:ctrlPr>
-                            <a:rPr lang="en-US" b="0" i="1" smtClean="0">
-                              <a:latin typeface="Cambria Math" panose="02040503050406030204" pitchFamily="18" charset="0"/>
-                            </a:rPr>
-                          </m:ctrlPr>
-                        </m:dPr>
-                        <m:e>
-                          <m:sSub>
-                            <m:sSubPr>
-                              <m:ctrlPr>
-                                <a:rPr lang="en-US" b="0" i="1" smtClean="0">
-                                  <a:latin typeface="Cambria Math" panose="02040503050406030204" pitchFamily="18" charset="0"/>
-                                </a:rPr>
-                              </m:ctrlPr>
-                            </m:sSubPr>
-                            <m:e>
-                              <m:r>
-                                <a:rPr lang="en-US" b="0" i="1" smtClean="0">
-                                  <a:latin typeface="Cambria Math" panose="02040503050406030204" pitchFamily="18" charset="0"/>
-                                </a:rPr>
-                                <m:t>𝑔</m:t>
-                              </m:r>
-                            </m:e>
-                            <m:sub>
-                              <m:r>
-                                <a:rPr lang="en-US" b="0" i="1" smtClean="0">
-                                  <a:latin typeface="Cambria Math" panose="02040503050406030204" pitchFamily="18" charset="0"/>
-                                </a:rPr>
-                                <m:t>2</m:t>
-                              </m:r>
-                            </m:sub>
-                          </m:sSub>
-                          <m:r>
-                            <a:rPr lang="en-US" b="0" i="1" smtClean="0">
-                              <a:latin typeface="Cambria Math" panose="02040503050406030204" pitchFamily="18" charset="0"/>
-                            </a:rPr>
-                            <m:t>,</m:t>
-                          </m:r>
-                          <m:sSub>
-                            <m:sSubPr>
-                              <m:ctrlPr>
-                                <a:rPr lang="en-US" b="0" i="1" smtClean="0">
-                                  <a:latin typeface="Cambria Math" panose="02040503050406030204" pitchFamily="18" charset="0"/>
-                                </a:rPr>
-                              </m:ctrlPr>
-                            </m:sSubPr>
-                            <m:e>
-                              <m:r>
-                                <a:rPr lang="en-US" b="0" i="1" smtClean="0">
-                                  <a:latin typeface="Cambria Math" panose="02040503050406030204" pitchFamily="18" charset="0"/>
-                                </a:rPr>
-                                <m:t>𝑡</m:t>
-                              </m:r>
-                            </m:e>
-                            <m:sub>
-                              <m:r>
-                                <a:rPr lang="en-US" b="0" i="1" smtClean="0">
-                                  <a:latin typeface="Cambria Math" panose="02040503050406030204" pitchFamily="18" charset="0"/>
-                                </a:rPr>
-                                <m:t>0</m:t>
-                              </m:r>
-                            </m:sub>
-                          </m:sSub>
-                          <m:r>
-                            <a:rPr lang="en-US" b="0" i="1" smtClean="0">
-                              <a:latin typeface="Cambria Math" panose="02040503050406030204" pitchFamily="18" charset="0"/>
-                            </a:rPr>
-                            <m:t>+</m:t>
-                          </m:r>
-                          <m:r>
-                            <a:rPr lang="en-US" b="0" i="1" smtClean="0">
-                              <a:latin typeface="Cambria Math" panose="02040503050406030204" pitchFamily="18" charset="0"/>
-                            </a:rPr>
-                            <m:t>𝑡𝑡</m:t>
-                          </m:r>
-                          <m:d>
-                            <m:dPr>
-                              <m:ctrlPr>
-                                <a:rPr lang="en-US" b="0" i="1" smtClean="0">
-                                  <a:latin typeface="Cambria Math" panose="02040503050406030204" pitchFamily="18" charset="0"/>
-                                </a:rPr>
-                              </m:ctrlPr>
-                            </m:dPr>
-                            <m:e>
-                              <m:sSub>
-                                <m:sSubPr>
-                                  <m:ctrlPr>
-                                    <a:rPr lang="en-US" b="0" i="1" smtClean="0">
-                                      <a:latin typeface="Cambria Math" panose="02040503050406030204" pitchFamily="18" charset="0"/>
-                                    </a:rPr>
-                                  </m:ctrlPr>
-                                </m:sSubPr>
-                                <m:e>
-                                  <m:r>
-                                    <a:rPr lang="en-US" b="0" i="1" smtClean="0">
-                                      <a:latin typeface="Cambria Math" panose="02040503050406030204" pitchFamily="18" charset="0"/>
-                                    </a:rPr>
-                                    <m:t>𝑔</m:t>
-                                  </m:r>
-                                </m:e>
-                                <m:sub>
-                                  <m:r>
-                                    <a:rPr lang="en-US" b="0" i="1" smtClean="0">
-                                      <a:latin typeface="Cambria Math" panose="02040503050406030204" pitchFamily="18" charset="0"/>
-                                    </a:rPr>
-                                    <m:t>0</m:t>
-                                  </m:r>
-                                </m:sub>
-                              </m:sSub>
-                              <m:r>
-                                <a:rPr lang="en-US" b="0" i="1" smtClean="0">
-                                  <a:latin typeface="Cambria Math" panose="02040503050406030204" pitchFamily="18" charset="0"/>
-                                </a:rPr>
-                                <m:t>,</m:t>
-                              </m:r>
-                              <m:sSub>
-                                <m:sSubPr>
-                                  <m:ctrlPr>
-                                    <a:rPr lang="en-US" b="0" i="1" smtClean="0">
-                                      <a:latin typeface="Cambria Math" panose="02040503050406030204" pitchFamily="18" charset="0"/>
-                                    </a:rPr>
-                                  </m:ctrlPr>
-                                </m:sSubPr>
-                                <m:e>
-                                  <m:r>
-                                    <a:rPr lang="en-US" b="0" i="1" smtClean="0">
-                                      <a:latin typeface="Cambria Math" panose="02040503050406030204" pitchFamily="18" charset="0"/>
-                                    </a:rPr>
-                                    <m:t>𝑔</m:t>
-                                  </m:r>
-                                </m:e>
-                                <m:sub>
-                                  <m:r>
-                                    <a:rPr lang="en-US" b="0" i="1" smtClean="0">
-                                      <a:latin typeface="Cambria Math" panose="02040503050406030204" pitchFamily="18" charset="0"/>
-                                    </a:rPr>
-                                    <m:t>1</m:t>
-                                  </m:r>
-                                </m:sub>
-                              </m:sSub>
-                            </m:e>
-                          </m:d>
-                          <m:r>
-                            <a:rPr lang="en-US" b="0" i="1" smtClean="0">
-                              <a:latin typeface="Cambria Math" panose="02040503050406030204" pitchFamily="18" charset="0"/>
-                            </a:rPr>
-                            <m:t>+</m:t>
-                          </m:r>
-                          <m:r>
-                            <a:rPr lang="en-US" b="0" i="1" smtClean="0">
-                              <a:latin typeface="Cambria Math" panose="02040503050406030204" pitchFamily="18" charset="0"/>
-                            </a:rPr>
-                            <m:t>𝑡𝑡</m:t>
-                          </m:r>
-                          <m:d>
-                            <m:dPr>
-                              <m:ctrlPr>
-                                <a:rPr lang="en-US" b="0" i="1" smtClean="0">
-                                  <a:latin typeface="Cambria Math" panose="02040503050406030204" pitchFamily="18" charset="0"/>
-                                </a:rPr>
-                              </m:ctrlPr>
-                            </m:dPr>
-                            <m:e>
-                              <m:sSub>
-                                <m:sSubPr>
-                                  <m:ctrlPr>
-                                    <a:rPr lang="en-US" b="0" i="1" smtClean="0">
-                                      <a:latin typeface="Cambria Math" panose="02040503050406030204" pitchFamily="18" charset="0"/>
-                                    </a:rPr>
-                                  </m:ctrlPr>
-                                </m:sSubPr>
-                                <m:e>
-                                  <m:r>
-                                    <a:rPr lang="en-US" b="0" i="1" smtClean="0">
-                                      <a:latin typeface="Cambria Math" panose="02040503050406030204" pitchFamily="18" charset="0"/>
-                                    </a:rPr>
-                                    <m:t>𝑔</m:t>
-                                  </m:r>
-                                </m:e>
-                                <m:sub>
-                                  <m:r>
-                                    <a:rPr lang="en-US" b="0" i="1" smtClean="0">
-                                      <a:latin typeface="Cambria Math" panose="02040503050406030204" pitchFamily="18" charset="0"/>
-                                    </a:rPr>
-                                    <m:t>1</m:t>
-                                  </m:r>
-                                </m:sub>
-                              </m:sSub>
-                              <m:r>
-                                <a:rPr lang="en-US" b="0" i="1" smtClean="0">
-                                  <a:latin typeface="Cambria Math" panose="02040503050406030204" pitchFamily="18" charset="0"/>
-                                </a:rPr>
-                                <m:t>,</m:t>
-                              </m:r>
-                              <m:sSub>
-                                <m:sSubPr>
-                                  <m:ctrlPr>
-                                    <a:rPr lang="en-US" b="0" i="1" smtClean="0">
-                                      <a:latin typeface="Cambria Math" panose="02040503050406030204" pitchFamily="18" charset="0"/>
-                                    </a:rPr>
-                                  </m:ctrlPr>
-                                </m:sSubPr>
-                                <m:e>
-                                  <m:r>
-                                    <a:rPr lang="en-US" b="0" i="1" smtClean="0">
-                                      <a:latin typeface="Cambria Math" panose="02040503050406030204" pitchFamily="18" charset="0"/>
-                                    </a:rPr>
-                                    <m:t>𝑔</m:t>
-                                  </m:r>
-                                </m:e>
-                                <m:sub>
-                                  <m:r>
-                                    <a:rPr lang="en-US" b="0" i="1" smtClean="0">
-                                      <a:latin typeface="Cambria Math" panose="02040503050406030204" pitchFamily="18" charset="0"/>
-                                    </a:rPr>
-                                    <m:t>2</m:t>
-                                  </m:r>
-                                </m:sub>
-                              </m:sSub>
-                            </m:e>
-                          </m:d>
-                        </m:e>
-                      </m:d>
-                    </m:oMath>
-                  </m:oMathPara>
-                </a14:m>
-                <a:endParaRPr lang="en-CN" dirty="0"/>
-              </a:p>
-            </p:txBody>
-          </p:sp>
-        </mc:Choice>
-        <mc:Fallback>
-          <p:sp>
-            <p:nvSpPr>
-              <p:cNvPr id="39" name="Rectangle 38">
-                <a:extLst>
-                  <a:ext uri="{FF2B5EF4-FFF2-40B4-BE49-F238E27FC236}">
-                    <a16:creationId xmlns:a16="http://schemas.microsoft.com/office/drawing/2014/main" id="{029C86FC-1BCB-9343-A309-0842628D8100}"/>
-                  </a:ext>
-                </a:extLst>
-              </p:cNvPr>
-              <p:cNvSpPr>
-                <a:spLocks noRot="1" noChangeAspect="1" noMove="1" noResize="1" noEditPoints="1" noAdjustHandles="1" noChangeArrowheads="1" noChangeShapeType="1" noTextEdit="1"/>
-              </p:cNvSpPr>
-              <p:nvPr/>
-            </p:nvSpPr>
-            <p:spPr>
-              <a:xfrm>
-                <a:off x="6841011" y="2690477"/>
-                <a:ext cx="3968459" cy="369332"/>
-              </a:xfrm>
-              <a:prstGeom prst="rect">
-                <a:avLst/>
-              </a:prstGeom>
-              <a:blipFill>
-                <a:blip r:embed="rId10"/>
-                <a:stretch>
-                  <a:fillRect b="-6667"/>
-                </a:stretch>
-              </a:blipFill>
-            </p:spPr>
-            <p:txBody>
-              <a:bodyPr/>
-              <a:lstStyle/>
-              <a:p>
-                <a:r>
-                  <a:rPr lang="en-CN">
-                    <a:noFill/>
-                  </a:rPr>
-                  <a:t> </a:t>
-                </a:r>
-              </a:p>
-            </p:txBody>
-          </p:sp>
-        </mc:Fallback>
-      </mc:AlternateContent>
+      <p:sp>
+        <p:nvSpPr>
+          <p:cNvPr id="25" name="Hexagon 16">
+            <a:extLst>
+              <a:ext uri="{FF2B5EF4-FFF2-40B4-BE49-F238E27FC236}">
+                <a16:creationId xmlns:a16="http://schemas.microsoft.com/office/drawing/2014/main" id="{F062ED82-89F2-024A-BF4C-19964DAE08F0}"/>
+              </a:ext>
+            </a:extLst>
+          </p:cNvPr>
+          <p:cNvSpPr/>
+          <p:nvPr/>
+        </p:nvSpPr>
+        <p:spPr>
+          <a:xfrm rot="16200000">
+            <a:off x="5455906" y="4557033"/>
+            <a:ext cx="439838" cy="370389"/>
+          </a:xfrm>
+          <a:prstGeom prst="hexagon">
+            <a:avLst/>
+          </a:prstGeom>
+          <a:solidFill>
+            <a:srgbClr val="00B050"/>
+          </a:solidFill>
+          <a:ln>
+            <a:solidFill>
+              <a:srgbClr val="00B050"/>
+            </a:solidFill>
+          </a:ln>
+        </p:spPr>
+        <p:style>
+          <a:lnRef idx="2">
+            <a:schemeClr val="accent2">
+              <a:shade val="50000"/>
+            </a:schemeClr>
+          </a:lnRef>
+          <a:fillRef idx="1">
+            <a:schemeClr val="accent2"/>
+          </a:fillRef>
+          <a:effectRef idx="0">
+            <a:schemeClr val="accent2"/>
+          </a:effectRef>
+          <a:fontRef idx="minor">
+            <a:schemeClr val="lt1"/>
+          </a:fontRef>
+        </p:style>
+        <p:txBody>
+          <a:bodyPr rtlCol="0" anchor="ctr"/>
+          <a:lstStyle/>
+          <a:p>
+            <a:pPr algn="ctr"/>
+            <a:endParaRPr lang="en-CN"/>
+          </a:p>
+        </p:txBody>
+      </p:sp>
+      <p:sp>
+        <p:nvSpPr>
+          <p:cNvPr id="26" name="Hexagon 16">
+            <a:extLst>
+              <a:ext uri="{FF2B5EF4-FFF2-40B4-BE49-F238E27FC236}">
+                <a16:creationId xmlns:a16="http://schemas.microsoft.com/office/drawing/2014/main" id="{69B4E805-D221-F445-A7BF-A6C88E70A567}"/>
+              </a:ext>
+            </a:extLst>
+          </p:cNvPr>
+          <p:cNvSpPr/>
+          <p:nvPr/>
+        </p:nvSpPr>
+        <p:spPr>
+          <a:xfrm rot="16200000">
+            <a:off x="5254826" y="4933538"/>
+            <a:ext cx="439838" cy="370389"/>
+          </a:xfrm>
+          <a:prstGeom prst="hexagon">
+            <a:avLst/>
+          </a:prstGeom>
+          <a:solidFill>
+            <a:srgbClr val="00B050"/>
+          </a:solidFill>
+          <a:ln>
+            <a:solidFill>
+              <a:srgbClr val="00B050"/>
+            </a:solidFill>
+          </a:ln>
+        </p:spPr>
+        <p:style>
+          <a:lnRef idx="2">
+            <a:schemeClr val="accent2">
+              <a:shade val="50000"/>
+            </a:schemeClr>
+          </a:lnRef>
+          <a:fillRef idx="1">
+            <a:schemeClr val="accent2"/>
+          </a:fillRef>
+          <a:effectRef idx="0">
+            <a:schemeClr val="accent2"/>
+          </a:effectRef>
+          <a:fontRef idx="minor">
+            <a:schemeClr val="lt1"/>
+          </a:fontRef>
+        </p:style>
+        <p:txBody>
+          <a:bodyPr rtlCol="0" anchor="ctr"/>
+          <a:lstStyle/>
+          <a:p>
+            <a:pPr algn="ctr"/>
+            <a:endParaRPr lang="en-CN"/>
+          </a:p>
+        </p:txBody>
+      </p:sp>
+      <p:sp>
+        <p:nvSpPr>
+          <p:cNvPr id="28" name="Hexagon 16">
+            <a:extLst>
+              <a:ext uri="{FF2B5EF4-FFF2-40B4-BE49-F238E27FC236}">
+                <a16:creationId xmlns:a16="http://schemas.microsoft.com/office/drawing/2014/main" id="{FBA5522E-385D-AE49-AD40-CE3B9CFBDAFB}"/>
+              </a:ext>
+            </a:extLst>
+          </p:cNvPr>
+          <p:cNvSpPr/>
+          <p:nvPr/>
+        </p:nvSpPr>
+        <p:spPr>
+          <a:xfrm rot="16200000">
+            <a:off x="4852664" y="4180528"/>
+            <a:ext cx="439838" cy="370389"/>
+          </a:xfrm>
+          <a:prstGeom prst="hexagon">
+            <a:avLst/>
+          </a:prstGeom>
+          <a:solidFill>
+            <a:srgbClr val="00B050"/>
+          </a:solidFill>
+          <a:ln>
+            <a:solidFill>
+              <a:srgbClr val="00B050"/>
+            </a:solidFill>
+          </a:ln>
+        </p:spPr>
+        <p:style>
+          <a:lnRef idx="2">
+            <a:schemeClr val="accent2">
+              <a:shade val="50000"/>
+            </a:schemeClr>
+          </a:lnRef>
+          <a:fillRef idx="1">
+            <a:schemeClr val="accent2"/>
+          </a:fillRef>
+          <a:effectRef idx="0">
+            <a:schemeClr val="accent2"/>
+          </a:effectRef>
+          <a:fontRef idx="minor">
+            <a:schemeClr val="lt1"/>
+          </a:fontRef>
+        </p:style>
+        <p:txBody>
+          <a:bodyPr rtlCol="0" anchor="ctr"/>
+          <a:lstStyle/>
+          <a:p>
+            <a:pPr algn="ctr"/>
+            <a:endParaRPr lang="en-CN"/>
+          </a:p>
+        </p:txBody>
+      </p:sp>
+      <p:sp>
+        <p:nvSpPr>
+          <p:cNvPr id="29" name="Hexagon 16">
+            <a:extLst>
+              <a:ext uri="{FF2B5EF4-FFF2-40B4-BE49-F238E27FC236}">
+                <a16:creationId xmlns:a16="http://schemas.microsoft.com/office/drawing/2014/main" id="{EAEDC7EC-9AA8-4F4C-AC9B-8477972AAB18}"/>
+              </a:ext>
+            </a:extLst>
+          </p:cNvPr>
+          <p:cNvSpPr/>
+          <p:nvPr/>
+        </p:nvSpPr>
+        <p:spPr>
+          <a:xfrm rot="16200000">
+            <a:off x="4667470" y="4562146"/>
+            <a:ext cx="439838" cy="370389"/>
+          </a:xfrm>
+          <a:prstGeom prst="hexagon">
+            <a:avLst/>
+          </a:prstGeom>
+          <a:solidFill>
+            <a:srgbClr val="00B050"/>
+          </a:solidFill>
+          <a:ln>
+            <a:solidFill>
+              <a:srgbClr val="00B050"/>
+            </a:solidFill>
+          </a:ln>
+        </p:spPr>
+        <p:style>
+          <a:lnRef idx="2">
+            <a:schemeClr val="accent2">
+              <a:shade val="50000"/>
+            </a:schemeClr>
+          </a:lnRef>
+          <a:fillRef idx="1">
+            <a:schemeClr val="accent2"/>
+          </a:fillRef>
+          <a:effectRef idx="0">
+            <a:schemeClr val="accent2"/>
+          </a:effectRef>
+          <a:fontRef idx="minor">
+            <a:schemeClr val="lt1"/>
+          </a:fontRef>
+        </p:style>
+        <p:txBody>
+          <a:bodyPr rtlCol="0" anchor="ctr"/>
+          <a:lstStyle/>
+          <a:p>
+            <a:pPr algn="ctr"/>
+            <a:endParaRPr lang="en-CN"/>
+          </a:p>
+        </p:txBody>
+      </p:sp>
+      <p:sp>
+        <p:nvSpPr>
+          <p:cNvPr id="30" name="Hexagon 16">
+            <a:extLst>
+              <a:ext uri="{FF2B5EF4-FFF2-40B4-BE49-F238E27FC236}">
+                <a16:creationId xmlns:a16="http://schemas.microsoft.com/office/drawing/2014/main" id="{CDEC3495-2070-F246-9A87-4B51B4222C4C}"/>
+              </a:ext>
+            </a:extLst>
+          </p:cNvPr>
+          <p:cNvSpPr/>
+          <p:nvPr/>
+        </p:nvSpPr>
+        <p:spPr>
+          <a:xfrm rot="16200000">
+            <a:off x="4852664" y="4933537"/>
+            <a:ext cx="439838" cy="370389"/>
+          </a:xfrm>
+          <a:prstGeom prst="hexagon">
+            <a:avLst/>
+          </a:prstGeom>
+          <a:solidFill>
+            <a:srgbClr val="00B050"/>
+          </a:solidFill>
+          <a:ln>
+            <a:solidFill>
+              <a:srgbClr val="00B050"/>
+            </a:solidFill>
+          </a:ln>
+        </p:spPr>
+        <p:style>
+          <a:lnRef idx="2">
+            <a:schemeClr val="accent2">
+              <a:shade val="50000"/>
+            </a:schemeClr>
+          </a:lnRef>
+          <a:fillRef idx="1">
+            <a:schemeClr val="accent2"/>
+          </a:fillRef>
+          <a:effectRef idx="0">
+            <a:schemeClr val="accent2"/>
+          </a:effectRef>
+          <a:fontRef idx="minor">
+            <a:schemeClr val="lt1"/>
+          </a:fontRef>
+        </p:style>
+        <p:txBody>
+          <a:bodyPr rtlCol="0" anchor="ctr"/>
+          <a:lstStyle/>
+          <a:p>
+            <a:pPr algn="ctr"/>
+            <a:endParaRPr lang="en-CN"/>
+          </a:p>
+        </p:txBody>
+      </p:sp>
+      <p:sp>
+        <p:nvSpPr>
+          <p:cNvPr id="32" name="Hexagon 16">
+            <a:extLst>
+              <a:ext uri="{FF2B5EF4-FFF2-40B4-BE49-F238E27FC236}">
+                <a16:creationId xmlns:a16="http://schemas.microsoft.com/office/drawing/2014/main" id="{362AEC7C-B300-0543-A879-47F9B51C78A3}"/>
+              </a:ext>
+            </a:extLst>
+          </p:cNvPr>
+          <p:cNvSpPr/>
+          <p:nvPr/>
+        </p:nvSpPr>
+        <p:spPr>
+          <a:xfrm rot="16200000">
+            <a:off x="7051892" y="3960608"/>
+            <a:ext cx="439838" cy="370389"/>
+          </a:xfrm>
+          <a:prstGeom prst="hexagon">
+            <a:avLst/>
+          </a:prstGeom>
+          <a:solidFill>
+            <a:srgbClr val="FF0000"/>
+          </a:solidFill>
+          <a:ln>
+            <a:solidFill>
+              <a:srgbClr val="FF0000"/>
+            </a:solidFill>
+          </a:ln>
+        </p:spPr>
+        <p:style>
+          <a:lnRef idx="2">
+            <a:schemeClr val="accent2">
+              <a:shade val="50000"/>
+            </a:schemeClr>
+          </a:lnRef>
+          <a:fillRef idx="1">
+            <a:schemeClr val="accent2"/>
+          </a:fillRef>
+          <a:effectRef idx="0">
+            <a:schemeClr val="accent2"/>
+          </a:effectRef>
+          <a:fontRef idx="minor">
+            <a:schemeClr val="lt1"/>
+          </a:fontRef>
+        </p:style>
+        <p:txBody>
+          <a:bodyPr rtlCol="0" anchor="ctr"/>
+          <a:lstStyle/>
+          <a:p>
+            <a:pPr algn="ctr"/>
+            <a:endParaRPr lang="en-CN"/>
+          </a:p>
+        </p:txBody>
+      </p:sp>
       <p:cxnSp>
         <p:nvCxnSpPr>
-          <p:cNvPr id="40" name="Elbow Connector 39">
+          <p:cNvPr id="7" name="直线箭头连接符 6">
             <a:extLst>
               <a:ext uri="{FF2B5EF4-FFF2-40B4-BE49-F238E27FC236}">
-                <a16:creationId xmlns:a16="http://schemas.microsoft.com/office/drawing/2014/main" id="{41541FED-977D-5A4E-98C1-B9CE8C35DD8F}"/>
+                <a16:creationId xmlns:a16="http://schemas.microsoft.com/office/drawing/2014/main" id="{61DE9B2E-F000-EF43-B8F2-51F83AB795B4}"/>
+              </a:ext>
+            </a:extLst>
+          </p:cNvPr>
+          <p:cNvCxnSpPr>
+            <a:stCxn id="24" idx="1"/>
+            <a:endCxn id="32" idx="5"/>
+          </p:cNvCxnSpPr>
+          <p:nvPr/>
+        </p:nvCxnSpPr>
+        <p:spPr>
+          <a:xfrm flipV="1">
+            <a:off x="5644054" y="4018481"/>
+            <a:ext cx="1442563" cy="219920"/>
+          </a:xfrm>
+          <a:prstGeom prst="straightConnector1">
+            <a:avLst/>
+          </a:prstGeom>
+          <a:ln w="38100">
+            <a:prstDash val="dashDot"/>
+            <a:tailEnd type="triangle"/>
+          </a:ln>
+        </p:spPr>
+        <p:style>
+          <a:lnRef idx="1">
+            <a:schemeClr val="dk1"/>
+          </a:lnRef>
+          <a:fillRef idx="0">
+            <a:schemeClr val="dk1"/>
+          </a:fillRef>
+          <a:effectRef idx="0">
+            <a:schemeClr val="dk1"/>
+          </a:effectRef>
+          <a:fontRef idx="minor">
+            <a:schemeClr val="tx1"/>
+          </a:fontRef>
+        </p:style>
+      </p:cxnSp>
+      <p:cxnSp>
+        <p:nvCxnSpPr>
+          <p:cNvPr id="33" name="直线箭头连接符 32">
+            <a:extLst>
+              <a:ext uri="{FF2B5EF4-FFF2-40B4-BE49-F238E27FC236}">
+                <a16:creationId xmlns:a16="http://schemas.microsoft.com/office/drawing/2014/main" id="{4A57CCE5-8245-F745-A883-13E654F7E226}"/>
               </a:ext>
             </a:extLst>
           </p:cNvPr>
           <p:cNvCxnSpPr>
             <a:cxnSpLocks/>
+            <a:stCxn id="25" idx="1"/>
+            <a:endCxn id="32" idx="4"/>
           </p:cNvCxnSpPr>
           <p:nvPr/>
         </p:nvCxnSpPr>
         <p:spPr>
-          <a:xfrm>
-            <a:off x="1146610" y="3795331"/>
-            <a:ext cx="3379091" cy="1489282"/>
+          <a:xfrm flipV="1">
+            <a:off x="5861020" y="4273125"/>
+            <a:ext cx="1225597" cy="341781"/>
           </a:xfrm>
-          <a:prstGeom prst="bentConnector3">
-            <a:avLst>
-              <a:gd name="adj1" fmla="val 51370"/>
-            </a:avLst>
+          <a:prstGeom prst="straightConnector1">
+            <a:avLst/>
           </a:prstGeom>
           <a:ln w="38100">
-            <a:solidFill>
-              <a:schemeClr val="tx1">
-                <a:lumMod val="95000"/>
-                <a:lumOff val="5000"/>
-              </a:schemeClr>
-            </a:solidFill>
+            <a:prstDash val="dashDot"/>
+            <a:tailEnd type="triangle"/>
+          </a:ln>
+        </p:spPr>
+        <p:style>
+          <a:lnRef idx="1">
+            <a:schemeClr val="dk1"/>
+          </a:lnRef>
+          <a:fillRef idx="0">
+            <a:schemeClr val="dk1"/>
+          </a:fillRef>
+          <a:effectRef idx="0">
+            <a:schemeClr val="dk1"/>
+          </a:effectRef>
+          <a:fontRef idx="minor">
+            <a:schemeClr val="tx1"/>
+          </a:fontRef>
+        </p:style>
+      </p:cxnSp>
+      <p:cxnSp>
+        <p:nvCxnSpPr>
+          <p:cNvPr id="35" name="直线箭头连接符 34">
+            <a:extLst>
+              <a:ext uri="{FF2B5EF4-FFF2-40B4-BE49-F238E27FC236}">
+                <a16:creationId xmlns:a16="http://schemas.microsoft.com/office/drawing/2014/main" id="{D9308A31-B0D4-B94C-9DDA-B524EFD75292}"/>
+              </a:ext>
+            </a:extLst>
+          </p:cNvPr>
+          <p:cNvCxnSpPr>
+            <a:cxnSpLocks/>
+            <a:stCxn id="26" idx="2"/>
+            <a:endCxn id="32" idx="3"/>
+          </p:cNvCxnSpPr>
+          <p:nvPr/>
+        </p:nvCxnSpPr>
+        <p:spPr>
+          <a:xfrm flipV="1">
+            <a:off x="5659940" y="4365722"/>
+            <a:ext cx="1611872" cy="880333"/>
+          </a:xfrm>
+          <a:prstGeom prst="straightConnector1">
+            <a:avLst/>
+          </a:prstGeom>
+          <a:ln w="38100">
+            <a:prstDash val="dashDot"/>
+            <a:tailEnd type="triangle"/>
+          </a:ln>
+        </p:spPr>
+        <p:style>
+          <a:lnRef idx="1">
+            <a:schemeClr val="dk1"/>
+          </a:lnRef>
+          <a:fillRef idx="0">
+            <a:schemeClr val="dk1"/>
+          </a:fillRef>
+          <a:effectRef idx="0">
+            <a:schemeClr val="dk1"/>
+          </a:effectRef>
+          <a:fontRef idx="minor">
+            <a:schemeClr val="tx1"/>
+          </a:fontRef>
+        </p:style>
+      </p:cxnSp>
+      <p:cxnSp>
+        <p:nvCxnSpPr>
+          <p:cNvPr id="41" name="直线箭头连接符 40">
+            <a:extLst>
+              <a:ext uri="{FF2B5EF4-FFF2-40B4-BE49-F238E27FC236}">
+                <a16:creationId xmlns:a16="http://schemas.microsoft.com/office/drawing/2014/main" id="{D270BB45-303F-6C4A-AFC9-772B32622AE9}"/>
+              </a:ext>
+            </a:extLst>
+          </p:cNvPr>
+          <p:cNvCxnSpPr>
+            <a:cxnSpLocks/>
+            <a:stCxn id="28" idx="0"/>
+            <a:endCxn id="32" idx="0"/>
+          </p:cNvCxnSpPr>
+          <p:nvPr/>
+        </p:nvCxnSpPr>
+        <p:spPr>
+          <a:xfrm flipV="1">
+            <a:off x="5072584" y="3925884"/>
+            <a:ext cx="2199228" cy="219920"/>
+          </a:xfrm>
+          <a:prstGeom prst="straightConnector1">
+            <a:avLst/>
+          </a:prstGeom>
+          <a:ln w="38100">
+            <a:prstDash val="dashDot"/>
+            <a:tailEnd type="triangle"/>
+          </a:ln>
+        </p:spPr>
+        <p:style>
+          <a:lnRef idx="1">
+            <a:schemeClr val="dk1"/>
+          </a:lnRef>
+          <a:fillRef idx="0">
+            <a:schemeClr val="dk1"/>
+          </a:fillRef>
+          <a:effectRef idx="0">
+            <a:schemeClr val="dk1"/>
+          </a:effectRef>
+          <a:fontRef idx="minor">
+            <a:schemeClr val="tx1"/>
+          </a:fontRef>
+        </p:style>
+      </p:cxnSp>
+      <p:cxnSp>
+        <p:nvCxnSpPr>
+          <p:cNvPr id="42" name="直线箭头连接符 41">
+            <a:extLst>
+              <a:ext uri="{FF2B5EF4-FFF2-40B4-BE49-F238E27FC236}">
+                <a16:creationId xmlns:a16="http://schemas.microsoft.com/office/drawing/2014/main" id="{C54B1CFB-135F-834D-9B12-3CB1B4F3D7D1}"/>
+              </a:ext>
+            </a:extLst>
+          </p:cNvPr>
+          <p:cNvCxnSpPr>
+            <a:cxnSpLocks/>
+            <a:stCxn id="30" idx="3"/>
+            <a:endCxn id="32" idx="4"/>
+          </p:cNvCxnSpPr>
+          <p:nvPr/>
+        </p:nvCxnSpPr>
+        <p:spPr>
+          <a:xfrm flipV="1">
+            <a:off x="5072584" y="4273125"/>
+            <a:ext cx="2014033" cy="1065526"/>
+          </a:xfrm>
+          <a:prstGeom prst="straightConnector1">
+            <a:avLst/>
+          </a:prstGeom>
+          <a:ln w="38100">
+            <a:prstDash val="dashDot"/>
+            <a:tailEnd type="triangle"/>
+          </a:ln>
+        </p:spPr>
+        <p:style>
+          <a:lnRef idx="1">
+            <a:schemeClr val="dk1"/>
+          </a:lnRef>
+          <a:fillRef idx="0">
+            <a:schemeClr val="dk1"/>
+          </a:fillRef>
+          <a:effectRef idx="0">
+            <a:schemeClr val="dk1"/>
+          </a:effectRef>
+          <a:fontRef idx="minor">
+            <a:schemeClr val="tx1"/>
+          </a:fontRef>
+        </p:style>
+      </p:cxnSp>
+      <p:cxnSp>
+        <p:nvCxnSpPr>
+          <p:cNvPr id="44" name="直线箭头连接符 43">
+            <a:extLst>
+              <a:ext uri="{FF2B5EF4-FFF2-40B4-BE49-F238E27FC236}">
+                <a16:creationId xmlns:a16="http://schemas.microsoft.com/office/drawing/2014/main" id="{7B6FBAA7-18D9-4640-AFE4-695216CB27C9}"/>
+              </a:ext>
+            </a:extLst>
+          </p:cNvPr>
+          <p:cNvCxnSpPr>
+            <a:cxnSpLocks/>
+            <a:stCxn id="29" idx="0"/>
+            <a:endCxn id="32" idx="5"/>
+          </p:cNvCxnSpPr>
+          <p:nvPr/>
+        </p:nvCxnSpPr>
+        <p:spPr>
+          <a:xfrm flipV="1">
+            <a:off x="4887390" y="4018481"/>
+            <a:ext cx="2199227" cy="508941"/>
+          </a:xfrm>
+          <a:prstGeom prst="straightConnector1">
+            <a:avLst/>
+          </a:prstGeom>
+          <a:ln w="38100">
+            <a:prstDash val="dashDot"/>
             <a:tailEnd type="triangle"/>
           </a:ln>
         </p:spPr>
@@ -7854,10 +7610,10 @@
         <mc:Choice xmlns:a14="http://schemas.microsoft.com/office/drawing/2010/main" Requires="a14">
           <p:sp>
             <p:nvSpPr>
-              <p:cNvPr id="46" name="TextBox 45">
+              <p:cNvPr id="45" name="文本框 44">
                 <a:extLst>
                   <a:ext uri="{FF2B5EF4-FFF2-40B4-BE49-F238E27FC236}">
-                    <a16:creationId xmlns:a16="http://schemas.microsoft.com/office/drawing/2014/main" id="{A8AC2203-56E1-FE45-B60E-94F2E306DDD6}"/>
+                    <a16:creationId xmlns:a16="http://schemas.microsoft.com/office/drawing/2014/main" id="{DE9A0F06-E384-7843-A4C2-BB980C93BA4F}"/>
                   </a:ext>
                 </a:extLst>
               </p:cNvPr>
@@ -7866,8 +7622,8 @@
             </p:nvSpPr>
             <p:spPr>
               <a:xfrm>
-                <a:off x="2893982" y="5497206"/>
-                <a:ext cx="1510478" cy="276999"/>
+                <a:off x="1404533" y="1621881"/>
+                <a:ext cx="989309" cy="519438"/>
               </a:xfrm>
               <a:prstGeom prst="rect">
                 <a:avLst/>
@@ -7886,78 +7642,66 @@
                       <m:jc m:val="centerGroup"/>
                     </m:oMathParaPr>
                     <m:oMath xmlns:m="http://schemas.openxmlformats.org/officeDocument/2006/math">
-                      <m:sSub>
-                        <m:sSubPr>
+                      <m:r>
+                        <a:rPr kumimoji="1" lang="en-US" altLang="zh-CN" b="0" i="1" smtClean="0">
+                          <a:solidFill>
+                            <a:srgbClr val="00B050"/>
+                          </a:solidFill>
+                          <a:latin typeface="Cambria Math" panose="02040503050406030204" pitchFamily="18" charset="0"/>
+                        </a:rPr>
+                        <m:t>𝑃𝑟𝑜𝑏</m:t>
+                      </m:r>
+                      <m:r>
+                        <a:rPr kumimoji="1" lang="en-US" altLang="zh-CN" b="0" i="1" smtClean="0">
+                          <a:solidFill>
+                            <a:srgbClr val="00B050"/>
+                          </a:solidFill>
+                          <a:latin typeface="Cambria Math" panose="02040503050406030204" pitchFamily="18" charset="0"/>
+                        </a:rPr>
+                        <m:t>=</m:t>
+                      </m:r>
+                      <m:f>
+                        <m:fPr>
                           <m:ctrlPr>
-                            <a:rPr lang="en-US" b="0" i="1" smtClean="0">
+                            <a:rPr kumimoji="1" lang="en-US" altLang="zh-CN" b="0" i="1" smtClean="0">
+                              <a:solidFill>
+                                <a:srgbClr val="00B050"/>
+                              </a:solidFill>
                               <a:latin typeface="Cambria Math" panose="02040503050406030204" pitchFamily="18" charset="0"/>
                             </a:rPr>
                           </m:ctrlPr>
-                        </m:sSubPr>
-                        <m:e>
+                        </m:fPr>
+                        <m:num>
                           <m:r>
-                            <a:rPr lang="en-US" b="0" i="1" smtClean="0">
-                              <a:latin typeface="Cambria Math" panose="02040503050406030204" pitchFamily="18" charset="0"/>
-                            </a:rPr>
-                            <m:t>1−</m:t>
-                          </m:r>
-                          <m:r>
-                            <a:rPr lang="en-US" b="0" i="1" smtClean="0">
-                              <a:latin typeface="Cambria Math" panose="02040503050406030204" pitchFamily="18" charset="0"/>
-                            </a:rPr>
-                            <m:t>𝑃</m:t>
-                          </m:r>
-                        </m:e>
-                        <m:sub>
-                          <m:r>
-                            <a:rPr lang="en-US" b="0" i="1" smtClean="0">
-                              <a:latin typeface="Cambria Math" panose="02040503050406030204" pitchFamily="18" charset="0"/>
-                            </a:rPr>
-                            <m:t>𝑚𝑎𝑡𝑐h</m:t>
-                          </m:r>
-                        </m:sub>
-                      </m:sSub>
-                      <m:r>
-                        <a:rPr lang="en-US" b="0" i="1" smtClean="0">
-                          <a:latin typeface="Cambria Math" panose="02040503050406030204" pitchFamily="18" charset="0"/>
-                        </a:rPr>
-                        <m:t>(</m:t>
-                      </m:r>
-                      <m:sSub>
-                        <m:sSubPr>
-                          <m:ctrlPr>
-                            <a:rPr lang="en-US" b="0" i="1" smtClean="0">
-                              <a:latin typeface="Cambria Math" panose="02040503050406030204" pitchFamily="18" charset="0"/>
-                            </a:rPr>
-                          </m:ctrlPr>
-                        </m:sSubPr>
-                        <m:e>
-                          <m:r>
-                            <a:rPr lang="en-US" b="0" i="1" smtClean="0">
-                              <a:latin typeface="Cambria Math" panose="02040503050406030204" pitchFamily="18" charset="0"/>
-                            </a:rPr>
-                            <m:t>𝑠</m:t>
-                          </m:r>
-                        </m:e>
-                        <m:sub>
-                          <m:r>
-                            <a:rPr lang="en-US" b="0" i="1" smtClean="0">
+                            <a:rPr kumimoji="1" lang="en-US" altLang="zh-CN" b="0" i="1" smtClean="0">
+                              <a:solidFill>
+                                <a:srgbClr val="00B050"/>
+                              </a:solidFill>
                               <a:latin typeface="Cambria Math" panose="02040503050406030204" pitchFamily="18" charset="0"/>
                             </a:rPr>
                             <m:t>1</m:t>
                           </m:r>
-                        </m:sub>
-                      </m:sSub>
-                      <m:r>
-                        <a:rPr lang="en-US" b="0" i="1" smtClean="0">
-                          <a:latin typeface="Cambria Math" panose="02040503050406030204" pitchFamily="18" charset="0"/>
-                        </a:rPr>
-                        <m:t>)</m:t>
-                      </m:r>
+                        </m:num>
+                        <m:den>
+                          <m:r>
+                            <a:rPr kumimoji="1" lang="en-US" altLang="zh-CN" b="0" i="1" smtClean="0">
+                              <a:solidFill>
+                                <a:srgbClr val="00B050"/>
+                              </a:solidFill>
+                              <a:latin typeface="Cambria Math" panose="02040503050406030204" pitchFamily="18" charset="0"/>
+                            </a:rPr>
+                            <m:t>7</m:t>
+                          </m:r>
+                        </m:den>
+                      </m:f>
                     </m:oMath>
                   </m:oMathPara>
                 </a14:m>
-                <a:endParaRPr lang="en-CN" dirty="0"/>
+                <a:endParaRPr kumimoji="1" lang="zh-CN" altLang="en-US" dirty="0">
+                  <a:solidFill>
+                    <a:srgbClr val="00B050"/>
+                  </a:solidFill>
+                </a:endParaRPr>
               </a:p>
             </p:txBody>
           </p:sp>
@@ -7965,10 +7709,10 @@
         <mc:Fallback>
           <p:sp>
             <p:nvSpPr>
-              <p:cNvPr id="46" name="TextBox 45">
+              <p:cNvPr id="45" name="文本框 44">
                 <a:extLst>
                   <a:ext uri="{FF2B5EF4-FFF2-40B4-BE49-F238E27FC236}">
-                    <a16:creationId xmlns:a16="http://schemas.microsoft.com/office/drawing/2014/main" id="{A8AC2203-56E1-FE45-B60E-94F2E306DDD6}"/>
+                    <a16:creationId xmlns:a16="http://schemas.microsoft.com/office/drawing/2014/main" id="{DE9A0F06-E384-7843-A4C2-BB980C93BA4F}"/>
                   </a:ext>
                 </a:extLst>
               </p:cNvPr>
@@ -7979,16 +7723,16 @@
             </p:nvSpPr>
             <p:spPr>
               <a:xfrm>
-                <a:off x="2893982" y="5497206"/>
-                <a:ext cx="1510478" cy="276999"/>
+                <a:off x="1404533" y="1621881"/>
+                <a:ext cx="989309" cy="519438"/>
               </a:xfrm>
               <a:prstGeom prst="rect">
                 <a:avLst/>
               </a:prstGeom>
               <a:blipFill>
-                <a:blip r:embed="rId11"/>
+                <a:blip r:embed="rId8"/>
                 <a:stretch>
-                  <a:fillRect l="-3361" r="-4202" b="-30435"/>
+                  <a:fillRect l="-5128" t="-4762" r="-5128" b="-9524"/>
                 </a:stretch>
               </a:blipFill>
             </p:spPr>
@@ -7997,7 +7741,778 @@
               <a:lstStyle/>
               <a:p>
                 <a:r>
-                  <a:rPr lang="en-CN">
+                  <a:rPr lang="zh-CN" altLang="en-US">
+                    <a:noFill/>
+                  </a:rPr>
+                  <a:t> </a:t>
+                </a:r>
+              </a:p>
+            </p:txBody>
+          </p:sp>
+        </mc:Fallback>
+      </mc:AlternateContent>
+      <p:pic>
+        <p:nvPicPr>
+          <p:cNvPr id="48" name="Picture 14">
+            <a:extLst>
+              <a:ext uri="{FF2B5EF4-FFF2-40B4-BE49-F238E27FC236}">
+                <a16:creationId xmlns:a16="http://schemas.microsoft.com/office/drawing/2014/main" id="{C44F2B42-8CC3-D94D-BCA9-8A583DC4CF8F}"/>
+              </a:ext>
+            </a:extLst>
+          </p:cNvPr>
+          <p:cNvPicPr>
+            <a:picLocks noChangeAspect="1"/>
+          </p:cNvPicPr>
+          <p:nvPr/>
+        </p:nvPicPr>
+        <p:blipFill>
+          <a:blip r:embed="rId3"/>
+          <a:stretch>
+            <a:fillRect/>
+          </a:stretch>
+        </p:blipFill>
+        <p:spPr>
+          <a:xfrm>
+            <a:off x="4581646" y="637657"/>
+            <a:ext cx="707904" cy="620410"/>
+          </a:xfrm>
+          <a:prstGeom prst="rect">
+            <a:avLst/>
+          </a:prstGeom>
+        </p:spPr>
+      </p:pic>
+      <p:pic>
+        <p:nvPicPr>
+          <p:cNvPr id="49" name="Picture 14">
+            <a:extLst>
+              <a:ext uri="{FF2B5EF4-FFF2-40B4-BE49-F238E27FC236}">
+                <a16:creationId xmlns:a16="http://schemas.microsoft.com/office/drawing/2014/main" id="{77B2AB6E-3959-6449-8DDE-46AE22774F8C}"/>
+              </a:ext>
+            </a:extLst>
+          </p:cNvPr>
+          <p:cNvPicPr>
+            <a:picLocks noChangeAspect="1"/>
+          </p:cNvPicPr>
+          <p:nvPr/>
+        </p:nvPicPr>
+        <p:blipFill>
+          <a:blip r:embed="rId3"/>
+          <a:stretch>
+            <a:fillRect/>
+          </a:stretch>
+        </p:blipFill>
+        <p:spPr>
+          <a:xfrm>
+            <a:off x="6898713" y="3404406"/>
+            <a:ext cx="707904" cy="620410"/>
+          </a:xfrm>
+          <a:prstGeom prst="rect">
+            <a:avLst/>
+          </a:prstGeom>
+        </p:spPr>
+      </p:pic>
+      <mc:AlternateContent xmlns:mc="http://schemas.openxmlformats.org/markup-compatibility/2006">
+        <mc:Choice xmlns:a14="http://schemas.microsoft.com/office/drawing/2010/main" Requires="a14">
+          <p:sp>
+            <p:nvSpPr>
+              <p:cNvPr id="50" name="矩形 49">
+                <a:extLst>
+                  <a:ext uri="{FF2B5EF4-FFF2-40B4-BE49-F238E27FC236}">
+                    <a16:creationId xmlns:a16="http://schemas.microsoft.com/office/drawing/2014/main" id="{A598E740-DEE6-4343-B9C1-DA679BE73C9C}"/>
+                  </a:ext>
+                </a:extLst>
+              </p:cNvPr>
+              <p:cNvSpPr/>
+              <p:nvPr/>
+            </p:nvSpPr>
+            <p:spPr>
+              <a:xfrm>
+                <a:off x="4669901" y="5420885"/>
+                <a:ext cx="7181005" cy="798617"/>
+              </a:xfrm>
+              <a:prstGeom prst="rect">
+                <a:avLst/>
+              </a:prstGeom>
+            </p:spPr>
+            <p:txBody>
+              <a:bodyPr wrap="none">
+                <a:spAutoFit/>
+              </a:bodyPr>
+              <a:lstStyle/>
+              <a:p>
+                <a14:m>
+                  <m:oMathPara xmlns:m="http://schemas.openxmlformats.org/officeDocument/2006/math">
+                    <m:oMathParaPr>
+                      <m:jc m:val="centerGroup"/>
+                    </m:oMathParaPr>
+                    <m:oMath xmlns:m="http://schemas.openxmlformats.org/officeDocument/2006/math">
+                      <m:sSub>
+                        <m:sSubPr>
+                          <m:ctrlPr>
+                            <a:rPr lang="en-US" altLang="zh-CN" i="1" smtClean="0">
+                              <a:solidFill>
+                                <a:srgbClr val="00B050"/>
+                              </a:solidFill>
+                              <a:latin typeface="Cambria Math" panose="02040503050406030204" pitchFamily="18" charset="0"/>
+                            </a:rPr>
+                          </m:ctrlPr>
+                        </m:sSubPr>
+                        <m:e>
+                          <m:r>
+                            <a:rPr lang="en-US" altLang="zh-CN" i="1">
+                              <a:solidFill>
+                                <a:srgbClr val="00B050"/>
+                              </a:solidFill>
+                              <a:latin typeface="Cambria Math" panose="02040503050406030204" pitchFamily="18" charset="0"/>
+                            </a:rPr>
+                            <m:t>𝑃</m:t>
+                          </m:r>
+                        </m:e>
+                        <m:sub>
+                          <m:r>
+                            <a:rPr lang="en-US" altLang="zh-CN" i="1">
+                              <a:solidFill>
+                                <a:srgbClr val="00B050"/>
+                              </a:solidFill>
+                              <a:latin typeface="Cambria Math" panose="02040503050406030204" pitchFamily="18" charset="0"/>
+                            </a:rPr>
+                            <m:t>𝑚𝑎𝑡𝑐h</m:t>
+                          </m:r>
+                        </m:sub>
+                      </m:sSub>
+                      <m:r>
+                        <a:rPr lang="en-US" altLang="zh-CN" i="1">
+                          <a:solidFill>
+                            <a:srgbClr val="00B050"/>
+                          </a:solidFill>
+                          <a:latin typeface="Cambria Math" panose="02040503050406030204" pitchFamily="18" charset="0"/>
+                        </a:rPr>
+                        <m:t>(</m:t>
+                      </m:r>
+                      <m:sSub>
+                        <m:sSubPr>
+                          <m:ctrlPr>
+                            <a:rPr lang="en-US" altLang="zh-CN" i="1">
+                              <a:solidFill>
+                                <a:srgbClr val="00B050"/>
+                              </a:solidFill>
+                              <a:latin typeface="Cambria Math" panose="02040503050406030204" pitchFamily="18" charset="0"/>
+                            </a:rPr>
+                          </m:ctrlPr>
+                        </m:sSubPr>
+                        <m:e>
+                          <m:r>
+                            <a:rPr lang="en-US" altLang="zh-CN" i="1">
+                              <a:solidFill>
+                                <a:srgbClr val="00B050"/>
+                              </a:solidFill>
+                              <a:latin typeface="Cambria Math" panose="02040503050406030204" pitchFamily="18" charset="0"/>
+                            </a:rPr>
+                            <m:t>𝑠</m:t>
+                          </m:r>
+                        </m:e>
+                        <m:sub>
+                          <m:r>
+                            <a:rPr lang="en-US" altLang="zh-CN" i="1">
+                              <a:solidFill>
+                                <a:srgbClr val="00B050"/>
+                              </a:solidFill>
+                              <a:latin typeface="Cambria Math" panose="02040503050406030204" pitchFamily="18" charset="0"/>
+                            </a:rPr>
+                            <m:t>1</m:t>
+                          </m:r>
+                        </m:sub>
+                      </m:sSub>
+                      <m:r>
+                        <a:rPr lang="en-US" altLang="zh-CN" i="1">
+                          <a:solidFill>
+                            <a:srgbClr val="00B050"/>
+                          </a:solidFill>
+                          <a:latin typeface="Cambria Math" panose="02040503050406030204" pitchFamily="18" charset="0"/>
+                        </a:rPr>
+                        <m:t>)</m:t>
+                      </m:r>
+                      <m:r>
+                        <a:rPr lang="en-US" altLang="zh-CN" i="1" smtClean="0">
+                          <a:solidFill>
+                            <a:srgbClr val="00B050"/>
+                          </a:solidFill>
+                          <a:latin typeface="Cambria Math" panose="02040503050406030204" pitchFamily="18" charset="0"/>
+                          <a:ea typeface="Cambria Math" panose="02040503050406030204" pitchFamily="18" charset="0"/>
+                        </a:rPr>
+                        <m:t>×</m:t>
+                      </m:r>
+                      <m:nary>
+                        <m:naryPr>
+                          <m:chr m:val="∑"/>
+                          <m:supHide m:val="on"/>
+                          <m:ctrlPr>
+                            <a:rPr lang="en-US" altLang="zh-CN" b="1" i="1" smtClean="0">
+                              <a:solidFill>
+                                <a:srgbClr val="00B050"/>
+                              </a:solidFill>
+                              <a:latin typeface="Cambria Math" panose="02040503050406030204" pitchFamily="18" charset="0"/>
+                            </a:rPr>
+                          </m:ctrlPr>
+                        </m:naryPr>
+                        <m:sub>
+                          <m:sSub>
+                            <m:sSubPr>
+                              <m:ctrlPr>
+                                <a:rPr lang="en-US" altLang="zh-CN" i="1">
+                                  <a:solidFill>
+                                    <a:srgbClr val="00B050"/>
+                                  </a:solidFill>
+                                  <a:latin typeface="Cambria Math" panose="02040503050406030204" pitchFamily="18" charset="0"/>
+                                </a:rPr>
+                              </m:ctrlPr>
+                            </m:sSubPr>
+                            <m:e>
+                              <m:r>
+                                <a:rPr lang="en-US" altLang="zh-CN" i="1">
+                                  <a:solidFill>
+                                    <a:srgbClr val="00B050"/>
+                                  </a:solidFill>
+                                  <a:latin typeface="Cambria Math" panose="02040503050406030204" pitchFamily="18" charset="0"/>
+                                </a:rPr>
+                                <m:t>𝑠</m:t>
+                              </m:r>
+                            </m:e>
+                            <m:sub>
+                              <m:r>
+                                <a:rPr lang="en-US" altLang="zh-CN" i="1">
+                                  <a:solidFill>
+                                    <a:srgbClr val="00B050"/>
+                                  </a:solidFill>
+                                  <a:latin typeface="Cambria Math" panose="02040503050406030204" pitchFamily="18" charset="0"/>
+                                </a:rPr>
+                                <m:t>2</m:t>
+                              </m:r>
+                            </m:sub>
+                          </m:sSub>
+                        </m:sub>
+                        <m:sup/>
+                        <m:e>
+                          <m:nary>
+                            <m:naryPr>
+                              <m:chr m:val="∑"/>
+                              <m:supHide m:val="on"/>
+                              <m:ctrlPr>
+                                <a:rPr lang="en-US" altLang="zh-CN" b="1" i="1">
+                                  <a:solidFill>
+                                    <a:srgbClr val="00B050"/>
+                                  </a:solidFill>
+                                  <a:latin typeface="Cambria Math" panose="02040503050406030204" pitchFamily="18" charset="0"/>
+                                </a:rPr>
+                              </m:ctrlPr>
+                            </m:naryPr>
+                            <m:sub>
+                              <m:sSub>
+                                <m:sSubPr>
+                                  <m:ctrlPr>
+                                    <a:rPr lang="en-US" altLang="zh-CN" i="1">
+                                      <a:solidFill>
+                                        <a:srgbClr val="00B050"/>
+                                      </a:solidFill>
+                                      <a:latin typeface="Cambria Math" panose="02040503050406030204" pitchFamily="18" charset="0"/>
+                                    </a:rPr>
+                                  </m:ctrlPr>
+                                </m:sSubPr>
+                                <m:e>
+                                  <m:r>
+                                    <a:rPr lang="en-US" altLang="zh-CN" i="1">
+                                      <a:solidFill>
+                                        <a:srgbClr val="00B050"/>
+                                      </a:solidFill>
+                                      <a:latin typeface="Cambria Math" panose="02040503050406030204" pitchFamily="18" charset="0"/>
+                                    </a:rPr>
+                                    <m:t>𝑠</m:t>
+                                  </m:r>
+                                </m:e>
+                                <m:sub>
+                                  <m:r>
+                                    <a:rPr lang="en-US" altLang="zh-CN" b="0" i="1" smtClean="0">
+                                      <a:solidFill>
+                                        <a:srgbClr val="00B050"/>
+                                      </a:solidFill>
+                                      <a:latin typeface="Cambria Math" panose="02040503050406030204" pitchFamily="18" charset="0"/>
+                                    </a:rPr>
+                                    <m:t>3</m:t>
+                                  </m:r>
+                                </m:sub>
+                              </m:sSub>
+                            </m:sub>
+                            <m:sup/>
+                            <m:e>
+                              <m:sSub>
+                                <m:sSubPr>
+                                  <m:ctrlPr>
+                                    <a:rPr lang="en-US" altLang="zh-CN" i="1">
+                                      <a:solidFill>
+                                        <a:srgbClr val="00B050"/>
+                                      </a:solidFill>
+                                      <a:latin typeface="Cambria Math" panose="02040503050406030204" pitchFamily="18" charset="0"/>
+                                    </a:rPr>
+                                  </m:ctrlPr>
+                                </m:sSubPr>
+                                <m:e>
+                                  <m:r>
+                                    <a:rPr lang="en-US" altLang="zh-CN" i="1">
+                                      <a:solidFill>
+                                        <a:srgbClr val="00B050"/>
+                                      </a:solidFill>
+                                      <a:latin typeface="Cambria Math" panose="02040503050406030204" pitchFamily="18" charset="0"/>
+                                    </a:rPr>
+                                    <m:t>𝑃</m:t>
+                                  </m:r>
+                                </m:e>
+                                <m:sub>
+                                  <m:r>
+                                    <a:rPr lang="en-US" altLang="zh-CN" i="1">
+                                      <a:solidFill>
+                                        <a:srgbClr val="00B050"/>
+                                      </a:solidFill>
+                                      <a:latin typeface="Cambria Math" panose="02040503050406030204" pitchFamily="18" charset="0"/>
+                                    </a:rPr>
+                                    <m:t>𝑝𝑖𝑐𝑘𝑢𝑝</m:t>
+                                  </m:r>
+                                </m:sub>
+                              </m:sSub>
+                              <m:d>
+                                <m:dPr>
+                                  <m:ctrlPr>
+                                    <a:rPr lang="en-US" altLang="zh-CN" i="1">
+                                      <a:solidFill>
+                                        <a:srgbClr val="00B050"/>
+                                      </a:solidFill>
+                                      <a:latin typeface="Cambria Math" panose="02040503050406030204" pitchFamily="18" charset="0"/>
+                                    </a:rPr>
+                                  </m:ctrlPr>
+                                </m:dPr>
+                                <m:e>
+                                  <m:sSub>
+                                    <m:sSubPr>
+                                      <m:ctrlPr>
+                                        <a:rPr lang="en-US" altLang="zh-CN" i="1">
+                                          <a:solidFill>
+                                            <a:srgbClr val="00B050"/>
+                                          </a:solidFill>
+                                          <a:latin typeface="Cambria Math" panose="02040503050406030204" pitchFamily="18" charset="0"/>
+                                        </a:rPr>
+                                      </m:ctrlPr>
+                                    </m:sSubPr>
+                                    <m:e>
+                                      <m:r>
+                                        <a:rPr lang="en-US" altLang="zh-CN" i="1">
+                                          <a:solidFill>
+                                            <a:srgbClr val="00B050"/>
+                                          </a:solidFill>
+                                          <a:latin typeface="Cambria Math" panose="02040503050406030204" pitchFamily="18" charset="0"/>
+                                        </a:rPr>
+                                        <m:t>𝑠</m:t>
+                                      </m:r>
+                                    </m:e>
+                                    <m:sub>
+                                      <m:r>
+                                        <a:rPr lang="en-US" altLang="zh-CN" i="1">
+                                          <a:solidFill>
+                                            <a:srgbClr val="00B050"/>
+                                          </a:solidFill>
+                                          <a:latin typeface="Cambria Math" panose="02040503050406030204" pitchFamily="18" charset="0"/>
+                                        </a:rPr>
+                                        <m:t>1</m:t>
+                                      </m:r>
+                                    </m:sub>
+                                  </m:sSub>
+                                  <m:r>
+                                    <a:rPr lang="en-US" altLang="zh-CN" i="1">
+                                      <a:solidFill>
+                                        <a:srgbClr val="00B050"/>
+                                      </a:solidFill>
+                                      <a:latin typeface="Cambria Math" panose="02040503050406030204" pitchFamily="18" charset="0"/>
+                                    </a:rPr>
+                                    <m:t>,</m:t>
+                                  </m:r>
+                                  <m:sSub>
+                                    <m:sSubPr>
+                                      <m:ctrlPr>
+                                        <a:rPr lang="en-US" altLang="zh-CN" i="1">
+                                          <a:solidFill>
+                                            <a:srgbClr val="00B050"/>
+                                          </a:solidFill>
+                                          <a:latin typeface="Cambria Math" panose="02040503050406030204" pitchFamily="18" charset="0"/>
+                                        </a:rPr>
+                                      </m:ctrlPr>
+                                    </m:sSubPr>
+                                    <m:e>
+                                      <m:r>
+                                        <a:rPr lang="en-US" altLang="zh-CN" i="1">
+                                          <a:solidFill>
+                                            <a:srgbClr val="00B050"/>
+                                          </a:solidFill>
+                                          <a:latin typeface="Cambria Math" panose="02040503050406030204" pitchFamily="18" charset="0"/>
+                                        </a:rPr>
+                                        <m:t>𝑠</m:t>
+                                      </m:r>
+                                    </m:e>
+                                    <m:sub>
+                                      <m:r>
+                                        <a:rPr lang="en-US" altLang="zh-CN" i="1">
+                                          <a:solidFill>
+                                            <a:srgbClr val="00B050"/>
+                                          </a:solidFill>
+                                          <a:latin typeface="Cambria Math" panose="02040503050406030204" pitchFamily="18" charset="0"/>
+                                        </a:rPr>
+                                        <m:t>2</m:t>
+                                      </m:r>
+                                    </m:sub>
+                                  </m:sSub>
+                                </m:e>
+                              </m:d>
+                              <m:r>
+                                <a:rPr lang="en-US" altLang="zh-CN">
+                                  <a:solidFill>
+                                    <a:srgbClr val="00B050"/>
+                                  </a:solidFill>
+                                  <a:latin typeface="Cambria Math" panose="02040503050406030204" pitchFamily="18" charset="0"/>
+                                  <a:ea typeface="Cambria Math" panose="02040503050406030204" pitchFamily="18" charset="0"/>
+                                </a:rPr>
+                                <m:t>×</m:t>
+                              </m:r>
+                              <m:d>
+                                <m:dPr>
+                                  <m:begChr m:val="["/>
+                                  <m:endChr m:val="]"/>
+                                  <m:ctrlPr>
+                                    <a:rPr lang="en-US" altLang="zh-CN" i="1">
+                                      <a:solidFill>
+                                        <a:srgbClr val="00B050"/>
+                                      </a:solidFill>
+                                      <a:latin typeface="Cambria Math" panose="02040503050406030204" pitchFamily="18" charset="0"/>
+                                    </a:rPr>
+                                  </m:ctrlPr>
+                                </m:dPr>
+                                <m:e>
+                                  <m:r>
+                                    <a:rPr lang="en-US" altLang="zh-CN" i="1">
+                                      <a:solidFill>
+                                        <a:srgbClr val="00B050"/>
+                                      </a:solidFill>
+                                      <a:latin typeface="Cambria Math" panose="02040503050406030204" pitchFamily="18" charset="0"/>
+                                    </a:rPr>
+                                    <m:t>1−</m:t>
+                                  </m:r>
+                                  <m:sSub>
+                                    <m:sSubPr>
+                                      <m:ctrlPr>
+                                        <a:rPr lang="en-US" altLang="zh-CN" i="1">
+                                          <a:solidFill>
+                                            <a:srgbClr val="00B050"/>
+                                          </a:solidFill>
+                                          <a:latin typeface="Cambria Math" panose="02040503050406030204" pitchFamily="18" charset="0"/>
+                                        </a:rPr>
+                                      </m:ctrlPr>
+                                    </m:sSubPr>
+                                    <m:e>
+                                      <m:r>
+                                        <a:rPr lang="en-US" altLang="zh-CN" i="1">
+                                          <a:solidFill>
+                                            <a:srgbClr val="00B050"/>
+                                          </a:solidFill>
+                                          <a:latin typeface="Cambria Math" panose="02040503050406030204" pitchFamily="18" charset="0"/>
+                                        </a:rPr>
+                                        <m:t>𝑃</m:t>
+                                      </m:r>
+                                    </m:e>
+                                    <m:sub>
+                                      <m:r>
+                                        <a:rPr lang="en-US" altLang="zh-CN" i="1">
+                                          <a:solidFill>
+                                            <a:srgbClr val="00B050"/>
+                                          </a:solidFill>
+                                          <a:latin typeface="Cambria Math" panose="02040503050406030204" pitchFamily="18" charset="0"/>
+                                        </a:rPr>
+                                        <m:t>𝑐𝑎𝑛𝑐𝑒𝑙</m:t>
+                                      </m:r>
+                                    </m:sub>
+                                  </m:sSub>
+                                  <m:d>
+                                    <m:dPr>
+                                      <m:ctrlPr>
+                                        <a:rPr lang="en-US" altLang="zh-CN" i="1">
+                                          <a:solidFill>
+                                            <a:srgbClr val="00B050"/>
+                                          </a:solidFill>
+                                          <a:latin typeface="Cambria Math" panose="02040503050406030204" pitchFamily="18" charset="0"/>
+                                        </a:rPr>
+                                      </m:ctrlPr>
+                                    </m:dPr>
+                                    <m:e>
+                                      <m:sSub>
+                                        <m:sSubPr>
+                                          <m:ctrlPr>
+                                            <a:rPr lang="en-US" altLang="zh-CN" i="1">
+                                              <a:solidFill>
+                                                <a:srgbClr val="00B050"/>
+                                              </a:solidFill>
+                                              <a:latin typeface="Cambria Math" panose="02040503050406030204" pitchFamily="18" charset="0"/>
+                                            </a:rPr>
+                                          </m:ctrlPr>
+                                        </m:sSubPr>
+                                        <m:e>
+                                          <m:r>
+                                            <a:rPr lang="en-US" altLang="zh-CN" i="1">
+                                              <a:solidFill>
+                                                <a:srgbClr val="00B050"/>
+                                              </a:solidFill>
+                                              <a:latin typeface="Cambria Math" panose="02040503050406030204" pitchFamily="18" charset="0"/>
+                                            </a:rPr>
+                                            <m:t>𝑠</m:t>
+                                          </m:r>
+                                        </m:e>
+                                        <m:sub>
+                                          <m:r>
+                                            <a:rPr lang="en-US" altLang="zh-CN" i="1">
+                                              <a:solidFill>
+                                                <a:srgbClr val="00B050"/>
+                                              </a:solidFill>
+                                              <a:latin typeface="Cambria Math" panose="02040503050406030204" pitchFamily="18" charset="0"/>
+                                            </a:rPr>
+                                            <m:t>1</m:t>
+                                          </m:r>
+                                        </m:sub>
+                                      </m:sSub>
+                                      <m:r>
+                                        <a:rPr lang="en-US" altLang="zh-CN" i="1">
+                                          <a:solidFill>
+                                            <a:srgbClr val="00B050"/>
+                                          </a:solidFill>
+                                          <a:latin typeface="Cambria Math" panose="02040503050406030204" pitchFamily="18" charset="0"/>
+                                        </a:rPr>
+                                        <m:t>,</m:t>
+                                      </m:r>
+                                      <m:sSub>
+                                        <m:sSubPr>
+                                          <m:ctrlPr>
+                                            <a:rPr lang="en-US" altLang="zh-CN" i="1">
+                                              <a:solidFill>
+                                                <a:srgbClr val="00B050"/>
+                                              </a:solidFill>
+                                              <a:latin typeface="Cambria Math" panose="02040503050406030204" pitchFamily="18" charset="0"/>
+                                            </a:rPr>
+                                          </m:ctrlPr>
+                                        </m:sSubPr>
+                                        <m:e>
+                                          <m:r>
+                                            <a:rPr lang="en-US" altLang="zh-CN" i="1">
+                                              <a:solidFill>
+                                                <a:srgbClr val="00B050"/>
+                                              </a:solidFill>
+                                              <a:latin typeface="Cambria Math" panose="02040503050406030204" pitchFamily="18" charset="0"/>
+                                            </a:rPr>
+                                            <m:t>𝑠</m:t>
+                                          </m:r>
+                                        </m:e>
+                                        <m:sub>
+                                          <m:r>
+                                            <a:rPr lang="en-US" altLang="zh-CN" i="1">
+                                              <a:solidFill>
+                                                <a:srgbClr val="00B050"/>
+                                              </a:solidFill>
+                                              <a:latin typeface="Cambria Math" panose="02040503050406030204" pitchFamily="18" charset="0"/>
+                                            </a:rPr>
+                                            <m:t>2</m:t>
+                                          </m:r>
+                                        </m:sub>
+                                      </m:sSub>
+                                    </m:e>
+                                  </m:d>
+                                </m:e>
+                              </m:d>
+                              <m:r>
+                                <m:rPr>
+                                  <m:nor/>
+                                </m:rPr>
+                                <a:rPr lang="en-US" altLang="zh-CN" dirty="0">
+                                  <a:solidFill>
+                                    <a:srgbClr val="00B050"/>
+                                  </a:solidFill>
+                                </a:rPr>
+                                <m:t> </m:t>
+                              </m:r>
+                              <m:sSub>
+                                <m:sSubPr>
+                                  <m:ctrlPr>
+                                    <a:rPr lang="en-US" altLang="zh-CN" i="1">
+                                      <a:solidFill>
+                                        <a:srgbClr val="00B050"/>
+                                      </a:solidFill>
+                                      <a:latin typeface="Cambria Math" panose="02040503050406030204" pitchFamily="18" charset="0"/>
+                                    </a:rPr>
+                                  </m:ctrlPr>
+                                </m:sSubPr>
+                                <m:e>
+                                  <m:r>
+                                    <a:rPr lang="en-US" altLang="zh-CN" i="1">
+                                      <a:solidFill>
+                                        <a:srgbClr val="00B050"/>
+                                      </a:solidFill>
+                                      <a:latin typeface="Cambria Math" panose="02040503050406030204" pitchFamily="18" charset="0"/>
+                                    </a:rPr>
+                                    <m:t>𝑃</m:t>
+                                  </m:r>
+                                </m:e>
+                                <m:sub>
+                                  <m:r>
+                                    <a:rPr lang="en-US" altLang="zh-CN" i="1">
+                                      <a:solidFill>
+                                        <a:srgbClr val="00B050"/>
+                                      </a:solidFill>
+                                      <a:latin typeface="Cambria Math" panose="02040503050406030204" pitchFamily="18" charset="0"/>
+                                    </a:rPr>
+                                    <m:t>𝑟𝑒𝑞𝑢𝑒𝑠𝑡</m:t>
+                                  </m:r>
+                                </m:sub>
+                              </m:sSub>
+                              <m:d>
+                                <m:dPr>
+                                  <m:ctrlPr>
+                                    <a:rPr lang="en-US" altLang="zh-CN" i="1">
+                                      <a:solidFill>
+                                        <a:srgbClr val="00B050"/>
+                                      </a:solidFill>
+                                      <a:latin typeface="Cambria Math" panose="02040503050406030204" pitchFamily="18" charset="0"/>
+                                    </a:rPr>
+                                  </m:ctrlPr>
+                                </m:dPr>
+                                <m:e>
+                                  <m:sSub>
+                                    <m:sSubPr>
+                                      <m:ctrlPr>
+                                        <a:rPr lang="en-US" altLang="zh-CN" i="1">
+                                          <a:solidFill>
+                                            <a:srgbClr val="00B050"/>
+                                          </a:solidFill>
+                                          <a:latin typeface="Cambria Math" panose="02040503050406030204" pitchFamily="18" charset="0"/>
+                                        </a:rPr>
+                                      </m:ctrlPr>
+                                    </m:sSubPr>
+                                    <m:e>
+                                      <m:r>
+                                        <a:rPr lang="en-US" altLang="zh-CN" i="1">
+                                          <a:solidFill>
+                                            <a:srgbClr val="00B050"/>
+                                          </a:solidFill>
+                                          <a:latin typeface="Cambria Math" panose="02040503050406030204" pitchFamily="18" charset="0"/>
+                                        </a:rPr>
+                                        <m:t>𝑠</m:t>
+                                      </m:r>
+                                    </m:e>
+                                    <m:sub>
+                                      <m:r>
+                                        <a:rPr lang="en-US" altLang="zh-CN" i="1">
+                                          <a:solidFill>
+                                            <a:srgbClr val="00B050"/>
+                                          </a:solidFill>
+                                          <a:latin typeface="Cambria Math" panose="02040503050406030204" pitchFamily="18" charset="0"/>
+                                        </a:rPr>
+                                        <m:t>2</m:t>
+                                      </m:r>
+                                    </m:sub>
+                                  </m:sSub>
+                                  <m:r>
+                                    <a:rPr lang="en-US" altLang="zh-CN" i="1">
+                                      <a:solidFill>
+                                        <a:srgbClr val="00B050"/>
+                                      </a:solidFill>
+                                      <a:latin typeface="Cambria Math" panose="02040503050406030204" pitchFamily="18" charset="0"/>
+                                    </a:rPr>
+                                    <m:t>,</m:t>
+                                  </m:r>
+                                  <m:sSub>
+                                    <m:sSubPr>
+                                      <m:ctrlPr>
+                                        <a:rPr lang="en-US" altLang="zh-CN" i="1">
+                                          <a:solidFill>
+                                            <a:srgbClr val="00B050"/>
+                                          </a:solidFill>
+                                          <a:latin typeface="Cambria Math" panose="02040503050406030204" pitchFamily="18" charset="0"/>
+                                        </a:rPr>
+                                      </m:ctrlPr>
+                                    </m:sSubPr>
+                                    <m:e>
+                                      <m:r>
+                                        <a:rPr lang="en-US" altLang="zh-CN" i="1">
+                                          <a:solidFill>
+                                            <a:srgbClr val="00B050"/>
+                                          </a:solidFill>
+                                          <a:latin typeface="Cambria Math" panose="02040503050406030204" pitchFamily="18" charset="0"/>
+                                        </a:rPr>
+                                        <m:t>𝑠</m:t>
+                                      </m:r>
+                                    </m:e>
+                                    <m:sub>
+                                      <m:r>
+                                        <a:rPr lang="en-US" altLang="zh-CN" i="1">
+                                          <a:solidFill>
+                                            <a:srgbClr val="00B050"/>
+                                          </a:solidFill>
+                                          <a:latin typeface="Cambria Math" panose="02040503050406030204" pitchFamily="18" charset="0"/>
+                                        </a:rPr>
+                                        <m:t>3</m:t>
+                                      </m:r>
+                                    </m:sub>
+                                  </m:sSub>
+                                </m:e>
+                              </m:d>
+                            </m:e>
+                          </m:nary>
+                        </m:e>
+                      </m:nary>
+                    </m:oMath>
+                  </m:oMathPara>
+                </a14:m>
+                <a:endParaRPr lang="zh-CN" altLang="en-US" dirty="0"/>
+              </a:p>
+            </p:txBody>
+          </p:sp>
+        </mc:Choice>
+        <mc:Fallback>
+          <p:sp>
+            <p:nvSpPr>
+              <p:cNvPr id="50" name="矩形 49">
+                <a:extLst>
+                  <a:ext uri="{FF2B5EF4-FFF2-40B4-BE49-F238E27FC236}">
+                    <a16:creationId xmlns:a16="http://schemas.microsoft.com/office/drawing/2014/main" id="{A598E740-DEE6-4343-B9C1-DA679BE73C9C}"/>
+                  </a:ext>
+                </a:extLst>
+              </p:cNvPr>
+              <p:cNvSpPr>
+                <a:spLocks noRot="1" noChangeAspect="1" noMove="1" noResize="1" noEditPoints="1" noAdjustHandles="1" noChangeArrowheads="1" noChangeShapeType="1" noTextEdit="1"/>
+              </p:cNvSpPr>
+              <p:nvPr/>
+            </p:nvSpPr>
+            <p:spPr>
+              <a:xfrm>
+                <a:off x="4669901" y="5420885"/>
+                <a:ext cx="7181005" cy="798617"/>
+              </a:xfrm>
+              <a:prstGeom prst="rect">
+                <a:avLst/>
+              </a:prstGeom>
+              <a:blipFill>
+                <a:blip r:embed="rId9"/>
+                <a:stretch>
+                  <a:fillRect t="-115625" b="-156250"/>
+                </a:stretch>
+              </a:blipFill>
+            </p:spPr>
+            <p:txBody>
+              <a:bodyPr/>
+              <a:lstStyle/>
+              <a:p>
+                <a:r>
+                  <a:rPr lang="zh-CN" altLang="en-US">
                     <a:noFill/>
                   </a:rPr>
                   <a:t> </a:t>
@@ -8011,10 +8526,10 @@
         <mc:Choice xmlns:a14="http://schemas.microsoft.com/office/drawing/2010/main" Requires="a14">
           <p:sp>
             <p:nvSpPr>
-              <p:cNvPr id="47" name="TextBox 46">
+              <p:cNvPr id="51" name="文本框 50">
                 <a:extLst>
                   <a:ext uri="{FF2B5EF4-FFF2-40B4-BE49-F238E27FC236}">
-                    <a16:creationId xmlns:a16="http://schemas.microsoft.com/office/drawing/2014/main" id="{2FC7A908-29F4-F34F-B7E6-1A8277AE43F9}"/>
+                    <a16:creationId xmlns:a16="http://schemas.microsoft.com/office/drawing/2014/main" id="{53DF782B-F27B-EA48-A662-871AC76380F5}"/>
                   </a:ext>
                 </a:extLst>
               </p:cNvPr>
@@ -8023,8 +8538,8 @@
             </p:nvSpPr>
             <p:spPr>
               <a:xfrm>
-                <a:off x="4644192" y="5146113"/>
-                <a:ext cx="2459006" cy="276999"/>
+                <a:off x="6210423" y="2161705"/>
+                <a:ext cx="3052118" cy="276999"/>
               </a:xfrm>
               <a:prstGeom prst="rect">
                 <a:avLst/>
@@ -8043,189 +8558,82 @@
                       <m:jc m:val="centerGroup"/>
                     </m:oMathParaPr>
                     <m:oMath xmlns:m="http://schemas.openxmlformats.org/officeDocument/2006/math">
-                      <m:sSub>
-                        <m:sSubPr>
-                          <m:ctrlPr>
-                            <a:rPr lang="en-US" b="0" i="1" smtClean="0">
-                              <a:latin typeface="Cambria Math" panose="02040503050406030204" pitchFamily="18" charset="0"/>
-                            </a:rPr>
-                          </m:ctrlPr>
-                        </m:sSubPr>
-                        <m:e>
-                          <m:r>
-                            <a:rPr lang="en-US" b="0" i="1" smtClean="0">
-                              <a:latin typeface="Cambria Math" panose="02040503050406030204" pitchFamily="18" charset="0"/>
-                            </a:rPr>
-                            <m:t>𝑠</m:t>
-                          </m:r>
-                        </m:e>
-                        <m:sub>
-                          <m:r>
-                            <a:rPr lang="en-US" b="0" i="1" smtClean="0">
-                              <a:latin typeface="Cambria Math" panose="02040503050406030204" pitchFamily="18" charset="0"/>
-                            </a:rPr>
-                            <m:t>1</m:t>
-                          </m:r>
-                        </m:sub>
-                      </m:sSub>
                       <m:r>
-                        <a:rPr lang="en-US" b="0" i="1" smtClean="0">
+                        <a:rPr kumimoji="1" lang="en-US" altLang="zh-CN" b="1" i="1" smtClean="0">
+                          <a:solidFill>
+                            <a:srgbClr val="FF0000"/>
+                          </a:solidFill>
                           <a:latin typeface="Cambria Math" panose="02040503050406030204" pitchFamily="18" charset="0"/>
                         </a:rPr>
-                        <m:t>=</m:t>
+                        <m:t>𝑹𝒆𝒘𝒂𝒓𝒅</m:t>
                       </m:r>
-                      <m:d>
-                        <m:dPr>
-                          <m:begChr m:val="⟨"/>
-                          <m:endChr m:val="⟩"/>
-                          <m:ctrlPr>
-                            <a:rPr lang="en-US" b="0" i="1" smtClean="0">
-                              <a:latin typeface="Cambria Math" panose="02040503050406030204" pitchFamily="18" charset="0"/>
-                            </a:rPr>
-                          </m:ctrlPr>
-                        </m:dPr>
-                        <m:e>
-                          <m:sSub>
-                            <m:sSubPr>
-                              <m:ctrlPr>
-                                <a:rPr lang="en-US" b="0" i="1" smtClean="0">
-                                  <a:latin typeface="Cambria Math" panose="02040503050406030204" pitchFamily="18" charset="0"/>
-                                </a:rPr>
-                              </m:ctrlPr>
-                            </m:sSubPr>
-                            <m:e>
-                              <m:r>
-                                <a:rPr lang="en-US" b="0" i="1" smtClean="0">
-                                  <a:latin typeface="Cambria Math" panose="02040503050406030204" pitchFamily="18" charset="0"/>
-                                </a:rPr>
-                                <m:t>𝑔</m:t>
-                              </m:r>
-                            </m:e>
-                            <m:sub>
-                              <m:r>
-                                <a:rPr lang="en-US" b="0" i="1" smtClean="0">
-                                  <a:latin typeface="Cambria Math" panose="02040503050406030204" pitchFamily="18" charset="0"/>
-                                </a:rPr>
-                                <m:t>1</m:t>
-                              </m:r>
-                            </m:sub>
-                          </m:sSub>
-                          <m:r>
-                            <a:rPr lang="en-US" b="0" i="1" smtClean="0">
-                              <a:latin typeface="Cambria Math" panose="02040503050406030204" pitchFamily="18" charset="0"/>
-                            </a:rPr>
-                            <m:t>,</m:t>
-                          </m:r>
-                          <m:sSub>
-                            <m:sSubPr>
-                              <m:ctrlPr>
-                                <a:rPr lang="en-US" b="0" i="1" smtClean="0">
-                                  <a:latin typeface="Cambria Math" panose="02040503050406030204" pitchFamily="18" charset="0"/>
-                                </a:rPr>
-                              </m:ctrlPr>
-                            </m:sSubPr>
-                            <m:e>
-                              <m:r>
-                                <a:rPr lang="en-US" b="0" i="1" smtClean="0">
-                                  <a:latin typeface="Cambria Math" panose="02040503050406030204" pitchFamily="18" charset="0"/>
-                                </a:rPr>
-                                <m:t>𝑡</m:t>
-                              </m:r>
-                            </m:e>
-                            <m:sub>
-                              <m:r>
-                                <a:rPr lang="en-US" b="0" i="1" smtClean="0">
-                                  <a:latin typeface="Cambria Math" panose="02040503050406030204" pitchFamily="18" charset="0"/>
-                                </a:rPr>
-                                <m:t>0</m:t>
-                              </m:r>
-                            </m:sub>
-                          </m:sSub>
-                          <m:r>
-                            <a:rPr lang="en-US" b="0" i="1" smtClean="0">
-                              <a:latin typeface="Cambria Math" panose="02040503050406030204" pitchFamily="18" charset="0"/>
-                            </a:rPr>
-                            <m:t>+</m:t>
-                          </m:r>
-                          <m:r>
-                            <a:rPr lang="en-US" b="0" i="1" smtClean="0">
-                              <a:latin typeface="Cambria Math" panose="02040503050406030204" pitchFamily="18" charset="0"/>
-                            </a:rPr>
-                            <m:t>𝑡𝑡</m:t>
-                          </m:r>
-                          <m:d>
-                            <m:dPr>
-                              <m:ctrlPr>
-                                <a:rPr lang="en-US" b="0" i="1" smtClean="0">
-                                  <a:latin typeface="Cambria Math" panose="02040503050406030204" pitchFamily="18" charset="0"/>
-                                </a:rPr>
-                              </m:ctrlPr>
-                            </m:dPr>
-                            <m:e>
-                              <m:sSub>
-                                <m:sSubPr>
-                                  <m:ctrlPr>
-                                    <a:rPr lang="en-US" b="0" i="1" smtClean="0">
-                                      <a:latin typeface="Cambria Math" panose="02040503050406030204" pitchFamily="18" charset="0"/>
-                                    </a:rPr>
-                                  </m:ctrlPr>
-                                </m:sSubPr>
-                                <m:e>
-                                  <m:r>
-                                    <a:rPr lang="en-US" b="0" i="1" smtClean="0">
-                                      <a:latin typeface="Cambria Math" panose="02040503050406030204" pitchFamily="18" charset="0"/>
-                                    </a:rPr>
-                                    <m:t>𝑔</m:t>
-                                  </m:r>
-                                </m:e>
-                                <m:sub>
-                                  <m:r>
-                                    <a:rPr lang="en-US" b="0" i="1" smtClean="0">
-                                      <a:latin typeface="Cambria Math" panose="02040503050406030204" pitchFamily="18" charset="0"/>
-                                    </a:rPr>
-                                    <m:t>0</m:t>
-                                  </m:r>
-                                </m:sub>
-                              </m:sSub>
-                              <m:r>
-                                <a:rPr lang="en-US" b="0" i="1" smtClean="0">
-                                  <a:latin typeface="Cambria Math" panose="02040503050406030204" pitchFamily="18" charset="0"/>
-                                </a:rPr>
-                                <m:t>,</m:t>
-                              </m:r>
-                              <m:sSub>
-                                <m:sSubPr>
-                                  <m:ctrlPr>
-                                    <a:rPr lang="en-US" b="0" i="1" smtClean="0">
-                                      <a:latin typeface="Cambria Math" panose="02040503050406030204" pitchFamily="18" charset="0"/>
-                                    </a:rPr>
-                                  </m:ctrlPr>
-                                </m:sSubPr>
-                                <m:e>
-                                  <m:r>
-                                    <a:rPr lang="en-US" b="0" i="1" smtClean="0">
-                                      <a:latin typeface="Cambria Math" panose="02040503050406030204" pitchFamily="18" charset="0"/>
-                                    </a:rPr>
-                                    <m:t>𝑔</m:t>
-                                  </m:r>
-                                </m:e>
-                                <m:sub>
-                                  <m:r>
-                                    <a:rPr lang="en-US" b="0" i="1" smtClean="0">
-                                      <a:latin typeface="Cambria Math" panose="02040503050406030204" pitchFamily="18" charset="0"/>
-                                    </a:rPr>
-                                    <m:t>1</m:t>
-                                  </m:r>
-                                </m:sub>
-                              </m:sSub>
-                            </m:e>
-                          </m:d>
-                        </m:e>
-                      </m:d>
+                      <m:r>
+                        <a:rPr kumimoji="1" lang="en-US" altLang="zh-CN" b="1" i="1" smtClean="0">
+                          <a:solidFill>
+                            <a:srgbClr val="FF0000"/>
+                          </a:solidFill>
+                          <a:latin typeface="Cambria Math" panose="02040503050406030204" pitchFamily="18" charset="0"/>
+                        </a:rPr>
+                        <m:t>=−</m:t>
+                      </m:r>
+                      <m:r>
+                        <a:rPr kumimoji="1" lang="en-US" altLang="zh-CN" b="1" i="1" smtClean="0">
+                          <a:solidFill>
+                            <a:srgbClr val="FF0000"/>
+                          </a:solidFill>
+                          <a:latin typeface="Cambria Math" panose="02040503050406030204" pitchFamily="18" charset="0"/>
+                          <a:ea typeface="Cambria Math" panose="02040503050406030204" pitchFamily="18" charset="0"/>
+                        </a:rPr>
+                        <m:t>𝜷</m:t>
+                      </m:r>
+                      <m:r>
+                        <a:rPr kumimoji="1" lang="en-US" altLang="zh-CN" b="1" i="1" smtClean="0">
+                          <a:solidFill>
+                            <a:srgbClr val="FF0000"/>
+                          </a:solidFill>
+                          <a:latin typeface="Cambria Math" panose="02040503050406030204" pitchFamily="18" charset="0"/>
+                          <a:ea typeface="Cambria Math" panose="02040503050406030204" pitchFamily="18" charset="0"/>
+                        </a:rPr>
+                        <m:t>×</m:t>
+                      </m:r>
+                      <m:r>
+                        <a:rPr kumimoji="1" lang="en-US" altLang="zh-CN" b="1" i="1" smtClean="0">
+                          <a:solidFill>
+                            <a:srgbClr val="FF0000"/>
+                          </a:solidFill>
+                          <a:latin typeface="Cambria Math" panose="02040503050406030204" pitchFamily="18" charset="0"/>
+                          <a:ea typeface="Cambria Math" panose="02040503050406030204" pitchFamily="18" charset="0"/>
+                        </a:rPr>
+                        <m:t>𝒕𝒓𝒂𝒗𝒆𝒍</m:t>
+                      </m:r>
+                      <m:r>
+                        <a:rPr kumimoji="1" lang="en-US" altLang="zh-CN" b="1" i="1" smtClean="0">
+                          <a:solidFill>
+                            <a:srgbClr val="FF0000"/>
+                          </a:solidFill>
+                          <a:latin typeface="Cambria Math" panose="02040503050406030204" pitchFamily="18" charset="0"/>
+                          <a:ea typeface="Cambria Math" panose="02040503050406030204" pitchFamily="18" charset="0"/>
+                        </a:rPr>
+                        <m:t>_</m:t>
+                      </m:r>
+                      <m:r>
+                        <a:rPr kumimoji="1" lang="en-US" altLang="zh-CN" b="1" i="1" smtClean="0">
+                          <a:solidFill>
+                            <a:srgbClr val="FF0000"/>
+                          </a:solidFill>
+                          <a:latin typeface="Cambria Math" panose="02040503050406030204" pitchFamily="18" charset="0"/>
+                          <a:ea typeface="Cambria Math" panose="02040503050406030204" pitchFamily="18" charset="0"/>
+                        </a:rPr>
+                        <m:t>𝒕𝒊𝒎𝒆</m:t>
+                      </m:r>
                     </m:oMath>
                   </m:oMathPara>
                 </a14:m>
-                <a:endParaRPr lang="en-CN" dirty="0"/>
+                <a:endParaRPr kumimoji="1" lang="zh-CN" altLang="en-US" b="1" dirty="0">
+                  <a:solidFill>
+                    <a:srgbClr val="FF0000"/>
+                  </a:solidFill>
+                </a:endParaRPr>
               </a:p>
             </p:txBody>
           </p:sp>
@@ -8233,10 +8641,10 @@
         <mc:Fallback>
           <p:sp>
             <p:nvSpPr>
-              <p:cNvPr id="47" name="TextBox 46">
+              <p:cNvPr id="51" name="文本框 50">
                 <a:extLst>
                   <a:ext uri="{FF2B5EF4-FFF2-40B4-BE49-F238E27FC236}">
-                    <a16:creationId xmlns:a16="http://schemas.microsoft.com/office/drawing/2014/main" id="{2FC7A908-29F4-F34F-B7E6-1A8277AE43F9}"/>
+                    <a16:creationId xmlns:a16="http://schemas.microsoft.com/office/drawing/2014/main" id="{53DF782B-F27B-EA48-A662-871AC76380F5}"/>
                   </a:ext>
                 </a:extLst>
               </p:cNvPr>
@@ -8247,16 +8655,16 @@
             </p:nvSpPr>
             <p:spPr>
               <a:xfrm>
-                <a:off x="4644192" y="5146113"/>
-                <a:ext cx="2459006" cy="276999"/>
+                <a:off x="6210423" y="2161705"/>
+                <a:ext cx="3052118" cy="276999"/>
               </a:xfrm>
               <a:prstGeom prst="rect">
                 <a:avLst/>
               </a:prstGeom>
               <a:blipFill>
-                <a:blip r:embed="rId12"/>
+                <a:blip r:embed="rId10"/>
                 <a:stretch>
-                  <a:fillRect l="-1031" b="-21739"/>
+                  <a:fillRect l="-1245" r="-1245" b="-34783"/>
                 </a:stretch>
               </a:blipFill>
             </p:spPr>
@@ -8265,7 +8673,277 @@
               <a:lstStyle/>
               <a:p>
                 <a:r>
-                  <a:rPr lang="en-CN">
+                  <a:rPr lang="zh-CN" altLang="en-US">
+                    <a:noFill/>
+                  </a:rPr>
+                  <a:t> </a:t>
+                </a:r>
+              </a:p>
+            </p:txBody>
+          </p:sp>
+        </mc:Fallback>
+      </mc:AlternateContent>
+      <mc:AlternateContent xmlns:mc="http://schemas.openxmlformats.org/markup-compatibility/2006">
+        <mc:Choice xmlns:a14="http://schemas.microsoft.com/office/drawing/2010/main" Requires="a14">
+          <p:sp>
+            <p:nvSpPr>
+              <p:cNvPr id="52" name="文本框 51">
+                <a:extLst>
+                  <a:ext uri="{FF2B5EF4-FFF2-40B4-BE49-F238E27FC236}">
+                    <a16:creationId xmlns:a16="http://schemas.microsoft.com/office/drawing/2014/main" id="{88865DC2-7269-474A-B286-2DA8A8A31811}"/>
+                  </a:ext>
+                </a:extLst>
+              </p:cNvPr>
+              <p:cNvSpPr txBox="1"/>
+              <p:nvPr/>
+            </p:nvSpPr>
+            <p:spPr>
+              <a:xfrm>
+                <a:off x="5930947" y="6094599"/>
+                <a:ext cx="4234172" cy="276999"/>
+              </a:xfrm>
+              <a:prstGeom prst="rect">
+                <a:avLst/>
+              </a:prstGeom>
+              <a:noFill/>
+            </p:spPr>
+            <p:txBody>
+              <a:bodyPr wrap="none" lIns="0" tIns="0" rIns="0" bIns="0" rtlCol="0">
+                <a:spAutoFit/>
+              </a:bodyPr>
+              <a:lstStyle/>
+              <a:p>
+                <a14:m>
+                  <m:oMathPara xmlns:m="http://schemas.openxmlformats.org/officeDocument/2006/math">
+                    <m:oMathParaPr>
+                      <m:jc m:val="centerGroup"/>
+                    </m:oMathParaPr>
+                    <m:oMath xmlns:m="http://schemas.openxmlformats.org/officeDocument/2006/math">
+                      <m:r>
+                        <a:rPr kumimoji="1" lang="en-US" altLang="zh-CN" b="1" i="1" smtClean="0">
+                          <a:solidFill>
+                            <a:srgbClr val="FF0000"/>
+                          </a:solidFill>
+                          <a:latin typeface="Cambria Math" panose="02040503050406030204" pitchFamily="18" charset="0"/>
+                        </a:rPr>
+                        <m:t>𝑹𝒆𝒘𝒂𝒓𝒅</m:t>
+                      </m:r>
+                      <m:r>
+                        <a:rPr kumimoji="1" lang="en-US" altLang="zh-CN" b="1" i="1" smtClean="0">
+                          <a:solidFill>
+                            <a:srgbClr val="FF0000"/>
+                          </a:solidFill>
+                          <a:latin typeface="Cambria Math" panose="02040503050406030204" pitchFamily="18" charset="0"/>
+                        </a:rPr>
+                        <m:t>=</m:t>
+                      </m:r>
+                      <m:r>
+                        <a:rPr kumimoji="1" lang="en-US" altLang="zh-CN" b="1" i="1" smtClean="0">
+                          <a:solidFill>
+                            <a:srgbClr val="FF0000"/>
+                          </a:solidFill>
+                          <a:latin typeface="Cambria Math" panose="02040503050406030204" pitchFamily="18" charset="0"/>
+                        </a:rPr>
+                        <m:t>𝒇𝒆𝒆</m:t>
+                      </m:r>
+                      <m:d>
+                        <m:dPr>
+                          <m:ctrlPr>
+                            <a:rPr kumimoji="1" lang="en-US" altLang="zh-CN" b="1" i="1" smtClean="0">
+                              <a:solidFill>
+                                <a:srgbClr val="FF0000"/>
+                              </a:solidFill>
+                              <a:latin typeface="Cambria Math" panose="02040503050406030204" pitchFamily="18" charset="0"/>
+                            </a:rPr>
+                          </m:ctrlPr>
+                        </m:dPr>
+                        <m:e>
+                          <m:sSub>
+                            <m:sSubPr>
+                              <m:ctrlPr>
+                                <a:rPr lang="en-US" altLang="zh-CN" i="1" smtClean="0">
+                                  <a:solidFill>
+                                    <a:srgbClr val="FF0000"/>
+                                  </a:solidFill>
+                                  <a:latin typeface="Cambria Math" panose="02040503050406030204" pitchFamily="18" charset="0"/>
+                                </a:rPr>
+                              </m:ctrlPr>
+                            </m:sSubPr>
+                            <m:e>
+                              <m:r>
+                                <a:rPr lang="en-US" altLang="zh-CN" i="1">
+                                  <a:solidFill>
+                                    <a:srgbClr val="FF0000"/>
+                                  </a:solidFill>
+                                  <a:latin typeface="Cambria Math" panose="02040503050406030204" pitchFamily="18" charset="0"/>
+                                </a:rPr>
+                                <m:t>𝑠</m:t>
+                              </m:r>
+                            </m:e>
+                            <m:sub>
+                              <m:r>
+                                <a:rPr lang="en-US" altLang="zh-CN" i="1">
+                                  <a:solidFill>
+                                    <a:srgbClr val="FF0000"/>
+                                  </a:solidFill>
+                                  <a:latin typeface="Cambria Math" panose="02040503050406030204" pitchFamily="18" charset="0"/>
+                                </a:rPr>
+                                <m:t>2</m:t>
+                              </m:r>
+                            </m:sub>
+                          </m:sSub>
+                          <m:r>
+                            <a:rPr lang="en-US" altLang="zh-CN" i="1">
+                              <a:solidFill>
+                                <a:srgbClr val="FF0000"/>
+                              </a:solidFill>
+                              <a:latin typeface="Cambria Math" panose="02040503050406030204" pitchFamily="18" charset="0"/>
+                            </a:rPr>
+                            <m:t>,</m:t>
+                          </m:r>
+                          <m:sSub>
+                            <m:sSubPr>
+                              <m:ctrlPr>
+                                <a:rPr lang="en-US" altLang="zh-CN" i="1">
+                                  <a:solidFill>
+                                    <a:srgbClr val="FF0000"/>
+                                  </a:solidFill>
+                                  <a:latin typeface="Cambria Math" panose="02040503050406030204" pitchFamily="18" charset="0"/>
+                                </a:rPr>
+                              </m:ctrlPr>
+                            </m:sSubPr>
+                            <m:e>
+                              <m:r>
+                                <a:rPr lang="en-US" altLang="zh-CN" i="1">
+                                  <a:solidFill>
+                                    <a:srgbClr val="FF0000"/>
+                                  </a:solidFill>
+                                  <a:latin typeface="Cambria Math" panose="02040503050406030204" pitchFamily="18" charset="0"/>
+                                </a:rPr>
+                                <m:t>𝑠</m:t>
+                              </m:r>
+                            </m:e>
+                            <m:sub>
+                              <m:r>
+                                <a:rPr lang="en-US" altLang="zh-CN" i="1">
+                                  <a:solidFill>
+                                    <a:srgbClr val="FF0000"/>
+                                  </a:solidFill>
+                                  <a:latin typeface="Cambria Math" panose="02040503050406030204" pitchFamily="18" charset="0"/>
+                                </a:rPr>
+                                <m:t>3</m:t>
+                              </m:r>
+                            </m:sub>
+                          </m:sSub>
+                        </m:e>
+                      </m:d>
+                      <m:r>
+                        <a:rPr kumimoji="1" lang="en-US" altLang="zh-CN" b="1" i="1" smtClean="0">
+                          <a:solidFill>
+                            <a:srgbClr val="FF0000"/>
+                          </a:solidFill>
+                          <a:latin typeface="Cambria Math" panose="02040503050406030204" pitchFamily="18" charset="0"/>
+                        </a:rPr>
+                        <m:t>−</m:t>
+                      </m:r>
+                      <m:r>
+                        <a:rPr kumimoji="1" lang="en-US" altLang="zh-CN" b="1" i="1" smtClean="0">
+                          <a:solidFill>
+                            <a:srgbClr val="FF0000"/>
+                          </a:solidFill>
+                          <a:latin typeface="Cambria Math" panose="02040503050406030204" pitchFamily="18" charset="0"/>
+                          <a:ea typeface="Cambria Math" panose="02040503050406030204" pitchFamily="18" charset="0"/>
+                        </a:rPr>
+                        <m:t>𝜷</m:t>
+                      </m:r>
+                      <m:r>
+                        <a:rPr kumimoji="1" lang="en-US" altLang="zh-CN" b="1" i="1" smtClean="0">
+                          <a:solidFill>
+                            <a:srgbClr val="FF0000"/>
+                          </a:solidFill>
+                          <a:latin typeface="Cambria Math" panose="02040503050406030204" pitchFamily="18" charset="0"/>
+                          <a:ea typeface="Cambria Math" panose="02040503050406030204" pitchFamily="18" charset="0"/>
+                        </a:rPr>
+                        <m:t>×</m:t>
+                      </m:r>
+                      <m:r>
+                        <a:rPr kumimoji="1" lang="en-US" altLang="zh-CN" b="1" i="1" smtClean="0">
+                          <a:solidFill>
+                            <a:srgbClr val="FF0000"/>
+                          </a:solidFill>
+                          <a:latin typeface="Cambria Math" panose="02040503050406030204" pitchFamily="18" charset="0"/>
+                          <a:ea typeface="Cambria Math" panose="02040503050406030204" pitchFamily="18" charset="0"/>
+                        </a:rPr>
+                        <m:t>𝒕𝒓𝒂𝒗𝒆𝒍</m:t>
+                      </m:r>
+                      <m:r>
+                        <a:rPr kumimoji="1" lang="en-US" altLang="zh-CN" b="1" i="1" smtClean="0">
+                          <a:solidFill>
+                            <a:srgbClr val="FF0000"/>
+                          </a:solidFill>
+                          <a:latin typeface="Cambria Math" panose="02040503050406030204" pitchFamily="18" charset="0"/>
+                          <a:ea typeface="Cambria Math" panose="02040503050406030204" pitchFamily="18" charset="0"/>
+                        </a:rPr>
+                        <m:t>_</m:t>
+                      </m:r>
+                      <m:r>
+                        <a:rPr kumimoji="1" lang="en-US" altLang="zh-CN" b="1" i="1" smtClean="0">
+                          <a:solidFill>
+                            <a:srgbClr val="FF0000"/>
+                          </a:solidFill>
+                          <a:latin typeface="Cambria Math" panose="02040503050406030204" pitchFamily="18" charset="0"/>
+                          <a:ea typeface="Cambria Math" panose="02040503050406030204" pitchFamily="18" charset="0"/>
+                        </a:rPr>
+                        <m:t>𝒕𝒊𝒎𝒆</m:t>
+                      </m:r>
+                    </m:oMath>
+                  </m:oMathPara>
+                </a14:m>
+                <a:endParaRPr kumimoji="1" lang="zh-CN" altLang="en-US" b="1" dirty="0">
+                  <a:solidFill>
+                    <a:srgbClr val="FF0000"/>
+                  </a:solidFill>
+                </a:endParaRPr>
+              </a:p>
+            </p:txBody>
+          </p:sp>
+        </mc:Choice>
+        <mc:Fallback>
+          <p:sp>
+            <p:nvSpPr>
+              <p:cNvPr id="52" name="文本框 51">
+                <a:extLst>
+                  <a:ext uri="{FF2B5EF4-FFF2-40B4-BE49-F238E27FC236}">
+                    <a16:creationId xmlns:a16="http://schemas.microsoft.com/office/drawing/2014/main" id="{88865DC2-7269-474A-B286-2DA8A8A31811}"/>
+                  </a:ext>
+                </a:extLst>
+              </p:cNvPr>
+              <p:cNvSpPr txBox="1">
+                <a:spLocks noRot="1" noChangeAspect="1" noMove="1" noResize="1" noEditPoints="1" noAdjustHandles="1" noChangeArrowheads="1" noChangeShapeType="1" noTextEdit="1"/>
+              </p:cNvSpPr>
+              <p:nvPr/>
+            </p:nvSpPr>
+            <p:spPr>
+              <a:xfrm>
+                <a:off x="5930947" y="6094599"/>
+                <a:ext cx="4234172" cy="276999"/>
+              </a:xfrm>
+              <a:prstGeom prst="rect">
+                <a:avLst/>
+              </a:prstGeom>
+              <a:blipFill>
+                <a:blip r:embed="rId11"/>
+                <a:stretch>
+                  <a:fillRect l="-599" t="-4545" r="-898" b="-31818"/>
+                </a:stretch>
+              </a:blipFill>
+            </p:spPr>
+            <p:txBody>
+              <a:bodyPr/>
+              <a:lstStyle/>
+              <a:p>
+                <a:r>
+                  <a:rPr lang="zh-CN" altLang="en-US">
                     <a:noFill/>
                   </a:rPr>
                   <a:t> </a:t>
@@ -8278,7 +8956,2199 @@
     </p:spTree>
     <p:extLst>
       <p:ext uri="{BB962C8B-B14F-4D97-AF65-F5344CB8AC3E}">
-        <p14:creationId xmlns:p14="http://schemas.microsoft.com/office/powerpoint/2010/main" val="1080984041"/>
+        <p14:creationId xmlns:p14="http://schemas.microsoft.com/office/powerpoint/2010/main" val="2787371196"/>
+      </p:ext>
+    </p:extLst>
+  </p:cSld>
+  <p:clrMapOvr>
+    <a:masterClrMapping/>
+  </p:clrMapOvr>
+</p:sld>
+</file>
+
+<file path=ppt/slides/slide5.xml><?xml version="1.0" encoding="utf-8"?>
+<p:sld xmlns:a="http://schemas.openxmlformats.org/drawingml/2006/main" xmlns:r="http://schemas.openxmlformats.org/officeDocument/2006/relationships" xmlns:p="http://schemas.openxmlformats.org/presentationml/2006/main">
+  <p:cSld>
+    <p:spTree>
+      <p:nvGrpSpPr>
+        <p:cNvPr id="1" name=""/>
+        <p:cNvGrpSpPr/>
+        <p:nvPr/>
+      </p:nvGrpSpPr>
+      <p:grpSpPr>
+        <a:xfrm>
+          <a:off x="0" y="0"/>
+          <a:ext cx="0" cy="0"/>
+          <a:chOff x="0" y="0"/>
+          <a:chExt cx="0" cy="0"/>
+        </a:xfrm>
+      </p:grpSpPr>
+      <mc:AlternateContent xmlns:mc="http://schemas.openxmlformats.org/markup-compatibility/2006">
+        <mc:Choice xmlns:a14="http://schemas.microsoft.com/office/drawing/2010/main" Requires="a14">
+          <p:sp>
+            <p:nvSpPr>
+              <p:cNvPr id="4" name="文本框 3">
+                <a:extLst>
+                  <a:ext uri="{FF2B5EF4-FFF2-40B4-BE49-F238E27FC236}">
+                    <a16:creationId xmlns:a16="http://schemas.microsoft.com/office/drawing/2014/main" id="{996CDC09-AD6A-6945-8E3D-4420EFE49364}"/>
+                  </a:ext>
+                </a:extLst>
+              </p:cNvPr>
+              <p:cNvSpPr txBox="1"/>
+              <p:nvPr/>
+            </p:nvSpPr>
+            <p:spPr>
+              <a:xfrm>
+                <a:off x="485650" y="664029"/>
+                <a:ext cx="11353557" cy="706284"/>
+              </a:xfrm>
+              <a:prstGeom prst="rect">
+                <a:avLst/>
+              </a:prstGeom>
+              <a:noFill/>
+            </p:spPr>
+            <p:txBody>
+              <a:bodyPr wrap="none" lIns="0" tIns="0" rIns="0" bIns="0" rtlCol="0">
+                <a:spAutoFit/>
+              </a:bodyPr>
+              <a:lstStyle/>
+              <a:p>
+                <a14:m>
+                  <m:oMathPara xmlns:m="http://schemas.openxmlformats.org/officeDocument/2006/math">
+                    <m:oMathParaPr>
+                      <m:jc m:val="centerGroup"/>
+                    </m:oMathParaPr>
+                    <m:oMath xmlns:m="http://schemas.openxmlformats.org/officeDocument/2006/math">
+                      <m:r>
+                        <a:rPr kumimoji="1" lang="en-US" altLang="zh-CN" b="0" i="1" smtClean="0">
+                          <a:latin typeface="Cambria Math" panose="02040503050406030204" pitchFamily="18" charset="0"/>
+                        </a:rPr>
+                        <m:t>𝑅</m:t>
+                      </m:r>
+                      <m:d>
+                        <m:dPr>
+                          <m:ctrlPr>
+                            <a:rPr kumimoji="1" lang="en-US" altLang="zh-CN" b="0" i="1" smtClean="0">
+                              <a:latin typeface="Cambria Math" panose="02040503050406030204" pitchFamily="18" charset="0"/>
+                            </a:rPr>
+                          </m:ctrlPr>
+                        </m:dPr>
+                        <m:e>
+                          <m:r>
+                            <a:rPr kumimoji="1" lang="en-US" altLang="zh-CN" b="0" i="1" smtClean="0">
+                              <a:latin typeface="Cambria Math" panose="02040503050406030204" pitchFamily="18" charset="0"/>
+                            </a:rPr>
+                            <m:t>𝑠</m:t>
+                          </m:r>
+                          <m:r>
+                            <a:rPr kumimoji="1" lang="en-US" altLang="zh-CN" b="0" i="1" smtClean="0">
+                              <a:latin typeface="Cambria Math" panose="02040503050406030204" pitchFamily="18" charset="0"/>
+                            </a:rPr>
+                            <m:t>,</m:t>
+                          </m:r>
+                          <m:r>
+                            <a:rPr kumimoji="1" lang="en-US" altLang="zh-CN" b="0" i="1" smtClean="0">
+                              <a:latin typeface="Cambria Math" panose="02040503050406030204" pitchFamily="18" charset="0"/>
+                            </a:rPr>
+                            <m:t>𝑎</m:t>
+                          </m:r>
+                        </m:e>
+                      </m:d>
+                      <m:r>
+                        <a:rPr kumimoji="1" lang="en-US" altLang="zh-CN" b="0" i="1" smtClean="0">
+                          <a:latin typeface="Cambria Math" panose="02040503050406030204" pitchFamily="18" charset="0"/>
+                        </a:rPr>
+                        <m:t>=</m:t>
+                      </m:r>
+                      <m:d>
+                        <m:dPr>
+                          <m:begChr m:val="["/>
+                          <m:endChr m:val="]"/>
+                          <m:ctrlPr>
+                            <a:rPr kumimoji="1" lang="en-US" altLang="zh-CN" b="0" i="1" smtClean="0">
+                              <a:solidFill>
+                                <a:srgbClr val="00B050"/>
+                              </a:solidFill>
+                              <a:latin typeface="Cambria Math" panose="02040503050406030204" pitchFamily="18" charset="0"/>
+                            </a:rPr>
+                          </m:ctrlPr>
+                        </m:dPr>
+                        <m:e>
+                          <m:sSub>
+                            <m:sSubPr>
+                              <m:ctrlPr>
+                                <a:rPr lang="en-US" altLang="zh-CN" i="1">
+                                  <a:solidFill>
+                                    <a:srgbClr val="00B050"/>
+                                  </a:solidFill>
+                                  <a:latin typeface="Cambria Math" panose="02040503050406030204" pitchFamily="18" charset="0"/>
+                                </a:rPr>
+                              </m:ctrlPr>
+                            </m:sSubPr>
+                            <m:e>
+                              <m:r>
+                                <a:rPr lang="en-US" altLang="zh-CN" i="1">
+                                  <a:solidFill>
+                                    <a:srgbClr val="00B050"/>
+                                  </a:solidFill>
+                                  <a:latin typeface="Cambria Math" panose="02040503050406030204" pitchFamily="18" charset="0"/>
+                                </a:rPr>
+                                <m:t>𝑃</m:t>
+                              </m:r>
+                            </m:e>
+                            <m:sub>
+                              <m:r>
+                                <a:rPr lang="en-US" altLang="zh-CN" i="1">
+                                  <a:solidFill>
+                                    <a:srgbClr val="00B050"/>
+                                  </a:solidFill>
+                                  <a:latin typeface="Cambria Math" panose="02040503050406030204" pitchFamily="18" charset="0"/>
+                                </a:rPr>
+                                <m:t>𝑚𝑎𝑡𝑐h</m:t>
+                              </m:r>
+                            </m:sub>
+                          </m:sSub>
+                          <m:r>
+                            <a:rPr lang="en-US" altLang="zh-CN" i="1">
+                              <a:solidFill>
+                                <a:srgbClr val="00B050"/>
+                              </a:solidFill>
+                              <a:latin typeface="Cambria Math" panose="02040503050406030204" pitchFamily="18" charset="0"/>
+                            </a:rPr>
+                            <m:t>(</m:t>
+                          </m:r>
+                          <m:sSub>
+                            <m:sSubPr>
+                              <m:ctrlPr>
+                                <a:rPr lang="en-US" altLang="zh-CN" i="1">
+                                  <a:solidFill>
+                                    <a:srgbClr val="00B050"/>
+                                  </a:solidFill>
+                                  <a:latin typeface="Cambria Math" panose="02040503050406030204" pitchFamily="18" charset="0"/>
+                                </a:rPr>
+                              </m:ctrlPr>
+                            </m:sSubPr>
+                            <m:e>
+                              <m:r>
+                                <a:rPr lang="en-US" altLang="zh-CN" i="1">
+                                  <a:solidFill>
+                                    <a:srgbClr val="00B050"/>
+                                  </a:solidFill>
+                                  <a:latin typeface="Cambria Math" panose="02040503050406030204" pitchFamily="18" charset="0"/>
+                                </a:rPr>
+                                <m:t>𝑠</m:t>
+                              </m:r>
+                            </m:e>
+                            <m:sub>
+                              <m:r>
+                                <a:rPr lang="en-US" altLang="zh-CN" i="1">
+                                  <a:solidFill>
+                                    <a:srgbClr val="00B050"/>
+                                  </a:solidFill>
+                                  <a:latin typeface="Cambria Math" panose="02040503050406030204" pitchFamily="18" charset="0"/>
+                                </a:rPr>
+                                <m:t>1</m:t>
+                              </m:r>
+                            </m:sub>
+                          </m:sSub>
+                          <m:r>
+                            <a:rPr lang="en-US" altLang="zh-CN" i="1">
+                              <a:solidFill>
+                                <a:srgbClr val="00B050"/>
+                              </a:solidFill>
+                              <a:latin typeface="Cambria Math" panose="02040503050406030204" pitchFamily="18" charset="0"/>
+                            </a:rPr>
+                            <m:t>)</m:t>
+                          </m:r>
+                          <m:r>
+                            <a:rPr lang="en-US" altLang="zh-CN" i="1">
+                              <a:solidFill>
+                                <a:srgbClr val="00B050"/>
+                              </a:solidFill>
+                              <a:latin typeface="Cambria Math" panose="02040503050406030204" pitchFamily="18" charset="0"/>
+                              <a:ea typeface="Cambria Math" panose="02040503050406030204" pitchFamily="18" charset="0"/>
+                            </a:rPr>
+                            <m:t>×</m:t>
+                          </m:r>
+                          <m:nary>
+                            <m:naryPr>
+                              <m:chr m:val="∑"/>
+                              <m:supHide m:val="on"/>
+                              <m:ctrlPr>
+                                <a:rPr lang="en-US" altLang="zh-CN" b="1" i="1">
+                                  <a:solidFill>
+                                    <a:srgbClr val="00B050"/>
+                                  </a:solidFill>
+                                  <a:latin typeface="Cambria Math" panose="02040503050406030204" pitchFamily="18" charset="0"/>
+                                </a:rPr>
+                              </m:ctrlPr>
+                            </m:naryPr>
+                            <m:sub>
+                              <m:sSub>
+                                <m:sSubPr>
+                                  <m:ctrlPr>
+                                    <a:rPr lang="en-US" altLang="zh-CN" i="1">
+                                      <a:solidFill>
+                                        <a:srgbClr val="00B050"/>
+                                      </a:solidFill>
+                                      <a:latin typeface="Cambria Math" panose="02040503050406030204" pitchFamily="18" charset="0"/>
+                                    </a:rPr>
+                                  </m:ctrlPr>
+                                </m:sSubPr>
+                                <m:e>
+                                  <m:r>
+                                    <a:rPr lang="en-US" altLang="zh-CN" i="1">
+                                      <a:solidFill>
+                                        <a:srgbClr val="00B050"/>
+                                      </a:solidFill>
+                                      <a:latin typeface="Cambria Math" panose="02040503050406030204" pitchFamily="18" charset="0"/>
+                                    </a:rPr>
+                                    <m:t>𝑠</m:t>
+                                  </m:r>
+                                </m:e>
+                                <m:sub>
+                                  <m:r>
+                                    <a:rPr lang="en-US" altLang="zh-CN" i="1">
+                                      <a:solidFill>
+                                        <a:srgbClr val="00B050"/>
+                                      </a:solidFill>
+                                      <a:latin typeface="Cambria Math" panose="02040503050406030204" pitchFamily="18" charset="0"/>
+                                    </a:rPr>
+                                    <m:t>2</m:t>
+                                  </m:r>
+                                </m:sub>
+                              </m:sSub>
+                            </m:sub>
+                            <m:sup/>
+                            <m:e>
+                              <m:nary>
+                                <m:naryPr>
+                                  <m:chr m:val="∑"/>
+                                  <m:supHide m:val="on"/>
+                                  <m:ctrlPr>
+                                    <a:rPr lang="en-US" altLang="zh-CN" b="1" i="1">
+                                      <a:solidFill>
+                                        <a:srgbClr val="00B050"/>
+                                      </a:solidFill>
+                                      <a:latin typeface="Cambria Math" panose="02040503050406030204" pitchFamily="18" charset="0"/>
+                                    </a:rPr>
+                                  </m:ctrlPr>
+                                </m:naryPr>
+                                <m:sub>
+                                  <m:sSub>
+                                    <m:sSubPr>
+                                      <m:ctrlPr>
+                                        <a:rPr lang="en-US" altLang="zh-CN" i="1">
+                                          <a:solidFill>
+                                            <a:srgbClr val="00B050"/>
+                                          </a:solidFill>
+                                          <a:latin typeface="Cambria Math" panose="02040503050406030204" pitchFamily="18" charset="0"/>
+                                        </a:rPr>
+                                      </m:ctrlPr>
+                                    </m:sSubPr>
+                                    <m:e>
+                                      <m:r>
+                                        <a:rPr lang="en-US" altLang="zh-CN" i="1">
+                                          <a:solidFill>
+                                            <a:srgbClr val="00B050"/>
+                                          </a:solidFill>
+                                          <a:latin typeface="Cambria Math" panose="02040503050406030204" pitchFamily="18" charset="0"/>
+                                        </a:rPr>
+                                        <m:t>𝑠</m:t>
+                                      </m:r>
+                                    </m:e>
+                                    <m:sub>
+                                      <m:r>
+                                        <a:rPr lang="en-US" altLang="zh-CN" i="1">
+                                          <a:solidFill>
+                                            <a:srgbClr val="00B050"/>
+                                          </a:solidFill>
+                                          <a:latin typeface="Cambria Math" panose="02040503050406030204" pitchFamily="18" charset="0"/>
+                                        </a:rPr>
+                                        <m:t>3</m:t>
+                                      </m:r>
+                                    </m:sub>
+                                  </m:sSub>
+                                </m:sub>
+                                <m:sup/>
+                                <m:e>
+                                  <m:sSub>
+                                    <m:sSubPr>
+                                      <m:ctrlPr>
+                                        <a:rPr lang="en-US" altLang="zh-CN" i="1">
+                                          <a:solidFill>
+                                            <a:srgbClr val="00B050"/>
+                                          </a:solidFill>
+                                          <a:latin typeface="Cambria Math" panose="02040503050406030204" pitchFamily="18" charset="0"/>
+                                        </a:rPr>
+                                      </m:ctrlPr>
+                                    </m:sSubPr>
+                                    <m:e>
+                                      <m:r>
+                                        <a:rPr lang="en-US" altLang="zh-CN" i="1">
+                                          <a:solidFill>
+                                            <a:srgbClr val="00B050"/>
+                                          </a:solidFill>
+                                          <a:latin typeface="Cambria Math" panose="02040503050406030204" pitchFamily="18" charset="0"/>
+                                        </a:rPr>
+                                        <m:t>𝑃</m:t>
+                                      </m:r>
+                                    </m:e>
+                                    <m:sub>
+                                      <m:r>
+                                        <a:rPr lang="en-US" altLang="zh-CN" i="1">
+                                          <a:solidFill>
+                                            <a:srgbClr val="00B050"/>
+                                          </a:solidFill>
+                                          <a:latin typeface="Cambria Math" panose="02040503050406030204" pitchFamily="18" charset="0"/>
+                                        </a:rPr>
+                                        <m:t>𝑝𝑖𝑐𝑘𝑢𝑝</m:t>
+                                      </m:r>
+                                    </m:sub>
+                                  </m:sSub>
+                                  <m:d>
+                                    <m:dPr>
+                                      <m:ctrlPr>
+                                        <a:rPr lang="en-US" altLang="zh-CN" i="1">
+                                          <a:solidFill>
+                                            <a:srgbClr val="00B050"/>
+                                          </a:solidFill>
+                                          <a:latin typeface="Cambria Math" panose="02040503050406030204" pitchFamily="18" charset="0"/>
+                                        </a:rPr>
+                                      </m:ctrlPr>
+                                    </m:dPr>
+                                    <m:e>
+                                      <m:sSub>
+                                        <m:sSubPr>
+                                          <m:ctrlPr>
+                                            <a:rPr lang="en-US" altLang="zh-CN" i="1">
+                                              <a:solidFill>
+                                                <a:srgbClr val="00B050"/>
+                                              </a:solidFill>
+                                              <a:latin typeface="Cambria Math" panose="02040503050406030204" pitchFamily="18" charset="0"/>
+                                            </a:rPr>
+                                          </m:ctrlPr>
+                                        </m:sSubPr>
+                                        <m:e>
+                                          <m:r>
+                                            <a:rPr lang="en-US" altLang="zh-CN" i="1">
+                                              <a:solidFill>
+                                                <a:srgbClr val="00B050"/>
+                                              </a:solidFill>
+                                              <a:latin typeface="Cambria Math" panose="02040503050406030204" pitchFamily="18" charset="0"/>
+                                            </a:rPr>
+                                            <m:t>𝑠</m:t>
+                                          </m:r>
+                                        </m:e>
+                                        <m:sub>
+                                          <m:r>
+                                            <a:rPr lang="en-US" altLang="zh-CN" i="1">
+                                              <a:solidFill>
+                                                <a:srgbClr val="00B050"/>
+                                              </a:solidFill>
+                                              <a:latin typeface="Cambria Math" panose="02040503050406030204" pitchFamily="18" charset="0"/>
+                                            </a:rPr>
+                                            <m:t>1</m:t>
+                                          </m:r>
+                                        </m:sub>
+                                      </m:sSub>
+                                      <m:r>
+                                        <a:rPr lang="en-US" altLang="zh-CN" i="1">
+                                          <a:solidFill>
+                                            <a:srgbClr val="00B050"/>
+                                          </a:solidFill>
+                                          <a:latin typeface="Cambria Math" panose="02040503050406030204" pitchFamily="18" charset="0"/>
+                                        </a:rPr>
+                                        <m:t>,</m:t>
+                                      </m:r>
+                                      <m:sSub>
+                                        <m:sSubPr>
+                                          <m:ctrlPr>
+                                            <a:rPr lang="en-US" altLang="zh-CN" i="1">
+                                              <a:solidFill>
+                                                <a:srgbClr val="00B050"/>
+                                              </a:solidFill>
+                                              <a:latin typeface="Cambria Math" panose="02040503050406030204" pitchFamily="18" charset="0"/>
+                                            </a:rPr>
+                                          </m:ctrlPr>
+                                        </m:sSubPr>
+                                        <m:e>
+                                          <m:r>
+                                            <a:rPr lang="en-US" altLang="zh-CN" i="1">
+                                              <a:solidFill>
+                                                <a:srgbClr val="00B050"/>
+                                              </a:solidFill>
+                                              <a:latin typeface="Cambria Math" panose="02040503050406030204" pitchFamily="18" charset="0"/>
+                                            </a:rPr>
+                                            <m:t>𝑠</m:t>
+                                          </m:r>
+                                        </m:e>
+                                        <m:sub>
+                                          <m:r>
+                                            <a:rPr lang="en-US" altLang="zh-CN" i="1">
+                                              <a:solidFill>
+                                                <a:srgbClr val="00B050"/>
+                                              </a:solidFill>
+                                              <a:latin typeface="Cambria Math" panose="02040503050406030204" pitchFamily="18" charset="0"/>
+                                            </a:rPr>
+                                            <m:t>2</m:t>
+                                          </m:r>
+                                        </m:sub>
+                                      </m:sSub>
+                                    </m:e>
+                                  </m:d>
+                                  <m:r>
+                                    <a:rPr lang="en-US" altLang="zh-CN">
+                                      <a:solidFill>
+                                        <a:srgbClr val="00B050"/>
+                                      </a:solidFill>
+                                      <a:latin typeface="Cambria Math" panose="02040503050406030204" pitchFamily="18" charset="0"/>
+                                      <a:ea typeface="Cambria Math" panose="02040503050406030204" pitchFamily="18" charset="0"/>
+                                    </a:rPr>
+                                    <m:t>×</m:t>
+                                  </m:r>
+                                  <m:d>
+                                    <m:dPr>
+                                      <m:begChr m:val="["/>
+                                      <m:endChr m:val="]"/>
+                                      <m:ctrlPr>
+                                        <a:rPr lang="en-US" altLang="zh-CN" i="1">
+                                          <a:solidFill>
+                                            <a:srgbClr val="00B050"/>
+                                          </a:solidFill>
+                                          <a:latin typeface="Cambria Math" panose="02040503050406030204" pitchFamily="18" charset="0"/>
+                                        </a:rPr>
+                                      </m:ctrlPr>
+                                    </m:dPr>
+                                    <m:e>
+                                      <m:r>
+                                        <a:rPr lang="en-US" altLang="zh-CN" i="1">
+                                          <a:solidFill>
+                                            <a:srgbClr val="00B050"/>
+                                          </a:solidFill>
+                                          <a:latin typeface="Cambria Math" panose="02040503050406030204" pitchFamily="18" charset="0"/>
+                                        </a:rPr>
+                                        <m:t>1−</m:t>
+                                      </m:r>
+                                      <m:sSub>
+                                        <m:sSubPr>
+                                          <m:ctrlPr>
+                                            <a:rPr lang="en-US" altLang="zh-CN" i="1">
+                                              <a:solidFill>
+                                                <a:srgbClr val="00B050"/>
+                                              </a:solidFill>
+                                              <a:latin typeface="Cambria Math" panose="02040503050406030204" pitchFamily="18" charset="0"/>
+                                            </a:rPr>
+                                          </m:ctrlPr>
+                                        </m:sSubPr>
+                                        <m:e>
+                                          <m:r>
+                                            <a:rPr lang="en-US" altLang="zh-CN" i="1">
+                                              <a:solidFill>
+                                                <a:srgbClr val="00B050"/>
+                                              </a:solidFill>
+                                              <a:latin typeface="Cambria Math" panose="02040503050406030204" pitchFamily="18" charset="0"/>
+                                            </a:rPr>
+                                            <m:t>𝑃</m:t>
+                                          </m:r>
+                                        </m:e>
+                                        <m:sub>
+                                          <m:r>
+                                            <a:rPr lang="en-US" altLang="zh-CN" i="1">
+                                              <a:solidFill>
+                                                <a:srgbClr val="00B050"/>
+                                              </a:solidFill>
+                                              <a:latin typeface="Cambria Math" panose="02040503050406030204" pitchFamily="18" charset="0"/>
+                                            </a:rPr>
+                                            <m:t>𝑐𝑎𝑛𝑐𝑒𝑙</m:t>
+                                          </m:r>
+                                        </m:sub>
+                                      </m:sSub>
+                                      <m:d>
+                                        <m:dPr>
+                                          <m:ctrlPr>
+                                            <a:rPr lang="en-US" altLang="zh-CN" i="1">
+                                              <a:solidFill>
+                                                <a:srgbClr val="00B050"/>
+                                              </a:solidFill>
+                                              <a:latin typeface="Cambria Math" panose="02040503050406030204" pitchFamily="18" charset="0"/>
+                                            </a:rPr>
+                                          </m:ctrlPr>
+                                        </m:dPr>
+                                        <m:e>
+                                          <m:sSub>
+                                            <m:sSubPr>
+                                              <m:ctrlPr>
+                                                <a:rPr lang="en-US" altLang="zh-CN" i="1">
+                                                  <a:solidFill>
+                                                    <a:srgbClr val="00B050"/>
+                                                  </a:solidFill>
+                                                  <a:latin typeface="Cambria Math" panose="02040503050406030204" pitchFamily="18" charset="0"/>
+                                                </a:rPr>
+                                              </m:ctrlPr>
+                                            </m:sSubPr>
+                                            <m:e>
+                                              <m:r>
+                                                <a:rPr lang="en-US" altLang="zh-CN" i="1">
+                                                  <a:solidFill>
+                                                    <a:srgbClr val="00B050"/>
+                                                  </a:solidFill>
+                                                  <a:latin typeface="Cambria Math" panose="02040503050406030204" pitchFamily="18" charset="0"/>
+                                                </a:rPr>
+                                                <m:t>𝑠</m:t>
+                                              </m:r>
+                                            </m:e>
+                                            <m:sub>
+                                              <m:r>
+                                                <a:rPr lang="en-US" altLang="zh-CN" i="1">
+                                                  <a:solidFill>
+                                                    <a:srgbClr val="00B050"/>
+                                                  </a:solidFill>
+                                                  <a:latin typeface="Cambria Math" panose="02040503050406030204" pitchFamily="18" charset="0"/>
+                                                </a:rPr>
+                                                <m:t>1</m:t>
+                                              </m:r>
+                                            </m:sub>
+                                          </m:sSub>
+                                          <m:r>
+                                            <a:rPr lang="en-US" altLang="zh-CN" i="1">
+                                              <a:solidFill>
+                                                <a:srgbClr val="00B050"/>
+                                              </a:solidFill>
+                                              <a:latin typeface="Cambria Math" panose="02040503050406030204" pitchFamily="18" charset="0"/>
+                                            </a:rPr>
+                                            <m:t>,</m:t>
+                                          </m:r>
+                                          <m:sSub>
+                                            <m:sSubPr>
+                                              <m:ctrlPr>
+                                                <a:rPr lang="en-US" altLang="zh-CN" i="1">
+                                                  <a:solidFill>
+                                                    <a:srgbClr val="00B050"/>
+                                                  </a:solidFill>
+                                                  <a:latin typeface="Cambria Math" panose="02040503050406030204" pitchFamily="18" charset="0"/>
+                                                </a:rPr>
+                                              </m:ctrlPr>
+                                            </m:sSubPr>
+                                            <m:e>
+                                              <m:r>
+                                                <a:rPr lang="en-US" altLang="zh-CN" i="1">
+                                                  <a:solidFill>
+                                                    <a:srgbClr val="00B050"/>
+                                                  </a:solidFill>
+                                                  <a:latin typeface="Cambria Math" panose="02040503050406030204" pitchFamily="18" charset="0"/>
+                                                </a:rPr>
+                                                <m:t>𝑠</m:t>
+                                              </m:r>
+                                            </m:e>
+                                            <m:sub>
+                                              <m:r>
+                                                <a:rPr lang="en-US" altLang="zh-CN" i="1">
+                                                  <a:solidFill>
+                                                    <a:srgbClr val="00B050"/>
+                                                  </a:solidFill>
+                                                  <a:latin typeface="Cambria Math" panose="02040503050406030204" pitchFamily="18" charset="0"/>
+                                                </a:rPr>
+                                                <m:t>2</m:t>
+                                              </m:r>
+                                            </m:sub>
+                                          </m:sSub>
+                                        </m:e>
+                                      </m:d>
+                                    </m:e>
+                                  </m:d>
+                                  <m:r>
+                                    <m:rPr>
+                                      <m:nor/>
+                                    </m:rPr>
+                                    <a:rPr lang="en-US" altLang="zh-CN" dirty="0">
+                                      <a:solidFill>
+                                        <a:srgbClr val="00B050"/>
+                                      </a:solidFill>
+                                    </a:rPr>
+                                    <m:t> </m:t>
+                                  </m:r>
+                                  <m:sSub>
+                                    <m:sSubPr>
+                                      <m:ctrlPr>
+                                        <a:rPr lang="en-US" altLang="zh-CN" i="1">
+                                          <a:solidFill>
+                                            <a:srgbClr val="00B050"/>
+                                          </a:solidFill>
+                                          <a:latin typeface="Cambria Math" panose="02040503050406030204" pitchFamily="18" charset="0"/>
+                                        </a:rPr>
+                                      </m:ctrlPr>
+                                    </m:sSubPr>
+                                    <m:e>
+                                      <m:r>
+                                        <a:rPr lang="en-US" altLang="zh-CN" i="1">
+                                          <a:solidFill>
+                                            <a:srgbClr val="00B050"/>
+                                          </a:solidFill>
+                                          <a:latin typeface="Cambria Math" panose="02040503050406030204" pitchFamily="18" charset="0"/>
+                                        </a:rPr>
+                                        <m:t>𝑃</m:t>
+                                      </m:r>
+                                    </m:e>
+                                    <m:sub>
+                                      <m:r>
+                                        <a:rPr lang="en-US" altLang="zh-CN" i="1">
+                                          <a:solidFill>
+                                            <a:srgbClr val="00B050"/>
+                                          </a:solidFill>
+                                          <a:latin typeface="Cambria Math" panose="02040503050406030204" pitchFamily="18" charset="0"/>
+                                        </a:rPr>
+                                        <m:t>𝑟𝑒𝑞𝑢𝑒𝑠𝑡</m:t>
+                                      </m:r>
+                                    </m:sub>
+                                  </m:sSub>
+                                  <m:d>
+                                    <m:dPr>
+                                      <m:ctrlPr>
+                                        <a:rPr lang="en-US" altLang="zh-CN" i="1">
+                                          <a:solidFill>
+                                            <a:srgbClr val="00B050"/>
+                                          </a:solidFill>
+                                          <a:latin typeface="Cambria Math" panose="02040503050406030204" pitchFamily="18" charset="0"/>
+                                        </a:rPr>
+                                      </m:ctrlPr>
+                                    </m:dPr>
+                                    <m:e>
+                                      <m:sSub>
+                                        <m:sSubPr>
+                                          <m:ctrlPr>
+                                            <a:rPr lang="en-US" altLang="zh-CN" i="1">
+                                              <a:solidFill>
+                                                <a:srgbClr val="00B050"/>
+                                              </a:solidFill>
+                                              <a:latin typeface="Cambria Math" panose="02040503050406030204" pitchFamily="18" charset="0"/>
+                                            </a:rPr>
+                                          </m:ctrlPr>
+                                        </m:sSubPr>
+                                        <m:e>
+                                          <m:r>
+                                            <a:rPr lang="en-US" altLang="zh-CN" i="1">
+                                              <a:solidFill>
+                                                <a:srgbClr val="00B050"/>
+                                              </a:solidFill>
+                                              <a:latin typeface="Cambria Math" panose="02040503050406030204" pitchFamily="18" charset="0"/>
+                                            </a:rPr>
+                                            <m:t>𝑠</m:t>
+                                          </m:r>
+                                        </m:e>
+                                        <m:sub>
+                                          <m:r>
+                                            <a:rPr lang="en-US" altLang="zh-CN" i="1">
+                                              <a:solidFill>
+                                                <a:srgbClr val="00B050"/>
+                                              </a:solidFill>
+                                              <a:latin typeface="Cambria Math" panose="02040503050406030204" pitchFamily="18" charset="0"/>
+                                            </a:rPr>
+                                            <m:t>2</m:t>
+                                          </m:r>
+                                        </m:sub>
+                                      </m:sSub>
+                                      <m:r>
+                                        <a:rPr lang="en-US" altLang="zh-CN" i="1">
+                                          <a:solidFill>
+                                            <a:srgbClr val="00B050"/>
+                                          </a:solidFill>
+                                          <a:latin typeface="Cambria Math" panose="02040503050406030204" pitchFamily="18" charset="0"/>
+                                        </a:rPr>
+                                        <m:t>,</m:t>
+                                      </m:r>
+                                      <m:sSub>
+                                        <m:sSubPr>
+                                          <m:ctrlPr>
+                                            <a:rPr lang="en-US" altLang="zh-CN" i="1">
+                                              <a:solidFill>
+                                                <a:srgbClr val="00B050"/>
+                                              </a:solidFill>
+                                              <a:latin typeface="Cambria Math" panose="02040503050406030204" pitchFamily="18" charset="0"/>
+                                            </a:rPr>
+                                          </m:ctrlPr>
+                                        </m:sSubPr>
+                                        <m:e>
+                                          <m:r>
+                                            <a:rPr lang="en-US" altLang="zh-CN" i="1">
+                                              <a:solidFill>
+                                                <a:srgbClr val="00B050"/>
+                                              </a:solidFill>
+                                              <a:latin typeface="Cambria Math" panose="02040503050406030204" pitchFamily="18" charset="0"/>
+                                            </a:rPr>
+                                            <m:t>𝑠</m:t>
+                                          </m:r>
+                                        </m:e>
+                                        <m:sub>
+                                          <m:r>
+                                            <a:rPr lang="en-US" altLang="zh-CN" i="1">
+                                              <a:solidFill>
+                                                <a:srgbClr val="00B050"/>
+                                              </a:solidFill>
+                                              <a:latin typeface="Cambria Math" panose="02040503050406030204" pitchFamily="18" charset="0"/>
+                                            </a:rPr>
+                                            <m:t>3</m:t>
+                                          </m:r>
+                                        </m:sub>
+                                      </m:sSub>
+                                    </m:e>
+                                  </m:d>
+                                </m:e>
+                              </m:nary>
+                              <m:r>
+                                <a:rPr kumimoji="1" lang="en-US" altLang="zh-CN" i="1">
+                                  <a:solidFill>
+                                    <a:srgbClr val="00B050"/>
+                                  </a:solidFill>
+                                  <a:latin typeface="Cambria Math" panose="02040503050406030204" pitchFamily="18" charset="0"/>
+                                  <a:ea typeface="Cambria Math" panose="02040503050406030204" pitchFamily="18" charset="0"/>
+                                </a:rPr>
+                                <m:t>×</m:t>
+                              </m:r>
+                              <m:r>
+                                <a:rPr kumimoji="1" lang="en-US" altLang="zh-CN" b="1" i="1">
+                                  <a:solidFill>
+                                    <a:srgbClr val="00B050"/>
+                                  </a:solidFill>
+                                  <a:latin typeface="Cambria Math" panose="02040503050406030204" pitchFamily="18" charset="0"/>
+                                </a:rPr>
+                                <m:t>𝒇𝒆𝒆</m:t>
+                              </m:r>
+                              <m:d>
+                                <m:dPr>
+                                  <m:ctrlPr>
+                                    <a:rPr kumimoji="1" lang="en-US" altLang="zh-CN" b="1" i="1">
+                                      <a:solidFill>
+                                        <a:srgbClr val="00B050"/>
+                                      </a:solidFill>
+                                      <a:latin typeface="Cambria Math" panose="02040503050406030204" pitchFamily="18" charset="0"/>
+                                    </a:rPr>
+                                  </m:ctrlPr>
+                                </m:dPr>
+                                <m:e>
+                                  <m:sSub>
+                                    <m:sSubPr>
+                                      <m:ctrlPr>
+                                        <a:rPr lang="en-US" altLang="zh-CN" i="1">
+                                          <a:solidFill>
+                                            <a:srgbClr val="00B050"/>
+                                          </a:solidFill>
+                                          <a:latin typeface="Cambria Math" panose="02040503050406030204" pitchFamily="18" charset="0"/>
+                                        </a:rPr>
+                                      </m:ctrlPr>
+                                    </m:sSubPr>
+                                    <m:e>
+                                      <m:r>
+                                        <a:rPr lang="en-US" altLang="zh-CN" i="1">
+                                          <a:solidFill>
+                                            <a:srgbClr val="00B050"/>
+                                          </a:solidFill>
+                                          <a:latin typeface="Cambria Math" panose="02040503050406030204" pitchFamily="18" charset="0"/>
+                                        </a:rPr>
+                                        <m:t>𝑠</m:t>
+                                      </m:r>
+                                    </m:e>
+                                    <m:sub>
+                                      <m:r>
+                                        <a:rPr lang="en-US" altLang="zh-CN" i="1">
+                                          <a:solidFill>
+                                            <a:srgbClr val="00B050"/>
+                                          </a:solidFill>
+                                          <a:latin typeface="Cambria Math" panose="02040503050406030204" pitchFamily="18" charset="0"/>
+                                        </a:rPr>
+                                        <m:t>2</m:t>
+                                      </m:r>
+                                    </m:sub>
+                                  </m:sSub>
+                                  <m:r>
+                                    <a:rPr lang="en-US" altLang="zh-CN" i="1">
+                                      <a:solidFill>
+                                        <a:srgbClr val="00B050"/>
+                                      </a:solidFill>
+                                      <a:latin typeface="Cambria Math" panose="02040503050406030204" pitchFamily="18" charset="0"/>
+                                    </a:rPr>
+                                    <m:t>,</m:t>
+                                  </m:r>
+                                  <m:sSub>
+                                    <m:sSubPr>
+                                      <m:ctrlPr>
+                                        <a:rPr lang="en-US" altLang="zh-CN" i="1">
+                                          <a:solidFill>
+                                            <a:srgbClr val="00B050"/>
+                                          </a:solidFill>
+                                          <a:latin typeface="Cambria Math" panose="02040503050406030204" pitchFamily="18" charset="0"/>
+                                        </a:rPr>
+                                      </m:ctrlPr>
+                                    </m:sSubPr>
+                                    <m:e>
+                                      <m:r>
+                                        <a:rPr lang="en-US" altLang="zh-CN" i="1">
+                                          <a:solidFill>
+                                            <a:srgbClr val="00B050"/>
+                                          </a:solidFill>
+                                          <a:latin typeface="Cambria Math" panose="02040503050406030204" pitchFamily="18" charset="0"/>
+                                        </a:rPr>
+                                        <m:t>𝑠</m:t>
+                                      </m:r>
+                                    </m:e>
+                                    <m:sub>
+                                      <m:r>
+                                        <a:rPr lang="en-US" altLang="zh-CN" i="1">
+                                          <a:solidFill>
+                                            <a:srgbClr val="00B050"/>
+                                          </a:solidFill>
+                                          <a:latin typeface="Cambria Math" panose="02040503050406030204" pitchFamily="18" charset="0"/>
+                                        </a:rPr>
+                                        <m:t>3</m:t>
+                                      </m:r>
+                                    </m:sub>
+                                  </m:sSub>
+                                </m:e>
+                              </m:d>
+                            </m:e>
+                          </m:nary>
+                        </m:e>
+                      </m:d>
+                      <m:r>
+                        <a:rPr kumimoji="1" lang="en-US" altLang="zh-CN" b="1" i="1">
+                          <a:solidFill>
+                            <a:srgbClr val="FF0000"/>
+                          </a:solidFill>
+                          <a:latin typeface="Cambria Math" panose="02040503050406030204" pitchFamily="18" charset="0"/>
+                        </a:rPr>
+                        <m:t>−</m:t>
+                      </m:r>
+                      <m:r>
+                        <a:rPr kumimoji="1" lang="en-US" altLang="zh-CN" b="1" i="1">
+                          <a:solidFill>
+                            <a:srgbClr val="FF0000"/>
+                          </a:solidFill>
+                          <a:latin typeface="Cambria Math" panose="02040503050406030204" pitchFamily="18" charset="0"/>
+                          <a:ea typeface="Cambria Math" panose="02040503050406030204" pitchFamily="18" charset="0"/>
+                        </a:rPr>
+                        <m:t>𝜷</m:t>
+                      </m:r>
+                      <m:r>
+                        <a:rPr kumimoji="1" lang="en-US" altLang="zh-CN" b="1" i="1">
+                          <a:solidFill>
+                            <a:srgbClr val="FF0000"/>
+                          </a:solidFill>
+                          <a:latin typeface="Cambria Math" panose="02040503050406030204" pitchFamily="18" charset="0"/>
+                          <a:ea typeface="Cambria Math" panose="02040503050406030204" pitchFamily="18" charset="0"/>
+                        </a:rPr>
+                        <m:t>×</m:t>
+                      </m:r>
+                      <m:r>
+                        <a:rPr kumimoji="1" lang="en-US" altLang="zh-CN" b="1" i="1">
+                          <a:solidFill>
+                            <a:srgbClr val="FF0000"/>
+                          </a:solidFill>
+                          <a:latin typeface="Cambria Math" panose="02040503050406030204" pitchFamily="18" charset="0"/>
+                          <a:ea typeface="Cambria Math" panose="02040503050406030204" pitchFamily="18" charset="0"/>
+                        </a:rPr>
+                        <m:t>𝒕𝒓𝒂𝒗𝒆𝒍</m:t>
+                      </m:r>
+                      <m:r>
+                        <a:rPr kumimoji="1" lang="en-US" altLang="zh-CN" b="1" i="1">
+                          <a:solidFill>
+                            <a:srgbClr val="FF0000"/>
+                          </a:solidFill>
+                          <a:latin typeface="Cambria Math" panose="02040503050406030204" pitchFamily="18" charset="0"/>
+                          <a:ea typeface="Cambria Math" panose="02040503050406030204" pitchFamily="18" charset="0"/>
+                        </a:rPr>
+                        <m:t>_</m:t>
+                      </m:r>
+                      <m:r>
+                        <a:rPr kumimoji="1" lang="en-US" altLang="zh-CN" b="1" i="1">
+                          <a:solidFill>
+                            <a:srgbClr val="FF0000"/>
+                          </a:solidFill>
+                          <a:latin typeface="Cambria Math" panose="02040503050406030204" pitchFamily="18" charset="0"/>
+                          <a:ea typeface="Cambria Math" panose="02040503050406030204" pitchFamily="18" charset="0"/>
+                        </a:rPr>
+                        <m:t>𝒕𝒊𝒎𝒆</m:t>
+                      </m:r>
+                    </m:oMath>
+                  </m:oMathPara>
+                </a14:m>
+                <a:endParaRPr kumimoji="1" lang="zh-CN" altLang="en-US" dirty="0"/>
+              </a:p>
+            </p:txBody>
+          </p:sp>
+        </mc:Choice>
+        <mc:Fallback>
+          <p:sp>
+            <p:nvSpPr>
+              <p:cNvPr id="4" name="文本框 3">
+                <a:extLst>
+                  <a:ext uri="{FF2B5EF4-FFF2-40B4-BE49-F238E27FC236}">
+                    <a16:creationId xmlns:a16="http://schemas.microsoft.com/office/drawing/2014/main" id="{996CDC09-AD6A-6945-8E3D-4420EFE49364}"/>
+                  </a:ext>
+                </a:extLst>
+              </p:cNvPr>
+              <p:cNvSpPr txBox="1">
+                <a:spLocks noRot="1" noChangeAspect="1" noMove="1" noResize="1" noEditPoints="1" noAdjustHandles="1" noChangeArrowheads="1" noChangeShapeType="1" noTextEdit="1"/>
+              </p:cNvSpPr>
+              <p:nvPr/>
+            </p:nvSpPr>
+            <p:spPr>
+              <a:xfrm>
+                <a:off x="485650" y="664029"/>
+                <a:ext cx="11353557" cy="706284"/>
+              </a:xfrm>
+              <a:prstGeom prst="rect">
+                <a:avLst/>
+              </a:prstGeom>
+              <a:blipFill>
+                <a:blip r:embed="rId2"/>
+                <a:stretch>
+                  <a:fillRect t="-133333" b="-182456"/>
+                </a:stretch>
+              </a:blipFill>
+            </p:spPr>
+            <p:txBody>
+              <a:bodyPr/>
+              <a:lstStyle/>
+              <a:p>
+                <a:r>
+                  <a:rPr lang="zh-CN" altLang="en-US">
+                    <a:noFill/>
+                  </a:rPr>
+                  <a:t> </a:t>
+                </a:r>
+              </a:p>
+            </p:txBody>
+          </p:sp>
+        </mc:Fallback>
+      </mc:AlternateContent>
+      <mc:AlternateContent xmlns:mc="http://schemas.openxmlformats.org/markup-compatibility/2006">
+        <mc:Choice xmlns:a14="http://schemas.microsoft.com/office/drawing/2010/main" Requires="a14">
+          <p:sp>
+            <p:nvSpPr>
+              <p:cNvPr id="6" name="矩形 5">
+                <a:extLst>
+                  <a:ext uri="{FF2B5EF4-FFF2-40B4-BE49-F238E27FC236}">
+                    <a16:creationId xmlns:a16="http://schemas.microsoft.com/office/drawing/2014/main" id="{9B4BDC3D-5B99-6347-8CAB-CB92DB130C05}"/>
+                  </a:ext>
+                </a:extLst>
+              </p:cNvPr>
+              <p:cNvSpPr/>
+              <p:nvPr/>
+            </p:nvSpPr>
+            <p:spPr>
+              <a:xfrm>
+                <a:off x="1405293" y="1665905"/>
+                <a:ext cx="9381414" cy="2357440"/>
+              </a:xfrm>
+              <a:prstGeom prst="rect">
+                <a:avLst/>
+              </a:prstGeom>
+            </p:spPr>
+            <p:txBody>
+              <a:bodyPr wrap="none">
+                <a:spAutoFit/>
+              </a:bodyPr>
+              <a:lstStyle/>
+              <a:p>
+                <a:pPr indent="457200" algn="just">
+                  <a:lnSpc>
+                    <a:spcPct val="125000"/>
+                  </a:lnSpc>
+                </a:pPr>
+                <a14:m>
+                  <m:oMathPara xmlns:m="http://schemas.openxmlformats.org/officeDocument/2006/math">
+                    <m:oMathParaPr>
+                      <m:jc m:val="centerGroup"/>
+                    </m:oMathParaPr>
+                    <m:oMath xmlns:m="http://schemas.openxmlformats.org/officeDocument/2006/math">
+                      <m:r>
+                        <a:rPr lang="en-US" altLang="zh-CN" i="1">
+                          <a:latin typeface="Cambria Math" panose="02040503050406030204" pitchFamily="18" charset="0"/>
+                        </a:rPr>
+                        <m:t>𝑉</m:t>
+                      </m:r>
+                      <m:d>
+                        <m:dPr>
+                          <m:ctrlPr>
+                            <a:rPr lang="en-US" altLang="zh-CN" i="1">
+                              <a:latin typeface="Cambria Math" panose="02040503050406030204" pitchFamily="18" charset="0"/>
+                            </a:rPr>
+                          </m:ctrlPr>
+                        </m:dPr>
+                        <m:e>
+                          <m:r>
+                            <a:rPr lang="en-US" altLang="zh-CN" i="1">
+                              <a:latin typeface="Cambria Math" panose="02040503050406030204" pitchFamily="18" charset="0"/>
+                            </a:rPr>
+                            <m:t>𝑠</m:t>
+                          </m:r>
+                        </m:e>
+                      </m:d>
+                      <m:r>
+                        <a:rPr lang="en-US" altLang="zh-CN" i="1">
+                          <a:latin typeface="Cambria Math" panose="02040503050406030204" pitchFamily="18" charset="0"/>
+                        </a:rPr>
+                        <m:t>=</m:t>
+                      </m:r>
+                      <m:nary>
+                        <m:naryPr>
+                          <m:chr m:val="∑"/>
+                          <m:supHide m:val="on"/>
+                          <m:ctrlPr>
+                            <a:rPr lang="en-US" altLang="zh-CN" i="1">
+                              <a:latin typeface="Cambria Math" panose="02040503050406030204" pitchFamily="18" charset="0"/>
+                            </a:rPr>
+                          </m:ctrlPr>
+                        </m:naryPr>
+                        <m:sub>
+                          <m:r>
+                            <m:rPr>
+                              <m:brk m:alnAt="7"/>
+                            </m:rPr>
+                            <a:rPr lang="en-US" altLang="zh-CN" i="1">
+                              <a:latin typeface="Cambria Math" panose="02040503050406030204" pitchFamily="18" charset="0"/>
+                            </a:rPr>
+                            <m:t>𝐴</m:t>
+                          </m:r>
+                          <m:d>
+                            <m:dPr>
+                              <m:ctrlPr>
+                                <a:rPr lang="en-US" altLang="zh-CN" i="1">
+                                  <a:latin typeface="Cambria Math" panose="02040503050406030204" pitchFamily="18" charset="0"/>
+                                </a:rPr>
+                              </m:ctrlPr>
+                            </m:dPr>
+                            <m:e>
+                              <m:r>
+                                <a:rPr lang="en-US" altLang="zh-CN" i="1">
+                                  <a:latin typeface="Cambria Math" panose="02040503050406030204" pitchFamily="18" charset="0"/>
+                                </a:rPr>
+                                <m:t>𝑠</m:t>
+                              </m:r>
+                            </m:e>
+                          </m:d>
+                        </m:sub>
+                        <m:sup/>
+                        <m:e>
+                          <m:r>
+                            <a:rPr lang="en-US" altLang="zh-CN" i="1">
+                              <a:latin typeface="Cambria Math" panose="02040503050406030204" pitchFamily="18" charset="0"/>
+                              <a:ea typeface="Cambria Math" panose="02040503050406030204" pitchFamily="18" charset="0"/>
+                            </a:rPr>
+                            <m:t>𝜋</m:t>
+                          </m:r>
+                          <m:d>
+                            <m:dPr>
+                              <m:ctrlPr>
+                                <a:rPr lang="en-US" altLang="zh-CN" i="1">
+                                  <a:latin typeface="Cambria Math" panose="02040503050406030204" pitchFamily="18" charset="0"/>
+                                  <a:ea typeface="Cambria Math" panose="02040503050406030204" pitchFamily="18" charset="0"/>
+                                </a:rPr>
+                              </m:ctrlPr>
+                            </m:dPr>
+                            <m:e>
+                              <m:r>
+                                <a:rPr lang="en-US" altLang="zh-CN" i="1">
+                                  <a:latin typeface="Cambria Math" panose="02040503050406030204" pitchFamily="18" charset="0"/>
+                                  <a:ea typeface="Cambria Math" panose="02040503050406030204" pitchFamily="18" charset="0"/>
+                                </a:rPr>
+                                <m:t>𝑠</m:t>
+                              </m:r>
+                              <m:r>
+                                <a:rPr lang="en-US" altLang="zh-CN" i="1">
+                                  <a:latin typeface="Cambria Math" panose="02040503050406030204" pitchFamily="18" charset="0"/>
+                                  <a:ea typeface="Cambria Math" panose="02040503050406030204" pitchFamily="18" charset="0"/>
+                                </a:rPr>
+                                <m:t>|</m:t>
+                              </m:r>
+                              <m:r>
+                                <a:rPr lang="en-US" altLang="zh-CN" i="1">
+                                  <a:latin typeface="Cambria Math" panose="02040503050406030204" pitchFamily="18" charset="0"/>
+                                  <a:ea typeface="Cambria Math" panose="02040503050406030204" pitchFamily="18" charset="0"/>
+                                </a:rPr>
+                                <m:t>𝑎</m:t>
+                              </m:r>
+                            </m:e>
+                          </m:d>
+                          <m:d>
+                            <m:dPr>
+                              <m:begChr m:val="["/>
+                              <m:endChr m:val="]"/>
+                              <m:ctrlPr>
+                                <a:rPr lang="mr-IN" altLang="zh-CN" i="1">
+                                  <a:latin typeface="Cambria Math" panose="02040503050406030204" pitchFamily="18" charset="0"/>
+                                  <a:ea typeface="Cambria Math" panose="02040503050406030204" pitchFamily="18" charset="0"/>
+                                  <a:cs typeface="Times New Roman" panose="02020603050405020304" pitchFamily="18" charset="0"/>
+                                </a:rPr>
+                              </m:ctrlPr>
+                            </m:dPr>
+                            <m:e>
+                              <m:r>
+                                <a:rPr lang="en-US" altLang="zh-CN" i="1">
+                                  <a:latin typeface="Cambria Math" panose="02040503050406030204" pitchFamily="18" charset="0"/>
+                                  <a:cs typeface="Times New Roman" panose="02020603050405020304" pitchFamily="18" charset="0"/>
+                                </a:rPr>
+                                <m:t>𝑅</m:t>
+                              </m:r>
+                              <m:d>
+                                <m:dPr>
+                                  <m:ctrlPr>
+                                    <a:rPr lang="en-US" altLang="zh-CN" i="1">
+                                      <a:latin typeface="Cambria Math" panose="02040503050406030204" pitchFamily="18" charset="0"/>
+                                      <a:cs typeface="Times New Roman" panose="02020603050405020304" pitchFamily="18" charset="0"/>
+                                    </a:rPr>
+                                  </m:ctrlPr>
+                                </m:dPr>
+                                <m:e>
+                                  <m:r>
+                                    <a:rPr lang="en-US" altLang="zh-CN" i="1">
+                                      <a:latin typeface="Cambria Math" panose="02040503050406030204" pitchFamily="18" charset="0"/>
+                                      <a:cs typeface="Times New Roman" panose="02020603050405020304" pitchFamily="18" charset="0"/>
+                                    </a:rPr>
+                                    <m:t>𝑠</m:t>
+                                  </m:r>
+                                  <m:r>
+                                    <a:rPr lang="en-US" altLang="zh-CN" i="1">
+                                      <a:latin typeface="Cambria Math" panose="02040503050406030204" pitchFamily="18" charset="0"/>
+                                      <a:cs typeface="Times New Roman" panose="02020603050405020304" pitchFamily="18" charset="0"/>
+                                    </a:rPr>
+                                    <m:t>,</m:t>
+                                  </m:r>
+                                  <m:r>
+                                    <a:rPr lang="en-US" altLang="zh-CN" i="1">
+                                      <a:latin typeface="Cambria Math" panose="02040503050406030204" pitchFamily="18" charset="0"/>
+                                      <a:cs typeface="Times New Roman" panose="02020603050405020304" pitchFamily="18" charset="0"/>
+                                    </a:rPr>
+                                    <m:t>𝑎</m:t>
+                                  </m:r>
+                                </m:e>
+                              </m:d>
+                              <m:r>
+                                <a:rPr lang="en-US" altLang="zh-CN" i="1">
+                                  <a:latin typeface="Cambria Math" charset="0"/>
+                                  <a:cs typeface="Times New Roman" panose="02020603050405020304" pitchFamily="18" charset="0"/>
+                                </a:rPr>
+                                <m:t>+</m:t>
+                              </m:r>
+                              <m:r>
+                                <m:rPr>
+                                  <m:sty m:val="p"/>
+                                </m:rPr>
+                                <a:rPr lang="en-US" altLang="zh-CN" dirty="0">
+                                  <a:latin typeface="Cambria Math" charset="0"/>
+                                  <a:ea typeface="Cambria Math" charset="0"/>
+                                </a:rPr>
+                                <m:t>γ</m:t>
+                              </m:r>
+                              <m:nary>
+                                <m:naryPr>
+                                  <m:chr m:val="∑"/>
+                                  <m:supHide m:val="on"/>
+                                  <m:ctrlPr>
+                                    <a:rPr lang="en-US" altLang="zh-CN" i="1" dirty="0">
+                                      <a:latin typeface="Cambria Math" panose="02040503050406030204" pitchFamily="18" charset="0"/>
+                                      <a:ea typeface="Cambria Math" charset="0"/>
+                                    </a:rPr>
+                                  </m:ctrlPr>
+                                </m:naryPr>
+                                <m:sub>
+                                  <m:r>
+                                    <a:rPr lang="en-US" altLang="zh-CN" i="1" dirty="0">
+                                      <a:latin typeface="Cambria Math" panose="02040503050406030204" pitchFamily="18" charset="0"/>
+                                      <a:ea typeface="Cambria Math" panose="02040503050406030204" pitchFamily="18" charset="0"/>
+                                    </a:rPr>
+                                    <m:t>𝕤</m:t>
+                                  </m:r>
+                                  <m:r>
+                                    <m:rPr>
+                                      <m:brk m:alnAt="7"/>
+                                    </m:rPr>
+                                    <a:rPr lang="en-US" altLang="zh-CN" i="1" dirty="0">
+                                      <a:latin typeface="Cambria Math" charset="0"/>
+                                      <a:ea typeface="Cambria Math" charset="0"/>
+                                      <a:cs typeface="Cambria Math" charset="0"/>
+                                    </a:rPr>
+                                    <m:t>∈</m:t>
+                                  </m:r>
+                                  <m:r>
+                                    <a:rPr lang="en-US" altLang="zh-CN" i="1" dirty="0">
+                                      <a:latin typeface="Cambria Math" charset="0"/>
+                                      <a:ea typeface="Cambria Math" charset="0"/>
+                                      <a:cs typeface="Cambria Math" charset="0"/>
+                                    </a:rPr>
+                                    <m:t>𝑆</m:t>
+                                  </m:r>
+                                </m:sub>
+                                <m:sup/>
+                                <m:e>
+                                  <m:r>
+                                    <a:rPr lang="en-US" altLang="zh-CN" i="1">
+                                      <a:latin typeface="Cambria Math" panose="02040503050406030204" pitchFamily="18" charset="0"/>
+                                      <a:cs typeface="Times New Roman" panose="02020603050405020304" pitchFamily="18" charset="0"/>
+                                    </a:rPr>
+                                    <m:t>𝑃</m:t>
+                                  </m:r>
+                                  <m:d>
+                                    <m:dPr>
+                                      <m:ctrlPr>
+                                        <a:rPr lang="en-US" altLang="zh-CN" i="1">
+                                          <a:latin typeface="Cambria Math" panose="02040503050406030204" pitchFamily="18" charset="0"/>
+                                          <a:cs typeface="Times New Roman" panose="02020603050405020304" pitchFamily="18" charset="0"/>
+                                        </a:rPr>
+                                      </m:ctrlPr>
+                                    </m:dPr>
+                                    <m:e>
+                                      <m:r>
+                                        <a:rPr lang="en-US" altLang="zh-CN" i="1">
+                                          <a:latin typeface="Cambria Math" panose="02040503050406030204" pitchFamily="18" charset="0"/>
+                                          <a:cs typeface="Times New Roman" panose="02020603050405020304" pitchFamily="18" charset="0"/>
+                                        </a:rPr>
+                                        <m:t>𝑠</m:t>
+                                      </m:r>
+                                      <m:r>
+                                        <a:rPr lang="en-US" altLang="zh-CN" i="1">
+                                          <a:latin typeface="Cambria Math" panose="02040503050406030204" pitchFamily="18" charset="0"/>
+                                          <a:cs typeface="Times New Roman" panose="02020603050405020304" pitchFamily="18" charset="0"/>
+                                        </a:rPr>
+                                        <m:t>,</m:t>
+                                      </m:r>
+                                      <m:r>
+                                        <a:rPr lang="en-US" altLang="zh-CN" i="1">
+                                          <a:latin typeface="Cambria Math" panose="02040503050406030204" pitchFamily="18" charset="0"/>
+                                          <a:cs typeface="Times New Roman" panose="02020603050405020304" pitchFamily="18" charset="0"/>
+                                        </a:rPr>
+                                        <m:t>𝑎</m:t>
+                                      </m:r>
+                                      <m:r>
+                                        <a:rPr lang="en-US" altLang="zh-CN" i="1">
+                                          <a:latin typeface="Cambria Math" panose="02040503050406030204" pitchFamily="18" charset="0"/>
+                                          <a:cs typeface="Times New Roman" panose="02020603050405020304" pitchFamily="18" charset="0"/>
+                                        </a:rPr>
+                                        <m:t>,</m:t>
+                                      </m:r>
+                                      <m:r>
+                                        <a:rPr lang="en-US" altLang="zh-CN" i="1">
+                                          <a:latin typeface="Cambria Math" panose="02040503050406030204" pitchFamily="18" charset="0"/>
+                                          <a:ea typeface="Cambria Math" panose="02040503050406030204" pitchFamily="18" charset="0"/>
+                                          <a:cs typeface="Times New Roman" panose="02020603050405020304" pitchFamily="18" charset="0"/>
+                                        </a:rPr>
+                                        <m:t>𝕤</m:t>
+                                      </m:r>
+                                      <m:r>
+                                        <a:rPr lang="en-US" altLang="zh-CN" i="1">
+                                          <a:latin typeface="Cambria Math" panose="02040503050406030204" pitchFamily="18" charset="0"/>
+                                          <a:cs typeface="Times New Roman" panose="02020603050405020304" pitchFamily="18" charset="0"/>
+                                        </a:rPr>
+                                        <m:t> </m:t>
+                                      </m:r>
+                                    </m:e>
+                                  </m:d>
+                                  <m:sSub>
+                                    <m:sSubPr>
+                                      <m:ctrlPr>
+                                        <a:rPr lang="en" altLang="zh-CN" i="1">
+                                          <a:solidFill>
+                                            <a:schemeClr val="tx1">
+                                              <a:lumMod val="95000"/>
+                                              <a:lumOff val="5000"/>
+                                            </a:schemeClr>
+                                          </a:solidFill>
+                                          <a:latin typeface="Cambria Math" panose="02040503050406030204" pitchFamily="18" charset="0"/>
+                                          <a:cs typeface="Times New Roman" panose="02020603050405020304" pitchFamily="18" charset="0"/>
+                                        </a:rPr>
+                                      </m:ctrlPr>
+                                    </m:sSubPr>
+                                    <m:e>
+                                      <m:r>
+                                        <a:rPr lang="en-US" altLang="zh-CN" i="1">
+                                          <a:solidFill>
+                                            <a:schemeClr val="tx1">
+                                              <a:lumMod val="95000"/>
+                                              <a:lumOff val="5000"/>
+                                            </a:schemeClr>
+                                          </a:solidFill>
+                                          <a:latin typeface="Cambria Math" panose="02040503050406030204" pitchFamily="18" charset="0"/>
+                                          <a:cs typeface="Times New Roman" panose="02020603050405020304" pitchFamily="18" charset="0"/>
+                                        </a:rPr>
+                                        <m:t>𝑉</m:t>
+                                      </m:r>
+                                    </m:e>
+                                    <m:sub>
+                                      <m:r>
+                                        <a:rPr lang="en" altLang="zh-CN" i="1">
+                                          <a:solidFill>
+                                            <a:schemeClr val="tx1">
+                                              <a:lumMod val="95000"/>
+                                              <a:lumOff val="5000"/>
+                                            </a:schemeClr>
+                                          </a:solidFill>
+                                          <a:latin typeface="Cambria Math" panose="02040503050406030204" pitchFamily="18" charset="0"/>
+                                          <a:ea typeface="Cambria Math" panose="02040503050406030204" pitchFamily="18" charset="0"/>
+                                          <a:cs typeface="Times New Roman" panose="02020603050405020304" pitchFamily="18" charset="0"/>
+                                        </a:rPr>
+                                        <m:t>𝜋</m:t>
+                                      </m:r>
+                                    </m:sub>
+                                  </m:sSub>
+                                  <m:d>
+                                    <m:dPr>
+                                      <m:ctrlPr>
+                                        <a:rPr lang="en" altLang="zh-CN" i="1">
+                                          <a:solidFill>
+                                            <a:schemeClr val="tx1">
+                                              <a:lumMod val="95000"/>
+                                              <a:lumOff val="5000"/>
+                                            </a:schemeClr>
+                                          </a:solidFill>
+                                          <a:latin typeface="Cambria Math" panose="02040503050406030204" pitchFamily="18" charset="0"/>
+                                          <a:cs typeface="Times New Roman" panose="02020603050405020304" pitchFamily="18" charset="0"/>
+                                        </a:rPr>
+                                      </m:ctrlPr>
+                                    </m:dPr>
+                                    <m:e>
+                                      <m:r>
+                                        <a:rPr lang="en" altLang="zh-CN" i="1">
+                                          <a:solidFill>
+                                            <a:schemeClr val="tx1">
+                                              <a:lumMod val="95000"/>
+                                              <a:lumOff val="5000"/>
+                                            </a:schemeClr>
+                                          </a:solidFill>
+                                          <a:latin typeface="Cambria Math" panose="02040503050406030204" pitchFamily="18" charset="0"/>
+                                          <a:ea typeface="Cambria Math" panose="02040503050406030204" pitchFamily="18" charset="0"/>
+                                          <a:cs typeface="Times New Roman" panose="02020603050405020304" pitchFamily="18" charset="0"/>
+                                        </a:rPr>
+                                        <m:t>𝕤</m:t>
+                                      </m:r>
+                                    </m:e>
+                                  </m:d>
+                                </m:e>
+                              </m:nary>
+                            </m:e>
+                          </m:d>
+                        </m:e>
+                      </m:nary>
+                    </m:oMath>
+                  </m:oMathPara>
+                </a14:m>
+                <a:endParaRPr lang="en-US" altLang="zh-CN" i="1" dirty="0">
+                  <a:latin typeface="Cambria Math" panose="02040503050406030204" pitchFamily="18" charset="0"/>
+                </a:endParaRPr>
+              </a:p>
+              <a:p>
+                <a:pPr indent="457200" algn="just">
+                  <a:lnSpc>
+                    <a:spcPct val="125000"/>
+                  </a:lnSpc>
+                </a:pPr>
+                <a:endParaRPr lang="en-US" altLang="zh-CN" i="1" dirty="0">
+                  <a:latin typeface="Cambria Math" panose="02040503050406030204" pitchFamily="18" charset="0"/>
+                </a:endParaRPr>
+              </a:p>
+              <a:p>
+                <a:pPr indent="457200" algn="just">
+                  <a:lnSpc>
+                    <a:spcPct val="125000"/>
+                  </a:lnSpc>
+                </a:pPr>
+                <a14:m>
+                  <m:oMathPara xmlns:m="http://schemas.openxmlformats.org/officeDocument/2006/math">
+                    <m:oMathParaPr>
+                      <m:jc m:val="centerGroup"/>
+                    </m:oMathParaPr>
+                    <m:oMath xmlns:m="http://schemas.openxmlformats.org/officeDocument/2006/math">
+                      <m:r>
+                        <a:rPr lang="en-US" altLang="zh-CN" i="1">
+                          <a:latin typeface="Cambria Math" panose="02040503050406030204" pitchFamily="18" charset="0"/>
+                        </a:rPr>
+                        <m:t>=</m:t>
+                      </m:r>
+                      <m:nary>
+                        <m:naryPr>
+                          <m:chr m:val="∑"/>
+                          <m:supHide m:val="on"/>
+                          <m:ctrlPr>
+                            <a:rPr lang="en-US" altLang="zh-CN" i="1">
+                              <a:latin typeface="Cambria Math" panose="02040503050406030204" pitchFamily="18" charset="0"/>
+                            </a:rPr>
+                          </m:ctrlPr>
+                        </m:naryPr>
+                        <m:sub>
+                          <m:r>
+                            <m:rPr>
+                              <m:brk m:alnAt="7"/>
+                            </m:rPr>
+                            <a:rPr lang="en-US" altLang="zh-CN" i="1">
+                              <a:latin typeface="Cambria Math" panose="02040503050406030204" pitchFamily="18" charset="0"/>
+                            </a:rPr>
+                            <m:t>𝐴</m:t>
+                          </m:r>
+                          <m:d>
+                            <m:dPr>
+                              <m:ctrlPr>
+                                <a:rPr lang="en-US" altLang="zh-CN" i="1">
+                                  <a:latin typeface="Cambria Math" panose="02040503050406030204" pitchFamily="18" charset="0"/>
+                                </a:rPr>
+                              </m:ctrlPr>
+                            </m:dPr>
+                            <m:e>
+                              <m:r>
+                                <a:rPr lang="en-US" altLang="zh-CN" i="1">
+                                  <a:latin typeface="Cambria Math" panose="02040503050406030204" pitchFamily="18" charset="0"/>
+                                </a:rPr>
+                                <m:t>𝑠</m:t>
+                              </m:r>
+                            </m:e>
+                          </m:d>
+                        </m:sub>
+                        <m:sup/>
+                        <m:e>
+                          <m:r>
+                            <a:rPr lang="en-US" altLang="zh-CN" i="1">
+                              <a:latin typeface="Cambria Math" panose="02040503050406030204" pitchFamily="18" charset="0"/>
+                              <a:ea typeface="Cambria Math" panose="02040503050406030204" pitchFamily="18" charset="0"/>
+                            </a:rPr>
+                            <m:t>𝜋</m:t>
+                          </m:r>
+                          <m:d>
+                            <m:dPr>
+                              <m:ctrlPr>
+                                <a:rPr lang="en-US" altLang="zh-CN" i="1">
+                                  <a:latin typeface="Cambria Math" panose="02040503050406030204" pitchFamily="18" charset="0"/>
+                                  <a:ea typeface="Cambria Math" panose="02040503050406030204" pitchFamily="18" charset="0"/>
+                                </a:rPr>
+                              </m:ctrlPr>
+                            </m:dPr>
+                            <m:e>
+                              <m:r>
+                                <a:rPr lang="en-US" altLang="zh-CN" i="1">
+                                  <a:latin typeface="Cambria Math" panose="02040503050406030204" pitchFamily="18" charset="0"/>
+                                  <a:ea typeface="Cambria Math" panose="02040503050406030204" pitchFamily="18" charset="0"/>
+                                </a:rPr>
+                                <m:t>𝑠</m:t>
+                              </m:r>
+                              <m:r>
+                                <a:rPr lang="en-US" altLang="zh-CN" i="1">
+                                  <a:latin typeface="Cambria Math" panose="02040503050406030204" pitchFamily="18" charset="0"/>
+                                  <a:ea typeface="Cambria Math" panose="02040503050406030204" pitchFamily="18" charset="0"/>
+                                </a:rPr>
+                                <m:t>|</m:t>
+                              </m:r>
+                              <m:r>
+                                <a:rPr lang="en-US" altLang="zh-CN" i="1">
+                                  <a:latin typeface="Cambria Math" panose="02040503050406030204" pitchFamily="18" charset="0"/>
+                                  <a:ea typeface="Cambria Math" panose="02040503050406030204" pitchFamily="18" charset="0"/>
+                                </a:rPr>
+                                <m:t>𝑎</m:t>
+                              </m:r>
+                            </m:e>
+                          </m:d>
+                        </m:e>
+                      </m:nary>
+                      <m:d>
+                        <m:dPr>
+                          <m:begChr m:val="["/>
+                          <m:endChr m:val="]"/>
+                          <m:ctrlPr>
+                            <a:rPr lang="en-US" altLang="zh-CN" i="1">
+                              <a:latin typeface="Cambria Math" panose="02040503050406030204" pitchFamily="18" charset="0"/>
+                              <a:ea typeface="Cambria Math" panose="02040503050406030204" pitchFamily="18" charset="0"/>
+                            </a:rPr>
+                          </m:ctrlPr>
+                        </m:dPr>
+                        <m:e>
+                          <m:r>
+                            <a:rPr lang="en-US" altLang="zh-CN" i="1">
+                              <a:latin typeface="Cambria Math" panose="02040503050406030204" pitchFamily="18" charset="0"/>
+                              <a:cs typeface="Times New Roman" panose="02020603050405020304" pitchFamily="18" charset="0"/>
+                            </a:rPr>
+                            <m:t>𝑃</m:t>
+                          </m:r>
+                          <m:d>
+                            <m:dPr>
+                              <m:ctrlPr>
+                                <a:rPr lang="en-US" altLang="zh-CN" i="1">
+                                  <a:latin typeface="Cambria Math" panose="02040503050406030204" pitchFamily="18" charset="0"/>
+                                  <a:cs typeface="Times New Roman" panose="02020603050405020304" pitchFamily="18" charset="0"/>
+                                </a:rPr>
+                              </m:ctrlPr>
+                            </m:dPr>
+                            <m:e>
+                              <m:r>
+                                <a:rPr lang="en-US" altLang="zh-CN" i="1">
+                                  <a:latin typeface="Cambria Math" panose="02040503050406030204" pitchFamily="18" charset="0"/>
+                                  <a:cs typeface="Times New Roman" panose="02020603050405020304" pitchFamily="18" charset="0"/>
+                                </a:rPr>
+                                <m:t>𝑠</m:t>
+                              </m:r>
+                              <m:r>
+                                <a:rPr lang="en-US" altLang="zh-CN" i="1">
+                                  <a:latin typeface="Cambria Math" panose="02040503050406030204" pitchFamily="18" charset="0"/>
+                                  <a:cs typeface="Times New Roman" panose="02020603050405020304" pitchFamily="18" charset="0"/>
+                                </a:rPr>
+                                <m:t>,</m:t>
+                              </m:r>
+                              <m:r>
+                                <a:rPr lang="en-US" altLang="zh-CN" i="1">
+                                  <a:latin typeface="Cambria Math" panose="02040503050406030204" pitchFamily="18" charset="0"/>
+                                  <a:cs typeface="Times New Roman" panose="02020603050405020304" pitchFamily="18" charset="0"/>
+                                </a:rPr>
+                                <m:t>𝑎</m:t>
+                              </m:r>
+                              <m:r>
+                                <a:rPr lang="en-US" altLang="zh-CN" i="1">
+                                  <a:latin typeface="Cambria Math" panose="02040503050406030204" pitchFamily="18" charset="0"/>
+                                  <a:cs typeface="Times New Roman" panose="02020603050405020304" pitchFamily="18" charset="0"/>
+                                </a:rPr>
+                                <m:t>,</m:t>
+                              </m:r>
+                              <m:sSup>
+                                <m:sSupPr>
+                                  <m:ctrlPr>
+                                    <a:rPr lang="en-US" altLang="zh-CN" i="1">
+                                      <a:latin typeface="Cambria Math" panose="02040503050406030204" pitchFamily="18" charset="0"/>
+                                      <a:cs typeface="Times New Roman" panose="02020603050405020304" pitchFamily="18" charset="0"/>
+                                    </a:rPr>
+                                  </m:ctrlPr>
+                                </m:sSupPr>
+                                <m:e>
+                                  <m:r>
+                                    <a:rPr lang="en-US" altLang="zh-CN" i="1">
+                                      <a:latin typeface="Cambria Math" panose="02040503050406030204" pitchFamily="18" charset="0"/>
+                                      <a:cs typeface="Times New Roman" panose="02020603050405020304" pitchFamily="18" charset="0"/>
+                                    </a:rPr>
+                                    <m:t>𝑠</m:t>
+                                  </m:r>
+                                </m:e>
+                                <m:sup>
+                                  <m:r>
+                                    <a:rPr lang="en-US" altLang="zh-CN" i="1">
+                                      <a:latin typeface="Cambria Math" panose="02040503050406030204" pitchFamily="18" charset="0"/>
+                                      <a:cs typeface="Times New Roman" panose="02020603050405020304" pitchFamily="18" charset="0"/>
+                                    </a:rPr>
+                                    <m:t>′</m:t>
+                                  </m:r>
+                                </m:sup>
+                              </m:sSup>
+                            </m:e>
+                          </m:d>
+                          <m:r>
+                            <a:rPr lang="en-US" altLang="zh-CN" i="1">
+                              <a:latin typeface="Cambria Math" panose="02040503050406030204" pitchFamily="18" charset="0"/>
+                              <a:ea typeface="Cambria Math" panose="02040503050406030204" pitchFamily="18" charset="0"/>
+                              <a:cs typeface="Times New Roman" panose="02020603050405020304" pitchFamily="18" charset="0"/>
+                            </a:rPr>
+                            <m:t>∙</m:t>
+                          </m:r>
+                          <m:d>
+                            <m:dPr>
+                              <m:ctrlPr>
+                                <a:rPr lang="en-US" altLang="zh-CN" i="1">
+                                  <a:latin typeface="Cambria Math" panose="02040503050406030204" pitchFamily="18" charset="0"/>
+                                  <a:ea typeface="Cambria Math" panose="02040503050406030204" pitchFamily="18" charset="0"/>
+                                  <a:cs typeface="Times New Roman" panose="02020603050405020304" pitchFamily="18" charset="0"/>
+                                </a:rPr>
+                              </m:ctrlPr>
+                            </m:dPr>
+                            <m:e>
+                              <m:r>
+                                <a:rPr lang="en-US" altLang="zh-CN" i="1">
+                                  <a:latin typeface="Cambria Math" panose="02040503050406030204" pitchFamily="18" charset="0"/>
+                                  <a:cs typeface="Times New Roman" panose="02020603050405020304" pitchFamily="18" charset="0"/>
+                                </a:rPr>
+                                <m:t>𝑅</m:t>
+                              </m:r>
+                              <m:d>
+                                <m:dPr>
+                                  <m:ctrlPr>
+                                    <a:rPr lang="en-US" altLang="zh-CN" i="1">
+                                      <a:latin typeface="Cambria Math" panose="02040503050406030204" pitchFamily="18" charset="0"/>
+                                      <a:cs typeface="Times New Roman" panose="02020603050405020304" pitchFamily="18" charset="0"/>
+                                    </a:rPr>
+                                  </m:ctrlPr>
+                                </m:dPr>
+                                <m:e>
+                                  <m:r>
+                                    <a:rPr lang="en-US" altLang="zh-CN" i="1">
+                                      <a:latin typeface="Cambria Math" panose="02040503050406030204" pitchFamily="18" charset="0"/>
+                                      <a:cs typeface="Times New Roman" panose="02020603050405020304" pitchFamily="18" charset="0"/>
+                                    </a:rPr>
+                                    <m:t>𝑠</m:t>
+                                  </m:r>
+                                  <m:r>
+                                    <a:rPr lang="en-US" altLang="zh-CN" i="1">
+                                      <a:latin typeface="Cambria Math" panose="02040503050406030204" pitchFamily="18" charset="0"/>
+                                      <a:cs typeface="Times New Roman" panose="02020603050405020304" pitchFamily="18" charset="0"/>
+                                    </a:rPr>
+                                    <m:t>,</m:t>
+                                  </m:r>
+                                  <m:r>
+                                    <a:rPr lang="en-US" altLang="zh-CN" i="1">
+                                      <a:latin typeface="Cambria Math" panose="02040503050406030204" pitchFamily="18" charset="0"/>
+                                      <a:cs typeface="Times New Roman" panose="02020603050405020304" pitchFamily="18" charset="0"/>
+                                    </a:rPr>
+                                    <m:t>𝑎</m:t>
+                                  </m:r>
+                                  <m:r>
+                                    <a:rPr lang="en-US" altLang="zh-CN" i="1">
+                                      <a:latin typeface="Cambria Math" panose="02040503050406030204" pitchFamily="18" charset="0"/>
+                                      <a:cs typeface="Times New Roman" panose="02020603050405020304" pitchFamily="18" charset="0"/>
+                                    </a:rPr>
+                                    <m:t>,</m:t>
+                                  </m:r>
+                                  <m:sSup>
+                                    <m:sSupPr>
+                                      <m:ctrlPr>
+                                        <a:rPr lang="en-US" altLang="zh-CN" i="1">
+                                          <a:latin typeface="Cambria Math" panose="02040503050406030204" pitchFamily="18" charset="0"/>
+                                          <a:cs typeface="Times New Roman" panose="02020603050405020304" pitchFamily="18" charset="0"/>
+                                        </a:rPr>
+                                      </m:ctrlPr>
+                                    </m:sSupPr>
+                                    <m:e>
+                                      <m:r>
+                                        <a:rPr lang="en-US" altLang="zh-CN" i="1">
+                                          <a:latin typeface="Cambria Math" panose="02040503050406030204" pitchFamily="18" charset="0"/>
+                                          <a:cs typeface="Times New Roman" panose="02020603050405020304" pitchFamily="18" charset="0"/>
+                                        </a:rPr>
+                                        <m:t>𝑠</m:t>
+                                      </m:r>
+                                    </m:e>
+                                    <m:sup>
+                                      <m:r>
+                                        <a:rPr lang="en-US" altLang="zh-CN" i="1">
+                                          <a:latin typeface="Cambria Math" panose="02040503050406030204" pitchFamily="18" charset="0"/>
+                                          <a:cs typeface="Times New Roman" panose="02020603050405020304" pitchFamily="18" charset="0"/>
+                                        </a:rPr>
+                                        <m:t>′</m:t>
+                                      </m:r>
+                                    </m:sup>
+                                  </m:sSup>
+                                </m:e>
+                              </m:d>
+                              <m:r>
+                                <a:rPr lang="en-US" altLang="zh-CN" i="1">
+                                  <a:latin typeface="Cambria Math" panose="02040503050406030204" pitchFamily="18" charset="0"/>
+                                  <a:cs typeface="Times New Roman" panose="02020603050405020304" pitchFamily="18" charset="0"/>
+                                </a:rPr>
+                                <m:t>+</m:t>
+                              </m:r>
+                              <m:r>
+                                <m:rPr>
+                                  <m:sty m:val="p"/>
+                                </m:rPr>
+                                <a:rPr lang="en-US" altLang="zh-CN" dirty="0">
+                                  <a:latin typeface="Cambria Math" charset="0"/>
+                                  <a:ea typeface="Cambria Math" charset="0"/>
+                                </a:rPr>
+                                <m:t>γ</m:t>
+                              </m:r>
+                              <m:r>
+                                <a:rPr lang="en-US" altLang="zh-CN" i="1" dirty="0">
+                                  <a:latin typeface="Cambria Math" panose="02040503050406030204" pitchFamily="18" charset="0"/>
+                                  <a:ea typeface="Cambria Math" panose="02040503050406030204" pitchFamily="18" charset="0"/>
+                                </a:rPr>
+                                <m:t>∙</m:t>
+                              </m:r>
+                              <m:sSub>
+                                <m:sSubPr>
+                                  <m:ctrlPr>
+                                    <a:rPr lang="en" altLang="zh-CN" i="1">
+                                      <a:solidFill>
+                                        <a:schemeClr val="tx1">
+                                          <a:lumMod val="95000"/>
+                                          <a:lumOff val="5000"/>
+                                        </a:schemeClr>
+                                      </a:solidFill>
+                                      <a:latin typeface="Cambria Math" panose="02040503050406030204" pitchFamily="18" charset="0"/>
+                                      <a:cs typeface="Times New Roman" panose="02020603050405020304" pitchFamily="18" charset="0"/>
+                                    </a:rPr>
+                                  </m:ctrlPr>
+                                </m:sSubPr>
+                                <m:e>
+                                  <m:r>
+                                    <a:rPr lang="en-US" altLang="zh-CN" i="1">
+                                      <a:solidFill>
+                                        <a:schemeClr val="tx1">
+                                          <a:lumMod val="95000"/>
+                                          <a:lumOff val="5000"/>
+                                        </a:schemeClr>
+                                      </a:solidFill>
+                                      <a:latin typeface="Cambria Math" panose="02040503050406030204" pitchFamily="18" charset="0"/>
+                                      <a:cs typeface="Times New Roman" panose="02020603050405020304" pitchFamily="18" charset="0"/>
+                                    </a:rPr>
+                                    <m:t>𝑉</m:t>
+                                  </m:r>
+                                </m:e>
+                                <m:sub>
+                                  <m:r>
+                                    <a:rPr lang="en" altLang="zh-CN" i="1">
+                                      <a:solidFill>
+                                        <a:schemeClr val="tx1">
+                                          <a:lumMod val="95000"/>
+                                          <a:lumOff val="5000"/>
+                                        </a:schemeClr>
+                                      </a:solidFill>
+                                      <a:latin typeface="Cambria Math" panose="02040503050406030204" pitchFamily="18" charset="0"/>
+                                      <a:ea typeface="Cambria Math" panose="02040503050406030204" pitchFamily="18" charset="0"/>
+                                      <a:cs typeface="Times New Roman" panose="02020603050405020304" pitchFamily="18" charset="0"/>
+                                    </a:rPr>
+                                    <m:t>𝜋</m:t>
+                                  </m:r>
+                                </m:sub>
+                              </m:sSub>
+                              <m:d>
+                                <m:dPr>
+                                  <m:ctrlPr>
+                                    <a:rPr lang="en" altLang="zh-CN" i="1">
+                                      <a:solidFill>
+                                        <a:schemeClr val="tx1">
+                                          <a:lumMod val="95000"/>
+                                          <a:lumOff val="5000"/>
+                                        </a:schemeClr>
+                                      </a:solidFill>
+                                      <a:latin typeface="Cambria Math" panose="02040503050406030204" pitchFamily="18" charset="0"/>
+                                      <a:cs typeface="Times New Roman" panose="02020603050405020304" pitchFamily="18" charset="0"/>
+                                    </a:rPr>
+                                  </m:ctrlPr>
+                                </m:dPr>
+                                <m:e>
+                                  <m:sSup>
+                                    <m:sSupPr>
+                                      <m:ctrlPr>
+                                        <a:rPr lang="en-US" altLang="zh-CN" i="1">
+                                          <a:latin typeface="Cambria Math" panose="02040503050406030204" pitchFamily="18" charset="0"/>
+                                          <a:cs typeface="Times New Roman" panose="02020603050405020304" pitchFamily="18" charset="0"/>
+                                        </a:rPr>
+                                      </m:ctrlPr>
+                                    </m:sSupPr>
+                                    <m:e>
+                                      <m:r>
+                                        <a:rPr lang="en-US" altLang="zh-CN" i="1">
+                                          <a:latin typeface="Cambria Math" panose="02040503050406030204" pitchFamily="18" charset="0"/>
+                                          <a:cs typeface="Times New Roman" panose="02020603050405020304" pitchFamily="18" charset="0"/>
+                                        </a:rPr>
+                                        <m:t>𝑠</m:t>
+                                      </m:r>
+                                    </m:e>
+                                    <m:sup>
+                                      <m:r>
+                                        <a:rPr lang="en-US" altLang="zh-CN" i="1">
+                                          <a:latin typeface="Cambria Math" panose="02040503050406030204" pitchFamily="18" charset="0"/>
+                                          <a:cs typeface="Times New Roman" panose="02020603050405020304" pitchFamily="18" charset="0"/>
+                                        </a:rPr>
+                                        <m:t>′</m:t>
+                                      </m:r>
+                                    </m:sup>
+                                  </m:sSup>
+                                </m:e>
+                              </m:d>
+                            </m:e>
+                          </m:d>
+                          <m:r>
+                            <a:rPr lang="en-US" altLang="zh-CN" i="1">
+                              <a:latin typeface="Cambria Math" panose="02040503050406030204" pitchFamily="18" charset="0"/>
+                              <a:ea typeface="Cambria Math" panose="02040503050406030204" pitchFamily="18" charset="0"/>
+                              <a:cs typeface="Times New Roman" panose="02020603050405020304" pitchFamily="18" charset="0"/>
+                            </a:rPr>
+                            <m:t>+</m:t>
+                          </m:r>
+                          <m:nary>
+                            <m:naryPr>
+                              <m:chr m:val="∑"/>
+                              <m:supHide m:val="on"/>
+                              <m:ctrlPr>
+                                <a:rPr lang="en-US" altLang="zh-CN" i="1">
+                                  <a:latin typeface="Cambria Math" panose="02040503050406030204" pitchFamily="18" charset="0"/>
+                                  <a:ea typeface="Cambria Math" panose="02040503050406030204" pitchFamily="18" charset="0"/>
+                                  <a:cs typeface="Times New Roman" panose="02020603050405020304" pitchFamily="18" charset="0"/>
+                                </a:rPr>
+                              </m:ctrlPr>
+                            </m:naryPr>
+                            <m:sub>
+                              <m:sSup>
+                                <m:sSupPr>
+                                  <m:ctrlPr>
+                                    <a:rPr lang="en-US" altLang="zh-CN" i="1">
+                                      <a:latin typeface="Cambria Math" panose="02040503050406030204" pitchFamily="18" charset="0"/>
+                                      <a:ea typeface="Cambria Math" panose="02040503050406030204" pitchFamily="18" charset="0"/>
+                                      <a:cs typeface="Times New Roman" panose="02020603050405020304" pitchFamily="18" charset="0"/>
+                                    </a:rPr>
+                                  </m:ctrlPr>
+                                </m:sSupPr>
+                                <m:e>
+                                  <m:r>
+                                    <a:rPr lang="en-US" altLang="zh-CN" i="1">
+                                      <a:latin typeface="Cambria Math" panose="02040503050406030204" pitchFamily="18" charset="0"/>
+                                      <a:ea typeface="Cambria Math" panose="02040503050406030204" pitchFamily="18" charset="0"/>
+                                      <a:cs typeface="Times New Roman" panose="02020603050405020304" pitchFamily="18" charset="0"/>
+                                    </a:rPr>
+                                    <m:t>𝑠</m:t>
+                                  </m:r>
+                                </m:e>
+                                <m:sup>
+                                  <m:r>
+                                    <a:rPr lang="en-US" altLang="zh-CN" i="1">
+                                      <a:latin typeface="Cambria Math" panose="02040503050406030204" pitchFamily="18" charset="0"/>
+                                      <a:ea typeface="Cambria Math" panose="02040503050406030204" pitchFamily="18" charset="0"/>
+                                      <a:cs typeface="Times New Roman" panose="02020603050405020304" pitchFamily="18" charset="0"/>
+                                    </a:rPr>
+                                    <m:t>′′</m:t>
+                                  </m:r>
+                                </m:sup>
+                              </m:sSup>
+                            </m:sub>
+                            <m:sup/>
+                            <m:e>
+                              <m:r>
+                                <a:rPr lang="en-US" altLang="zh-CN" i="1">
+                                  <a:latin typeface="Cambria Math" panose="02040503050406030204" pitchFamily="18" charset="0"/>
+                                  <a:cs typeface="Times New Roman" panose="02020603050405020304" pitchFamily="18" charset="0"/>
+                                </a:rPr>
+                                <m:t>𝑃</m:t>
+                              </m:r>
+                              <m:d>
+                                <m:dPr>
+                                  <m:ctrlPr>
+                                    <a:rPr lang="en-US" altLang="zh-CN" i="1">
+                                      <a:latin typeface="Cambria Math" panose="02040503050406030204" pitchFamily="18" charset="0"/>
+                                      <a:cs typeface="Times New Roman" panose="02020603050405020304" pitchFamily="18" charset="0"/>
+                                    </a:rPr>
+                                  </m:ctrlPr>
+                                </m:dPr>
+                                <m:e>
+                                  <m:r>
+                                    <a:rPr lang="en-US" altLang="zh-CN" i="1">
+                                      <a:latin typeface="Cambria Math" panose="02040503050406030204" pitchFamily="18" charset="0"/>
+                                      <a:cs typeface="Times New Roman" panose="02020603050405020304" pitchFamily="18" charset="0"/>
+                                    </a:rPr>
+                                    <m:t>𝑠</m:t>
+                                  </m:r>
+                                  <m:r>
+                                    <a:rPr lang="en-US" altLang="zh-CN" i="1">
+                                      <a:latin typeface="Cambria Math" panose="02040503050406030204" pitchFamily="18" charset="0"/>
+                                      <a:cs typeface="Times New Roman" panose="02020603050405020304" pitchFamily="18" charset="0"/>
+                                    </a:rPr>
+                                    <m:t>,</m:t>
+                                  </m:r>
+                                  <m:r>
+                                    <a:rPr lang="en-US" altLang="zh-CN" i="1">
+                                      <a:latin typeface="Cambria Math" panose="02040503050406030204" pitchFamily="18" charset="0"/>
+                                      <a:cs typeface="Times New Roman" panose="02020603050405020304" pitchFamily="18" charset="0"/>
+                                    </a:rPr>
+                                    <m:t>𝑎</m:t>
+                                  </m:r>
+                                  <m:r>
+                                    <a:rPr lang="en-US" altLang="zh-CN" i="1">
+                                      <a:latin typeface="Cambria Math" panose="02040503050406030204" pitchFamily="18" charset="0"/>
+                                      <a:cs typeface="Times New Roman" panose="02020603050405020304" pitchFamily="18" charset="0"/>
+                                    </a:rPr>
+                                    <m:t>,</m:t>
+                                  </m:r>
+                                  <m:sSup>
+                                    <m:sSupPr>
+                                      <m:ctrlPr>
+                                        <a:rPr lang="en-US" altLang="zh-CN" i="1">
+                                          <a:latin typeface="Cambria Math" panose="02040503050406030204" pitchFamily="18" charset="0"/>
+                                          <a:cs typeface="Times New Roman" panose="02020603050405020304" pitchFamily="18" charset="0"/>
+                                        </a:rPr>
+                                      </m:ctrlPr>
+                                    </m:sSupPr>
+                                    <m:e>
+                                      <m:r>
+                                        <a:rPr lang="en-US" altLang="zh-CN" i="1">
+                                          <a:latin typeface="Cambria Math" panose="02040503050406030204" pitchFamily="18" charset="0"/>
+                                          <a:cs typeface="Times New Roman" panose="02020603050405020304" pitchFamily="18" charset="0"/>
+                                        </a:rPr>
+                                        <m:t>𝑠</m:t>
+                                      </m:r>
+                                    </m:e>
+                                    <m:sup>
+                                      <m:r>
+                                        <a:rPr lang="en-US" altLang="zh-CN" i="1">
+                                          <a:latin typeface="Cambria Math" panose="02040503050406030204" pitchFamily="18" charset="0"/>
+                                          <a:cs typeface="Times New Roman" panose="02020603050405020304" pitchFamily="18" charset="0"/>
+                                        </a:rPr>
+                                        <m:t>′′</m:t>
+                                      </m:r>
+                                    </m:sup>
+                                  </m:sSup>
+                                </m:e>
+                              </m:d>
+                              <m:r>
+                                <a:rPr lang="en-US" altLang="zh-CN" i="1">
+                                  <a:latin typeface="Cambria Math" panose="02040503050406030204" pitchFamily="18" charset="0"/>
+                                  <a:ea typeface="Cambria Math" panose="02040503050406030204" pitchFamily="18" charset="0"/>
+                                  <a:cs typeface="Times New Roman" panose="02020603050405020304" pitchFamily="18" charset="0"/>
+                                </a:rPr>
+                                <m:t>∙</m:t>
+                              </m:r>
+                              <m:d>
+                                <m:dPr>
+                                  <m:ctrlPr>
+                                    <a:rPr lang="en-US" altLang="zh-CN" i="1">
+                                      <a:latin typeface="Cambria Math" panose="02040503050406030204" pitchFamily="18" charset="0"/>
+                                      <a:ea typeface="Cambria Math" panose="02040503050406030204" pitchFamily="18" charset="0"/>
+                                      <a:cs typeface="Times New Roman" panose="02020603050405020304" pitchFamily="18" charset="0"/>
+                                    </a:rPr>
+                                  </m:ctrlPr>
+                                </m:dPr>
+                                <m:e>
+                                  <m:r>
+                                    <a:rPr lang="en-US" altLang="zh-CN" i="1">
+                                      <a:latin typeface="Cambria Math" panose="02040503050406030204" pitchFamily="18" charset="0"/>
+                                      <a:cs typeface="Times New Roman" panose="02020603050405020304" pitchFamily="18" charset="0"/>
+                                    </a:rPr>
+                                    <m:t>𝑅</m:t>
+                                  </m:r>
+                                  <m:d>
+                                    <m:dPr>
+                                      <m:ctrlPr>
+                                        <a:rPr lang="en-US" altLang="zh-CN" i="1">
+                                          <a:latin typeface="Cambria Math" panose="02040503050406030204" pitchFamily="18" charset="0"/>
+                                          <a:cs typeface="Times New Roman" panose="02020603050405020304" pitchFamily="18" charset="0"/>
+                                        </a:rPr>
+                                      </m:ctrlPr>
+                                    </m:dPr>
+                                    <m:e>
+                                      <m:r>
+                                        <a:rPr lang="en-US" altLang="zh-CN" i="1">
+                                          <a:latin typeface="Cambria Math" panose="02040503050406030204" pitchFamily="18" charset="0"/>
+                                          <a:cs typeface="Times New Roman" panose="02020603050405020304" pitchFamily="18" charset="0"/>
+                                        </a:rPr>
+                                        <m:t>𝑠</m:t>
+                                      </m:r>
+                                      <m:r>
+                                        <a:rPr lang="en-US" altLang="zh-CN" i="1">
+                                          <a:latin typeface="Cambria Math" panose="02040503050406030204" pitchFamily="18" charset="0"/>
+                                          <a:cs typeface="Times New Roman" panose="02020603050405020304" pitchFamily="18" charset="0"/>
+                                        </a:rPr>
+                                        <m:t>,</m:t>
+                                      </m:r>
+                                      <m:r>
+                                        <a:rPr lang="en-US" altLang="zh-CN" i="1">
+                                          <a:latin typeface="Cambria Math" panose="02040503050406030204" pitchFamily="18" charset="0"/>
+                                          <a:cs typeface="Times New Roman" panose="02020603050405020304" pitchFamily="18" charset="0"/>
+                                        </a:rPr>
+                                        <m:t>𝑎</m:t>
+                                      </m:r>
+                                      <m:r>
+                                        <a:rPr lang="en-US" altLang="zh-CN" i="1">
+                                          <a:latin typeface="Cambria Math" panose="02040503050406030204" pitchFamily="18" charset="0"/>
+                                          <a:cs typeface="Times New Roman" panose="02020603050405020304" pitchFamily="18" charset="0"/>
+                                        </a:rPr>
+                                        <m:t>,</m:t>
+                                      </m:r>
+                                      <m:sSup>
+                                        <m:sSupPr>
+                                          <m:ctrlPr>
+                                            <a:rPr lang="en-US" altLang="zh-CN" i="1">
+                                              <a:latin typeface="Cambria Math" panose="02040503050406030204" pitchFamily="18" charset="0"/>
+                                              <a:cs typeface="Times New Roman" panose="02020603050405020304" pitchFamily="18" charset="0"/>
+                                            </a:rPr>
+                                          </m:ctrlPr>
+                                        </m:sSupPr>
+                                        <m:e>
+                                          <m:r>
+                                            <a:rPr lang="en-US" altLang="zh-CN" i="1">
+                                              <a:latin typeface="Cambria Math" panose="02040503050406030204" pitchFamily="18" charset="0"/>
+                                              <a:cs typeface="Times New Roman" panose="02020603050405020304" pitchFamily="18" charset="0"/>
+                                            </a:rPr>
+                                            <m:t>𝑠</m:t>
+                                          </m:r>
+                                        </m:e>
+                                        <m:sup>
+                                          <m:r>
+                                            <a:rPr lang="en-US" altLang="zh-CN" i="1">
+                                              <a:latin typeface="Cambria Math" panose="02040503050406030204" pitchFamily="18" charset="0"/>
+                                              <a:cs typeface="Times New Roman" panose="02020603050405020304" pitchFamily="18" charset="0"/>
+                                            </a:rPr>
+                                            <m:t>′′</m:t>
+                                          </m:r>
+                                        </m:sup>
+                                      </m:sSup>
+                                    </m:e>
+                                  </m:d>
+                                  <m:r>
+                                    <a:rPr lang="en-US" altLang="zh-CN" i="1">
+                                      <a:latin typeface="Cambria Math" panose="02040503050406030204" pitchFamily="18" charset="0"/>
+                                      <a:cs typeface="Times New Roman" panose="02020603050405020304" pitchFamily="18" charset="0"/>
+                                    </a:rPr>
+                                    <m:t>+</m:t>
+                                  </m:r>
+                                  <m:r>
+                                    <m:rPr>
+                                      <m:sty m:val="p"/>
+                                    </m:rPr>
+                                    <a:rPr lang="en-US" altLang="zh-CN" dirty="0">
+                                      <a:latin typeface="Cambria Math" charset="0"/>
+                                      <a:ea typeface="Cambria Math" charset="0"/>
+                                    </a:rPr>
+                                    <m:t>γ</m:t>
+                                  </m:r>
+                                  <m:r>
+                                    <a:rPr lang="en-US" altLang="zh-CN" i="1" dirty="0">
+                                      <a:latin typeface="Cambria Math" panose="02040503050406030204" pitchFamily="18" charset="0"/>
+                                      <a:ea typeface="Cambria Math" panose="02040503050406030204" pitchFamily="18" charset="0"/>
+                                    </a:rPr>
+                                    <m:t>∙</m:t>
+                                  </m:r>
+                                  <m:sSub>
+                                    <m:sSubPr>
+                                      <m:ctrlPr>
+                                        <a:rPr lang="en" altLang="zh-CN" i="1">
+                                          <a:solidFill>
+                                            <a:schemeClr val="tx1">
+                                              <a:lumMod val="95000"/>
+                                              <a:lumOff val="5000"/>
+                                            </a:schemeClr>
+                                          </a:solidFill>
+                                          <a:latin typeface="Cambria Math" panose="02040503050406030204" pitchFamily="18" charset="0"/>
+                                          <a:cs typeface="Times New Roman" panose="02020603050405020304" pitchFamily="18" charset="0"/>
+                                        </a:rPr>
+                                      </m:ctrlPr>
+                                    </m:sSubPr>
+                                    <m:e>
+                                      <m:r>
+                                        <a:rPr lang="en-US" altLang="zh-CN" i="1">
+                                          <a:solidFill>
+                                            <a:schemeClr val="tx1">
+                                              <a:lumMod val="95000"/>
+                                              <a:lumOff val="5000"/>
+                                            </a:schemeClr>
+                                          </a:solidFill>
+                                          <a:latin typeface="Cambria Math" panose="02040503050406030204" pitchFamily="18" charset="0"/>
+                                          <a:cs typeface="Times New Roman" panose="02020603050405020304" pitchFamily="18" charset="0"/>
+                                        </a:rPr>
+                                        <m:t>𝑉</m:t>
+                                      </m:r>
+                                    </m:e>
+                                    <m:sub>
+                                      <m:r>
+                                        <a:rPr lang="en" altLang="zh-CN" i="1">
+                                          <a:solidFill>
+                                            <a:schemeClr val="tx1">
+                                              <a:lumMod val="95000"/>
+                                              <a:lumOff val="5000"/>
+                                            </a:schemeClr>
+                                          </a:solidFill>
+                                          <a:latin typeface="Cambria Math" panose="02040503050406030204" pitchFamily="18" charset="0"/>
+                                          <a:ea typeface="Cambria Math" panose="02040503050406030204" pitchFamily="18" charset="0"/>
+                                          <a:cs typeface="Times New Roman" panose="02020603050405020304" pitchFamily="18" charset="0"/>
+                                        </a:rPr>
+                                        <m:t>𝜋</m:t>
+                                      </m:r>
+                                    </m:sub>
+                                  </m:sSub>
+                                  <m:d>
+                                    <m:dPr>
+                                      <m:ctrlPr>
+                                        <a:rPr lang="en" altLang="zh-CN" i="1">
+                                          <a:solidFill>
+                                            <a:schemeClr val="tx1">
+                                              <a:lumMod val="95000"/>
+                                              <a:lumOff val="5000"/>
+                                            </a:schemeClr>
+                                          </a:solidFill>
+                                          <a:latin typeface="Cambria Math" panose="02040503050406030204" pitchFamily="18" charset="0"/>
+                                          <a:cs typeface="Times New Roman" panose="02020603050405020304" pitchFamily="18" charset="0"/>
+                                        </a:rPr>
+                                      </m:ctrlPr>
+                                    </m:dPr>
+                                    <m:e>
+                                      <m:sSup>
+                                        <m:sSupPr>
+                                          <m:ctrlPr>
+                                            <a:rPr lang="en-US" altLang="zh-CN" i="1">
+                                              <a:latin typeface="Cambria Math" panose="02040503050406030204" pitchFamily="18" charset="0"/>
+                                              <a:cs typeface="Times New Roman" panose="02020603050405020304" pitchFamily="18" charset="0"/>
+                                            </a:rPr>
+                                          </m:ctrlPr>
+                                        </m:sSupPr>
+                                        <m:e>
+                                          <m:r>
+                                            <a:rPr lang="en-US" altLang="zh-CN" i="1">
+                                              <a:latin typeface="Cambria Math" panose="02040503050406030204" pitchFamily="18" charset="0"/>
+                                              <a:cs typeface="Times New Roman" panose="02020603050405020304" pitchFamily="18" charset="0"/>
+                                            </a:rPr>
+                                            <m:t>𝑠</m:t>
+                                          </m:r>
+                                        </m:e>
+                                        <m:sup>
+                                          <m:r>
+                                            <a:rPr lang="en-US" altLang="zh-CN" i="1">
+                                              <a:latin typeface="Cambria Math" panose="02040503050406030204" pitchFamily="18" charset="0"/>
+                                              <a:cs typeface="Times New Roman" panose="02020603050405020304" pitchFamily="18" charset="0"/>
+                                            </a:rPr>
+                                            <m:t>′′</m:t>
+                                          </m:r>
+                                        </m:sup>
+                                      </m:sSup>
+                                    </m:e>
+                                  </m:d>
+                                </m:e>
+                              </m:d>
+                            </m:e>
+                          </m:nary>
+                        </m:e>
+                      </m:d>
+                    </m:oMath>
+                  </m:oMathPara>
+                </a14:m>
+                <a:endParaRPr lang="zh-CN" altLang="en-US" dirty="0"/>
+              </a:p>
+            </p:txBody>
+          </p:sp>
+        </mc:Choice>
+        <mc:Fallback>
+          <p:sp>
+            <p:nvSpPr>
+              <p:cNvPr id="6" name="矩形 5">
+                <a:extLst>
+                  <a:ext uri="{FF2B5EF4-FFF2-40B4-BE49-F238E27FC236}">
+                    <a16:creationId xmlns:a16="http://schemas.microsoft.com/office/drawing/2014/main" id="{9B4BDC3D-5B99-6347-8CAB-CB92DB130C05}"/>
+                  </a:ext>
+                </a:extLst>
+              </p:cNvPr>
+              <p:cNvSpPr>
+                <a:spLocks noRot="1" noChangeAspect="1" noMove="1" noResize="1" noEditPoints="1" noAdjustHandles="1" noChangeArrowheads="1" noChangeShapeType="1" noTextEdit="1"/>
+              </p:cNvSpPr>
+              <p:nvPr/>
+            </p:nvSpPr>
+            <p:spPr>
+              <a:xfrm>
+                <a:off x="1405293" y="1665905"/>
+                <a:ext cx="9381414" cy="2357440"/>
+              </a:xfrm>
+              <a:prstGeom prst="rect">
+                <a:avLst/>
+              </a:prstGeom>
+              <a:blipFill>
+                <a:blip r:embed="rId3"/>
+                <a:stretch>
+                  <a:fillRect l="-4871" t="-28877" b="-53476"/>
+                </a:stretch>
+              </a:blipFill>
+            </p:spPr>
+            <p:txBody>
+              <a:bodyPr/>
+              <a:lstStyle/>
+              <a:p>
+                <a:r>
+                  <a:rPr lang="zh-CN" altLang="en-US">
+                    <a:noFill/>
+                  </a:rPr>
+                  <a:t> </a:t>
+                </a:r>
+              </a:p>
+            </p:txBody>
+          </p:sp>
+        </mc:Fallback>
+      </mc:AlternateContent>
+    </p:spTree>
+    <p:extLst>
+      <p:ext uri="{BB962C8B-B14F-4D97-AF65-F5344CB8AC3E}">
+        <p14:creationId xmlns:p14="http://schemas.microsoft.com/office/powerpoint/2010/main" val="1736572342"/>
       </p:ext>
     </p:extLst>
   </p:cSld>
